--- a/Warsztat_soapUI.pptx
+++ b/Warsztat_soapUI.pptx
@@ -19266,13 +19266,8 @@
             </a:r>
             <a:r>
               <a:rPr lang="pl-PL" dirty="0"/>
-              <a:t> – </a:t>
-            </a:r>
-            <a:r>
-              <a:rPr lang="pl-PL"/>
-              <a:t>scripts sprawdź!?</a:t>
-            </a:r>
-            <a:endParaRPr lang="pl-PL" dirty="0"/>
+              <a:t> – scripts sprawdź!?</a:t>
+            </a:r>
           </a:p>
         </p:txBody>
       </p:sp>

--- a/Warsztat_soapUI.pptx
+++ b/Warsztat_soapUI.pptx
@@ -5,10 +5,10 @@
     <p:sldMasterId id="2147483648" r:id="rId4"/>
   </p:sldMasterIdLst>
   <p:notesMasterIdLst>
-    <p:notesMasterId r:id="rId76"/>
+    <p:notesMasterId r:id="rId78"/>
   </p:notesMasterIdLst>
   <p:handoutMasterIdLst>
-    <p:handoutMasterId r:id="rId77"/>
+    <p:handoutMasterId r:id="rId79"/>
   </p:handoutMasterIdLst>
   <p:sldIdLst>
     <p:sldId id="257" r:id="rId5"/>
@@ -36,12 +36,12 @@
     <p:sldId id="289" r:id="rId27"/>
     <p:sldId id="295" r:id="rId28"/>
     <p:sldId id="290" r:id="rId29"/>
-    <p:sldId id="334" r:id="rId30"/>
-    <p:sldId id="333" r:id="rId31"/>
+    <p:sldId id="333" r:id="rId30"/>
+    <p:sldId id="334" r:id="rId31"/>
     <p:sldId id="311" r:id="rId32"/>
-    <p:sldId id="338" r:id="rId33"/>
-    <p:sldId id="314" r:id="rId34"/>
-    <p:sldId id="339" r:id="rId35"/>
+    <p:sldId id="339" r:id="rId33"/>
+    <p:sldId id="338" r:id="rId34"/>
+    <p:sldId id="314" r:id="rId35"/>
     <p:sldId id="315" r:id="rId36"/>
     <p:sldId id="316" r:id="rId37"/>
     <p:sldId id="294" r:id="rId38"/>
@@ -59,29 +59,31 @@
     <p:sldId id="305" r:id="rId50"/>
     <p:sldId id="312" r:id="rId51"/>
     <p:sldId id="337" r:id="rId52"/>
-    <p:sldId id="306" r:id="rId53"/>
-    <p:sldId id="342" r:id="rId54"/>
-    <p:sldId id="335" r:id="rId55"/>
-    <p:sldId id="328" r:id="rId56"/>
-    <p:sldId id="308" r:id="rId57"/>
-    <p:sldId id="332" r:id="rId58"/>
-    <p:sldId id="309" r:id="rId59"/>
-    <p:sldId id="326" r:id="rId60"/>
-    <p:sldId id="324" r:id="rId61"/>
-    <p:sldId id="341" r:id="rId62"/>
-    <p:sldId id="325" r:id="rId63"/>
-    <p:sldId id="336" r:id="rId64"/>
-    <p:sldId id="297" r:id="rId65"/>
-    <p:sldId id="318" r:id="rId66"/>
-    <p:sldId id="313" r:id="rId67"/>
-    <p:sldId id="317" r:id="rId68"/>
-    <p:sldId id="327" r:id="rId69"/>
-    <p:sldId id="319" r:id="rId70"/>
-    <p:sldId id="304" r:id="rId71"/>
-    <p:sldId id="303" r:id="rId72"/>
-    <p:sldId id="331" r:id="rId73"/>
-    <p:sldId id="344" r:id="rId74"/>
-    <p:sldId id="345" r:id="rId75"/>
+    <p:sldId id="347" r:id="rId53"/>
+    <p:sldId id="306" r:id="rId54"/>
+    <p:sldId id="342" r:id="rId55"/>
+    <p:sldId id="335" r:id="rId56"/>
+    <p:sldId id="328" r:id="rId57"/>
+    <p:sldId id="308" r:id="rId58"/>
+    <p:sldId id="332" r:id="rId59"/>
+    <p:sldId id="309" r:id="rId60"/>
+    <p:sldId id="348" r:id="rId61"/>
+    <p:sldId id="326" r:id="rId62"/>
+    <p:sldId id="324" r:id="rId63"/>
+    <p:sldId id="341" r:id="rId64"/>
+    <p:sldId id="325" r:id="rId65"/>
+    <p:sldId id="336" r:id="rId66"/>
+    <p:sldId id="297" r:id="rId67"/>
+    <p:sldId id="318" r:id="rId68"/>
+    <p:sldId id="313" r:id="rId69"/>
+    <p:sldId id="317" r:id="rId70"/>
+    <p:sldId id="327" r:id="rId71"/>
+    <p:sldId id="319" r:id="rId72"/>
+    <p:sldId id="304" r:id="rId73"/>
+    <p:sldId id="303" r:id="rId74"/>
+    <p:sldId id="331" r:id="rId75"/>
+    <p:sldId id="344" r:id="rId76"/>
+    <p:sldId id="345" r:id="rId77"/>
   </p:sldIdLst>
   <p:sldSz cx="12192000" cy="6858000"/>
   <p:notesSz cx="6858000" cy="9144000"/>
@@ -188,6 +190,32 @@
 </p:presentation>
 </file>
 
+<file path=ppt/commentAuthors.xml><?xml version="1.0" encoding="utf-8"?>
+<p:cmAuthorLst xmlns:a="http://schemas.openxmlformats.org/drawingml/2006/main" xmlns:r="http://schemas.openxmlformats.org/officeDocument/2006/relationships" xmlns:p="http://schemas.openxmlformats.org/presentationml/2006/main">
+  <p:cmAuthor id="1" name="Czyżykowski Michał" initials="CM" lastIdx="1" clrIdx="0">
+    <p:extLst>
+      <p:ext uri="{19B8F6BF-5375-455C-9EA6-DF929625EA0E}">
+        <p15:presenceInfo xmlns:p15="http://schemas.microsoft.com/office/powerpoint/2012/main" userId="S::michalcz@atena.pl::32b2e411-8523-4689-bf81-10fc83f268f7" providerId="AD"/>
+      </p:ext>
+    </p:extLst>
+  </p:cmAuthor>
+</p:cmAuthorLst>
+</file>
+
+<file path=ppt/comments/comment1.xml><?xml version="1.0" encoding="utf-8"?>
+<p:cmLst xmlns:a="http://schemas.openxmlformats.org/drawingml/2006/main" xmlns:r="http://schemas.openxmlformats.org/officeDocument/2006/relationships" xmlns:p="http://schemas.openxmlformats.org/presentationml/2006/main">
+  <p:cm authorId="1" dt="2019-12-17T23:12:25.957" idx="1">
+    <p:pos x="10" y="10"/>
+    <p:text/>
+    <p:extLst>
+      <p:ext uri="{C676402C-5697-4E1C-873F-D02D1690AC5C}">
+        <p15:threadingInfo xmlns:p15="http://schemas.microsoft.com/office/powerpoint/2012/main" timeZoneBias="-60"/>
+      </p:ext>
+    </p:extLst>
+  </p:cm>
+</p:cmLst>
+</file>
+
 <file path=ppt/handoutMasters/handoutMaster1.xml><?xml version="1.0" encoding="utf-8"?>
 <p:handoutMaster xmlns:a="http://schemas.openxmlformats.org/drawingml/2006/main" xmlns:r="http://schemas.openxmlformats.org/officeDocument/2006/relationships" xmlns:p="http://schemas.openxmlformats.org/presentationml/2006/main">
   <p:cSld>
@@ -358,7 +386,7 @@
                   <a:uFillTx/>
                 </a:defRPr>
               </a:pPr>
-              <a:t>16.12.2019</a:t>
+              <a:t>18.12.2019</a:t>
             </a:fld>
             <a:endParaRPr lang="pl-PL" sz="1200" b="0" i="0" u="none" strike="noStrike" kern="1200" cap="none" spc="0" baseline="0">
               <a:solidFill>
@@ -658,7 +686,7 @@
             <a:fld id="{2DC994FA-1E1E-4C1F-92F5-BFCB55B6E1E1}" type="datetime1">
               <a:rPr lang="pl-PL"/>
               <a:pPr lvl="0"/>
-              <a:t>16.12.2019</a:t>
+              <a:t>18.12.2019</a:t>
             </a:fld>
             <a:endParaRPr lang="pl-PL"/>
           </a:p>
@@ -2646,7 +2674,7 @@
             <a:fld id="{88C6A809-712F-4F6E-B61A-4B7E51A85732}" type="datetime1">
               <a:rPr lang="pl-PL"/>
               <a:pPr lvl="0"/>
-              <a:t>16.12.2019</a:t>
+              <a:t>18.12.2019</a:t>
             </a:fld>
             <a:endParaRPr lang="pl-PL"/>
           </a:p>
@@ -2892,7 +2920,7 @@
             <a:fld id="{5F04C300-C7A8-4A82-9428-559514751D33}" type="datetime1">
               <a:rPr lang="pl-PL"/>
               <a:pPr lvl="0"/>
-              <a:t>16.12.2019</a:t>
+              <a:t>18.12.2019</a:t>
             </a:fld>
             <a:endParaRPr lang="pl-PL"/>
           </a:p>
@@ -3142,7 +3170,7 @@
             <a:fld id="{9D029645-BB3A-4028-A012-D25569DC706B}" type="datetime1">
               <a:rPr lang="pl-PL"/>
               <a:pPr lvl="0"/>
-              <a:t>16.12.2019</a:t>
+              <a:t>18.12.2019</a:t>
             </a:fld>
             <a:endParaRPr lang="pl-PL"/>
           </a:p>
@@ -3382,7 +3410,7 @@
             <a:fld id="{F5ECCB71-FCA4-4C22-9F86-88CAF1620278}" type="datetime1">
               <a:rPr lang="pl-PL"/>
               <a:pPr lvl="0"/>
-              <a:t>16.12.2019</a:t>
+              <a:t>18.12.2019</a:t>
             </a:fld>
             <a:endParaRPr lang="pl-PL"/>
           </a:p>
@@ -3600,7 +3628,7 @@
             <a:fld id="{766AE704-B059-408E-AE9F-34184F5B9A82}" type="datetime1">
               <a:rPr lang="pl-PL"/>
               <a:pPr lvl="0"/>
-              <a:t>16.12.2019</a:t>
+              <a:t>18.12.2019</a:t>
             </a:fld>
             <a:endParaRPr lang="pl-PL"/>
           </a:p>
@@ -3923,7 +3951,7 @@
             <a:fld id="{00462523-BDD9-42D5-95AD-5400D1C765DF}" type="datetime1">
               <a:rPr lang="pl-PL"/>
               <a:pPr lvl="0"/>
-              <a:t>16.12.2019</a:t>
+              <a:t>18.12.2019</a:t>
             </a:fld>
             <a:endParaRPr lang="pl-PL"/>
           </a:p>
@@ -4364,7 +4392,7 @@
             <a:fld id="{897EB433-31A3-468D-AC2E-EA8796647AD4}" type="datetime1">
               <a:rPr lang="pl-PL"/>
               <a:pPr lvl="0"/>
-              <a:t>16.12.2019</a:t>
+              <a:t>18.12.2019</a:t>
             </a:fld>
             <a:endParaRPr lang="pl-PL"/>
           </a:p>
@@ -4541,7 +4569,7 @@
             <a:fld id="{BFD73C1C-6DCB-46B4-9707-7342F32135F1}" type="datetime1">
               <a:rPr lang="pl-PL"/>
               <a:pPr lvl="0"/>
-              <a:t>16.12.2019</a:t>
+              <a:t>18.12.2019</a:t>
             </a:fld>
             <a:endParaRPr lang="pl-PL"/>
           </a:p>
@@ -4675,7 +4703,7 @@
             <a:fld id="{AD621688-A84E-43C1-8A47-222C1009C21A}" type="datetime1">
               <a:rPr lang="pl-PL"/>
               <a:pPr lvl="0"/>
-              <a:t>16.12.2019</a:t>
+              <a:t>18.12.2019</a:t>
             </a:fld>
             <a:endParaRPr lang="pl-PL"/>
           </a:p>
@@ -4964,7 +4992,7 @@
             <a:fld id="{044BA52D-4381-499D-A9A0-FC7FB1D150C8}" type="datetime1">
               <a:rPr lang="pl-PL"/>
               <a:pPr lvl="0"/>
-              <a:t>16.12.2019</a:t>
+              <a:t>18.12.2019</a:t>
             </a:fld>
             <a:endParaRPr lang="pl-PL"/>
           </a:p>
@@ -5234,7 +5262,7 @@
             <a:fld id="{1FD6136F-C7B3-4636-8D97-07693FF26277}" type="datetime1">
               <a:rPr lang="pl-PL"/>
               <a:pPr lvl="0"/>
-              <a:t>16.12.2019</a:t>
+              <a:t>18.12.2019</a:t>
             </a:fld>
             <a:endParaRPr lang="pl-PL"/>
           </a:p>
@@ -6673,7 +6701,7 @@
             <a:fld id="{DA420EFD-E567-4E62-9808-2F90096AEB36}" type="datetime1">
               <a:rPr lang="pl-PL"/>
               <a:pPr lvl="0"/>
-              <a:t>16.12.2019</a:t>
+              <a:t>18.12.2019</a:t>
             </a:fld>
             <a:endParaRPr lang="pl-PL"/>
           </a:p>
@@ -9907,11 +9935,11 @@
             </a:r>
             <a:r>
               <a:rPr lang="pl-PL" dirty="0" err="1"/>
-              <a:t>asertion</a:t>
-            </a:r>
-            <a:r>
-              <a:rPr lang="pl-PL" dirty="0"/>
-              <a:t>- </a:t>
+              <a:t>assertion</a:t>
+            </a:r>
+            <a:r>
+              <a:rPr lang="pl-PL" dirty="0"/>
+              <a:t> - </a:t>
             </a:r>
             <a:r>
               <a:rPr lang="pl-PL" dirty="0" err="1"/>
@@ -9988,7 +10016,7 @@
           <a:p>
             <a:r>
               <a:rPr lang="pl-PL" dirty="0"/>
-              <a:t>Proste sprawdzenia – REST</a:t>
+              <a:t>Proste sprawdzenia – REST Docker</a:t>
             </a:r>
             <a:br>
               <a:rPr lang="pl-PL" dirty="0"/>
@@ -10513,7 +10541,7 @@
           <p:cNvPr id="2" name="Tytuł 1">
             <a:extLst>
               <a:ext uri="{FF2B5EF4-FFF2-40B4-BE49-F238E27FC236}">
-                <a16:creationId xmlns:a16="http://schemas.microsoft.com/office/drawing/2014/main" id="{511A3374-43A5-463F-8F8B-8DF6895B68BE}"/>
+                <a16:creationId xmlns:a16="http://schemas.microsoft.com/office/drawing/2014/main" id="{05FB73C4-F1D3-4341-88AA-914F69909F83}"/>
               </a:ext>
             </a:extLst>
           </p:cNvPr>
@@ -10541,7 +10569,7 @@
           <p:cNvPr id="3" name="Symbol zastępczy zawartości 2">
             <a:extLst>
               <a:ext uri="{FF2B5EF4-FFF2-40B4-BE49-F238E27FC236}">
-                <a16:creationId xmlns:a16="http://schemas.microsoft.com/office/drawing/2014/main" id="{745FB359-D43B-47C0-9E4A-92CB8916C6D9}"/>
+                <a16:creationId xmlns:a16="http://schemas.microsoft.com/office/drawing/2014/main" id="{06B39637-9F4E-4F23-9AB0-A4455596365C}"/>
               </a:ext>
             </a:extLst>
           </p:cNvPr>
@@ -10554,49 +10582,30 @@
         </p:nvSpPr>
         <p:spPr/>
         <p:txBody>
-          <a:bodyPr/>
+          <a:bodyPr>
+            <a:normAutofit fontScale="92500" lnSpcReduction="10000"/>
+          </a:bodyPr>
           <a:lstStyle/>
           <a:p>
-            <a:r>
-              <a:rPr lang="pl-PL" dirty="0" err="1"/>
-              <a:t>Add</a:t>
-            </a:r>
-            <a:r>
-              <a:rPr lang="pl-PL" dirty="0"/>
-              <a:t> </a:t>
-            </a:r>
-            <a:r>
-              <a:rPr lang="pl-PL" dirty="0" err="1"/>
-              <a:t>Oauth</a:t>
-            </a:r>
-            <a:r>
-              <a:rPr lang="pl-PL" dirty="0"/>
-              <a:t> 2.0</a:t>
-            </a:r>
-          </a:p>
-          <a:p>
-            <a:pPr lvl="1"/>
-            <a:r>
-              <a:rPr lang="pl-PL" dirty="0" err="1"/>
-              <a:t>Add</a:t>
-            </a:r>
-            <a:r>
-              <a:rPr lang="pl-PL" dirty="0"/>
-              <a:t> pass</a:t>
-            </a:r>
-          </a:p>
-          <a:p>
-            <a:r>
-              <a:rPr lang="pl-PL" dirty="0" err="1"/>
-              <a:t>Follow</a:t>
-            </a:r>
-            <a:r>
-              <a:rPr lang="pl-PL" dirty="0"/>
-              <a:t> </a:t>
-            </a:r>
-            <a:r>
-              <a:rPr lang="pl-PL" dirty="0" err="1"/>
-              <a:t>redirects</a:t>
+            <a:pPr marL="109728" indent="0">
+              <a:buNone/>
+            </a:pPr>
+            <a:r>
+              <a:rPr lang="pl-PL" dirty="0"/>
+              <a:t>POST https://gorest.co.in/public-api/users HTTP/1.1</a:t>
+            </a:r>
+          </a:p>
+          <a:p>
+            <a:pPr marL="109728" indent="0">
+              <a:buNone/>
+            </a:pPr>
+            <a:r>
+              <a:rPr lang="pl-PL" dirty="0"/>
+              <a:t>Content-</a:t>
+            </a:r>
+            <a:r>
+              <a:rPr lang="pl-PL" dirty="0" err="1"/>
+              <a:t>Type</a:t>
             </a:r>
             <a:r>
               <a:rPr lang="pl-PL" dirty="0"/>
@@ -10604,8 +10613,140 @@
             </a:r>
             <a:r>
               <a:rPr lang="pl-PL" dirty="0" err="1"/>
-              <a:t>false</a:t>
-            </a:r>
+              <a:t>application</a:t>
+            </a:r>
+            <a:r>
+              <a:rPr lang="pl-PL" dirty="0"/>
+              <a:t>/</a:t>
+            </a:r>
+            <a:r>
+              <a:rPr lang="pl-PL" dirty="0" err="1"/>
+              <a:t>json</a:t>
+            </a:r>
+            <a:endParaRPr lang="pl-PL" dirty="0"/>
+          </a:p>
+          <a:p>
+            <a:pPr marL="109728" indent="0">
+              <a:buNone/>
+            </a:pPr>
+            <a:r>
+              <a:rPr lang="pl-PL" dirty="0" err="1"/>
+              <a:t>Authorization</a:t>
+            </a:r>
+            <a:r>
+              <a:rPr lang="pl-PL" dirty="0"/>
+              <a:t>: </a:t>
+            </a:r>
+            <a:r>
+              <a:rPr lang="pl-PL" dirty="0" err="1"/>
+              <a:t>Bearer</a:t>
+            </a:r>
+            <a:r>
+              <a:rPr lang="pl-PL" dirty="0"/>
+              <a:t> z0bROAWgHDjTBrbIAgC14nRRI4IxTDTSq5h0</a:t>
+            </a:r>
+          </a:p>
+          <a:p>
+            <a:pPr marL="109728" indent="0">
+              <a:buNone/>
+            </a:pPr>
+            <a:endParaRPr lang="pl-PL" dirty="0"/>
+          </a:p>
+          <a:p>
+            <a:pPr marL="109728" indent="0">
+              <a:buNone/>
+            </a:pPr>
+            <a:r>
+              <a:rPr lang="pl-PL" dirty="0"/>
+              <a:t>{</a:t>
+            </a:r>
+          </a:p>
+          <a:p>
+            <a:pPr marL="109728" indent="0">
+              <a:buNone/>
+            </a:pPr>
+            <a:r>
+              <a:rPr lang="pl-PL" dirty="0"/>
+              <a:t>	"</a:t>
+            </a:r>
+            <a:r>
+              <a:rPr lang="pl-PL" dirty="0" err="1"/>
+              <a:t>first_name</a:t>
+            </a:r>
+            <a:r>
+              <a:rPr lang="pl-PL" dirty="0"/>
+              <a:t>": "</a:t>
+            </a:r>
+            <a:r>
+              <a:rPr lang="pl-PL" dirty="0" err="1"/>
+              <a:t>imie</a:t>
+            </a:r>
+            <a:r>
+              <a:rPr lang="pl-PL" dirty="0"/>
+              <a:t>",</a:t>
+            </a:r>
+          </a:p>
+          <a:p>
+            <a:pPr marL="109728" indent="0">
+              <a:buNone/>
+            </a:pPr>
+            <a:r>
+              <a:rPr lang="pl-PL" dirty="0"/>
+              <a:t>	"</a:t>
+            </a:r>
+            <a:r>
+              <a:rPr lang="pl-PL" dirty="0" err="1"/>
+              <a:t>last_name</a:t>
+            </a:r>
+            <a:r>
+              <a:rPr lang="pl-PL" dirty="0"/>
+              <a:t>": "nazwisko",</a:t>
+            </a:r>
+          </a:p>
+          <a:p>
+            <a:pPr marL="109728" indent="0">
+              <a:buNone/>
+            </a:pPr>
+            <a:r>
+              <a:rPr lang="pl-PL" dirty="0"/>
+              <a:t>	"</a:t>
+            </a:r>
+            <a:r>
+              <a:rPr lang="pl-PL" dirty="0" err="1"/>
+              <a:t>gender</a:t>
+            </a:r>
+            <a:r>
+              <a:rPr lang="pl-PL" dirty="0"/>
+              <a:t>": "</a:t>
+            </a:r>
+            <a:r>
+              <a:rPr lang="pl-PL" dirty="0" err="1"/>
+              <a:t>male</a:t>
+            </a:r>
+            <a:r>
+              <a:rPr lang="pl-PL" dirty="0"/>
+              <a:t>",</a:t>
+            </a:r>
+          </a:p>
+          <a:p>
+            <a:pPr marL="109728" indent="0">
+              <a:buNone/>
+            </a:pPr>
+            <a:r>
+              <a:rPr lang="pl-PL" dirty="0"/>
+              <a:t>	"email": ”warsztat@test.com"</a:t>
+            </a:r>
+          </a:p>
+          <a:p>
+            <a:pPr marL="109728" indent="0">
+              <a:buNone/>
+            </a:pPr>
+            <a:r>
+              <a:rPr lang="pl-PL" dirty="0"/>
+              <a:t>}</a:t>
+            </a:r>
+          </a:p>
+          <a:p>
             <a:endParaRPr lang="pl-PL" dirty="0"/>
           </a:p>
         </p:txBody>
@@ -10613,7 +10754,7 @@
     </p:spTree>
     <p:extLst>
       <p:ext uri="{BB962C8B-B14F-4D97-AF65-F5344CB8AC3E}">
-        <p14:creationId xmlns:p14="http://schemas.microsoft.com/office/powerpoint/2010/main" val="2190434059"/>
+        <p14:creationId xmlns:p14="http://schemas.microsoft.com/office/powerpoint/2010/main" val="3902667046"/>
       </p:ext>
     </p:extLst>
   </p:cSld>
@@ -10648,7 +10789,7 @@
           <p:cNvPr id="2" name="Tytuł 1">
             <a:extLst>
               <a:ext uri="{FF2B5EF4-FFF2-40B4-BE49-F238E27FC236}">
-                <a16:creationId xmlns:a16="http://schemas.microsoft.com/office/drawing/2014/main" id="{05FB73C4-F1D3-4341-88AA-914F69909F83}"/>
+                <a16:creationId xmlns:a16="http://schemas.microsoft.com/office/drawing/2014/main" id="{511A3374-43A5-463F-8F8B-8DF6895B68BE}"/>
               </a:ext>
             </a:extLst>
           </p:cNvPr>
@@ -10676,7 +10817,7 @@
           <p:cNvPr id="3" name="Symbol zastępczy zawartości 2">
             <a:extLst>
               <a:ext uri="{FF2B5EF4-FFF2-40B4-BE49-F238E27FC236}">
-                <a16:creationId xmlns:a16="http://schemas.microsoft.com/office/drawing/2014/main" id="{06B39637-9F4E-4F23-9AB0-A4455596365C}"/>
+                <a16:creationId xmlns:a16="http://schemas.microsoft.com/office/drawing/2014/main" id="{745FB359-D43B-47C0-9E4A-92CB8916C6D9}"/>
               </a:ext>
             </a:extLst>
           </p:cNvPr>
@@ -10689,30 +10830,49 @@
         </p:nvSpPr>
         <p:spPr/>
         <p:txBody>
-          <a:bodyPr>
-            <a:normAutofit fontScale="92500" lnSpcReduction="10000"/>
-          </a:bodyPr>
+          <a:bodyPr/>
           <a:lstStyle/>
           <a:p>
-            <a:pPr marL="109728" indent="0">
-              <a:buNone/>
-            </a:pPr>
-            <a:r>
-              <a:rPr lang="pl-PL" dirty="0"/>
-              <a:t>POST https://gorest.co.in/public-api/users HTTP/1.1</a:t>
-            </a:r>
-          </a:p>
-          <a:p>
-            <a:pPr marL="109728" indent="0">
-              <a:buNone/>
-            </a:pPr>
-            <a:r>
-              <a:rPr lang="pl-PL" dirty="0"/>
-              <a:t>Content-</a:t>
-            </a:r>
-            <a:r>
-              <a:rPr lang="pl-PL" dirty="0" err="1"/>
-              <a:t>Type</a:t>
+            <a:r>
+              <a:rPr lang="pl-PL" dirty="0" err="1"/>
+              <a:t>Add</a:t>
+            </a:r>
+            <a:r>
+              <a:rPr lang="pl-PL" dirty="0"/>
+              <a:t> </a:t>
+            </a:r>
+            <a:r>
+              <a:rPr lang="pl-PL" dirty="0" err="1"/>
+              <a:t>Oauth</a:t>
+            </a:r>
+            <a:r>
+              <a:rPr lang="pl-PL" dirty="0"/>
+              <a:t> 2.0</a:t>
+            </a:r>
+          </a:p>
+          <a:p>
+            <a:pPr lvl="1"/>
+            <a:r>
+              <a:rPr lang="pl-PL" dirty="0" err="1"/>
+              <a:t>Add</a:t>
+            </a:r>
+            <a:r>
+              <a:rPr lang="pl-PL" dirty="0"/>
+              <a:t> pass</a:t>
+            </a:r>
+          </a:p>
+          <a:p>
+            <a:r>
+              <a:rPr lang="pl-PL" dirty="0" err="1"/>
+              <a:t>Follow</a:t>
+            </a:r>
+            <a:r>
+              <a:rPr lang="pl-PL" dirty="0"/>
+              <a:t> </a:t>
+            </a:r>
+            <a:r>
+              <a:rPr lang="pl-PL" dirty="0" err="1"/>
+              <a:t>redirects</a:t>
             </a:r>
             <a:r>
               <a:rPr lang="pl-PL" dirty="0"/>
@@ -10720,140 +10880,8 @@
             </a:r>
             <a:r>
               <a:rPr lang="pl-PL" dirty="0" err="1"/>
-              <a:t>application</a:t>
-            </a:r>
-            <a:r>
-              <a:rPr lang="pl-PL" dirty="0"/>
-              <a:t>/</a:t>
-            </a:r>
-            <a:r>
-              <a:rPr lang="pl-PL" dirty="0" err="1"/>
-              <a:t>json</a:t>
-            </a:r>
-            <a:endParaRPr lang="pl-PL" dirty="0"/>
-          </a:p>
-          <a:p>
-            <a:pPr marL="109728" indent="0">
-              <a:buNone/>
-            </a:pPr>
-            <a:r>
-              <a:rPr lang="pl-PL" dirty="0" err="1"/>
-              <a:t>Authorization</a:t>
-            </a:r>
-            <a:r>
-              <a:rPr lang="pl-PL" dirty="0"/>
-              <a:t>: </a:t>
-            </a:r>
-            <a:r>
-              <a:rPr lang="pl-PL" dirty="0" err="1"/>
-              <a:t>Bearer</a:t>
-            </a:r>
-            <a:r>
-              <a:rPr lang="pl-PL" dirty="0"/>
-              <a:t> z0bROAWgHDjTBrbIAgC14nRRI4IxTDTSq5h0</a:t>
-            </a:r>
-          </a:p>
-          <a:p>
-            <a:pPr marL="109728" indent="0">
-              <a:buNone/>
-            </a:pPr>
-            <a:endParaRPr lang="pl-PL" dirty="0"/>
-          </a:p>
-          <a:p>
-            <a:pPr marL="109728" indent="0">
-              <a:buNone/>
-            </a:pPr>
-            <a:r>
-              <a:rPr lang="pl-PL" dirty="0"/>
-              <a:t>{</a:t>
-            </a:r>
-          </a:p>
-          <a:p>
-            <a:pPr marL="109728" indent="0">
-              <a:buNone/>
-            </a:pPr>
-            <a:r>
-              <a:rPr lang="pl-PL" dirty="0"/>
-              <a:t>	"</a:t>
-            </a:r>
-            <a:r>
-              <a:rPr lang="pl-PL" dirty="0" err="1"/>
-              <a:t>first_name</a:t>
-            </a:r>
-            <a:r>
-              <a:rPr lang="pl-PL" dirty="0"/>
-              <a:t>": "</a:t>
-            </a:r>
-            <a:r>
-              <a:rPr lang="pl-PL" dirty="0" err="1"/>
-              <a:t>imie</a:t>
-            </a:r>
-            <a:r>
-              <a:rPr lang="pl-PL" dirty="0"/>
-              <a:t>",</a:t>
-            </a:r>
-          </a:p>
-          <a:p>
-            <a:pPr marL="109728" indent="0">
-              <a:buNone/>
-            </a:pPr>
-            <a:r>
-              <a:rPr lang="pl-PL" dirty="0"/>
-              <a:t>	"</a:t>
-            </a:r>
-            <a:r>
-              <a:rPr lang="pl-PL" dirty="0" err="1"/>
-              <a:t>last_name</a:t>
-            </a:r>
-            <a:r>
-              <a:rPr lang="pl-PL" dirty="0"/>
-              <a:t>": "nazwisko",</a:t>
-            </a:r>
-          </a:p>
-          <a:p>
-            <a:pPr marL="109728" indent="0">
-              <a:buNone/>
-            </a:pPr>
-            <a:r>
-              <a:rPr lang="pl-PL" dirty="0"/>
-              <a:t>	"</a:t>
-            </a:r>
-            <a:r>
-              <a:rPr lang="pl-PL" dirty="0" err="1"/>
-              <a:t>gender</a:t>
-            </a:r>
-            <a:r>
-              <a:rPr lang="pl-PL" dirty="0"/>
-              <a:t>": "</a:t>
-            </a:r>
-            <a:r>
-              <a:rPr lang="pl-PL" dirty="0" err="1"/>
-              <a:t>male</a:t>
-            </a:r>
-            <a:r>
-              <a:rPr lang="pl-PL" dirty="0"/>
-              <a:t>",</a:t>
-            </a:r>
-          </a:p>
-          <a:p>
-            <a:pPr marL="109728" indent="0">
-              <a:buNone/>
-            </a:pPr>
-            <a:r>
-              <a:rPr lang="pl-PL" dirty="0"/>
-              <a:t>	"email": ”warsztat@test.com"</a:t>
-            </a:r>
-          </a:p>
-          <a:p>
-            <a:pPr marL="109728" indent="0">
-              <a:buNone/>
-            </a:pPr>
-            <a:r>
-              <a:rPr lang="pl-PL" dirty="0"/>
-              <a:t>}</a:t>
-            </a:r>
-          </a:p>
-          <a:p>
+              <a:t>false</a:t>
+            </a:r>
             <a:endParaRPr lang="pl-PL" dirty="0"/>
           </a:p>
         </p:txBody>
@@ -10861,7 +10889,7 @@
     </p:spTree>
     <p:extLst>
       <p:ext uri="{BB962C8B-B14F-4D97-AF65-F5344CB8AC3E}">
-        <p14:creationId xmlns:p14="http://schemas.microsoft.com/office/powerpoint/2010/main" val="3902667046"/>
+        <p14:creationId xmlns:p14="http://schemas.microsoft.com/office/powerpoint/2010/main" val="2190434059"/>
       </p:ext>
     </p:extLst>
   </p:cSld>
@@ -11046,7 +11074,7 @@
           <p:cNvPr id="2" name="Tytuł 1">
             <a:extLst>
               <a:ext uri="{FF2B5EF4-FFF2-40B4-BE49-F238E27FC236}">
-                <a16:creationId xmlns:a16="http://schemas.microsoft.com/office/drawing/2014/main" id="{FB589994-4F8E-4D60-B4B6-68FDD07842FB}"/>
+                <a16:creationId xmlns:a16="http://schemas.microsoft.com/office/drawing/2014/main" id="{2B2C446F-FD6B-4DD0-8DC9-A99AA2B50A81}"/>
               </a:ext>
             </a:extLst>
           </p:cNvPr>
@@ -11066,14 +11094,6 @@
               <a:rPr lang="pl-PL" dirty="0" err="1"/>
               <a:t>Assertions</a:t>
             </a:r>
-            <a:r>
-              <a:rPr lang="pl-PL" dirty="0"/>
-              <a:t> - </a:t>
-            </a:r>
-            <a:r>
-              <a:rPr lang="pl-PL" dirty="0" err="1"/>
-              <a:t>Xpath</a:t>
-            </a:r>
             <a:endParaRPr lang="pl-PL" dirty="0"/>
           </a:p>
         </p:txBody>
@@ -11083,7 +11103,7 @@
           <p:cNvPr id="3" name="Symbol zastępczy zawartości 2">
             <a:extLst>
               <a:ext uri="{FF2B5EF4-FFF2-40B4-BE49-F238E27FC236}">
-                <a16:creationId xmlns:a16="http://schemas.microsoft.com/office/drawing/2014/main" id="{8241C784-0625-4D23-A749-AB0D6E80179E}"/>
+                <a16:creationId xmlns:a16="http://schemas.microsoft.com/office/drawing/2014/main" id="{882F5090-4CDA-4B06-B58C-E95E74CCB8D8}"/>
               </a:ext>
             </a:extLst>
           </p:cNvPr>
@@ -11101,7 +11121,7 @@
           <a:p>
             <a:r>
               <a:rPr lang="pl-PL" dirty="0" err="1"/>
-              <a:t>Xpath</a:t>
+              <a:t>Soap</a:t>
             </a:r>
             <a:r>
               <a:rPr lang="pl-PL" dirty="0"/>
@@ -11109,6 +11129,68 @@
             </a:r>
             <a:r>
               <a:rPr lang="pl-PL" dirty="0" err="1"/>
+              <a:t>Fault</a:t>
+            </a:r>
+            <a:r>
+              <a:rPr lang="pl-PL" dirty="0"/>
+              <a:t> (Not)</a:t>
+            </a:r>
+          </a:p>
+          <a:p>
+            <a:r>
+              <a:rPr lang="pl-PL" dirty="0" err="1"/>
+              <a:t>Schema</a:t>
+            </a:r>
+            <a:r>
+              <a:rPr lang="pl-PL" dirty="0"/>
+              <a:t> </a:t>
+            </a:r>
+            <a:r>
+              <a:rPr lang="pl-PL" dirty="0" err="1"/>
+              <a:t>Compliance</a:t>
+            </a:r>
+            <a:endParaRPr lang="pl-PL" dirty="0"/>
+          </a:p>
+          <a:p>
+            <a:r>
+              <a:rPr lang="pl-PL" dirty="0" err="1"/>
+              <a:t>Response</a:t>
+            </a:r>
+            <a:r>
+              <a:rPr lang="pl-PL" dirty="0"/>
+              <a:t> SLA</a:t>
+            </a:r>
+          </a:p>
+          <a:p>
+            <a:endParaRPr lang="pl-PL" dirty="0"/>
+          </a:p>
+          <a:p>
+            <a:r>
+              <a:rPr lang="pl-PL" dirty="0" err="1"/>
+              <a:t>JsonPatch</a:t>
+            </a:r>
+            <a:endParaRPr lang="pl-PL" dirty="0"/>
+          </a:p>
+          <a:p>
+            <a:pPr lvl="1"/>
+            <a:r>
+              <a:rPr lang="pl-PL" dirty="0" err="1"/>
+              <a:t>Count</a:t>
+            </a:r>
+            <a:endParaRPr lang="pl-PL" dirty="0"/>
+          </a:p>
+          <a:p>
+            <a:pPr lvl="1"/>
+            <a:r>
+              <a:rPr lang="pl-PL" dirty="0" err="1"/>
+              <a:t>Existance</a:t>
+            </a:r>
+            <a:r>
+              <a:rPr lang="pl-PL" dirty="0"/>
+              <a:t> </a:t>
+            </a:r>
+            <a:r>
+              <a:rPr lang="pl-PL" dirty="0" err="1"/>
               <a:t>Match</a:t>
             </a:r>
             <a:endParaRPr lang="pl-PL" dirty="0"/>
@@ -11116,42 +11198,16 @@
           <a:p>
             <a:pPr lvl="1"/>
             <a:r>
-              <a:rPr lang="en-US" dirty="0"/>
-              <a:t>declare namespace soap='http://schemas.xmlsoap.org/soap/envelope/';</a:t>
-            </a:r>
+              <a:rPr lang="pl-PL" dirty="0" err="1"/>
+              <a:t>Match</a:t>
+            </a:r>
+            <a:endParaRPr lang="pl-PL" dirty="0"/>
           </a:p>
           <a:p>
             <a:pPr lvl="1"/>
             <a:r>
-              <a:rPr lang="en-US" dirty="0"/>
-              <a:t>declare namespace ns1='http://tempuri.org/’;</a:t>
-            </a:r>
-          </a:p>
-          <a:p>
-            <a:pPr lvl="1"/>
-            <a:r>
-              <a:rPr lang="en-US" dirty="0"/>
-              <a:t>//ns1:MultiplyResult</a:t>
-            </a:r>
-            <a:endParaRPr lang="pl-PL" dirty="0"/>
-          </a:p>
-          <a:p>
-            <a:pPr lvl="1"/>
-            <a:r>
-              <a:rPr lang="pl-PL" dirty="0"/>
-              <a:t>Or </a:t>
-            </a:r>
-            <a:r>
-              <a:rPr lang="en-US" dirty="0"/>
-              <a:t>//ns1:MultiplyResult</a:t>
-            </a:r>
-            <a:r>
-              <a:rPr lang="pl-PL" dirty="0"/>
-              <a:t>[1]  -&gt; </a:t>
-            </a:r>
-            <a:r>
-              <a:rPr lang="pl-PL" dirty="0" err="1"/>
-              <a:t>more</a:t>
+              <a:rPr lang="pl-PL" dirty="0" err="1"/>
+              <a:t>RegEx</a:t>
             </a:r>
             <a:r>
               <a:rPr lang="pl-PL" dirty="0"/>
@@ -11159,107 +11215,7 @@
             </a:r>
             <a:r>
               <a:rPr lang="pl-PL" dirty="0" err="1"/>
-              <a:t>then</a:t>
-            </a:r>
-            <a:r>
-              <a:rPr lang="pl-PL" dirty="0"/>
-              <a:t> 1 to </a:t>
-            </a:r>
-            <a:r>
-              <a:rPr lang="pl-PL" dirty="0" err="1"/>
-              <a:t>choose</a:t>
-            </a:r>
-            <a:endParaRPr lang="pl-PL" dirty="0"/>
-          </a:p>
-          <a:p>
-            <a:pPr lvl="1"/>
-            <a:r>
-              <a:rPr lang="pl-PL" dirty="0"/>
-              <a:t>Or //</a:t>
-            </a:r>
-            <a:r>
-              <a:rPr lang="en-US" dirty="0"/>
-              <a:t> ns1:MultiplyResult</a:t>
-            </a:r>
-            <a:r>
-              <a:rPr lang="pl-PL" dirty="0"/>
-              <a:t>/ns1:ScoreResult -&gt; </a:t>
-            </a:r>
-            <a:r>
-              <a:rPr lang="pl-PL" dirty="0" err="1"/>
-              <a:t>more</a:t>
-            </a:r>
-            <a:r>
-              <a:rPr lang="pl-PL" dirty="0"/>
-              <a:t> </a:t>
-            </a:r>
-            <a:r>
-              <a:rPr lang="pl-PL" dirty="0" err="1"/>
-              <a:t>nodes</a:t>
-            </a:r>
-            <a:r>
-              <a:rPr lang="pl-PL" dirty="0"/>
-              <a:t> </a:t>
-            </a:r>
-            <a:r>
-              <a:rPr lang="pl-PL" dirty="0" err="1"/>
-              <a:t>remember</a:t>
-            </a:r>
-            <a:r>
-              <a:rPr lang="pl-PL" dirty="0"/>
-              <a:t> </a:t>
-            </a:r>
-            <a:r>
-              <a:rPr lang="pl-PL" dirty="0" err="1"/>
-              <a:t>about</a:t>
-            </a:r>
-            <a:r>
-              <a:rPr lang="pl-PL" dirty="0"/>
-              <a:t> </a:t>
-            </a:r>
-            <a:r>
-              <a:rPr lang="pl-PL" dirty="0" err="1"/>
-              <a:t>additional</a:t>
-            </a:r>
-            <a:r>
-              <a:rPr lang="pl-PL" dirty="0"/>
-              <a:t> ns1 </a:t>
-            </a:r>
-            <a:r>
-              <a:rPr lang="pl-PL" dirty="0" err="1"/>
-              <a:t>if</a:t>
-            </a:r>
-            <a:r>
-              <a:rPr lang="pl-PL" dirty="0"/>
-              <a:t> </a:t>
-            </a:r>
-            <a:r>
-              <a:rPr lang="pl-PL" dirty="0" err="1"/>
-              <a:t>then</a:t>
-            </a:r>
-            <a:r>
-              <a:rPr lang="pl-PL" dirty="0"/>
-              <a:t> </a:t>
-            </a:r>
-            <a:r>
-              <a:rPr lang="pl-PL" dirty="0" err="1"/>
-              <a:t>more</a:t>
-            </a:r>
-            <a:r>
-              <a:rPr lang="pl-PL" dirty="0"/>
-              <a:t> </a:t>
-            </a:r>
-            <a:r>
-              <a:rPr lang="pl-PL" dirty="0" err="1"/>
-              <a:t>then</a:t>
-            </a:r>
-            <a:r>
-              <a:rPr lang="pl-PL" dirty="0"/>
-              <a:t> 1 to </a:t>
-            </a:r>
-            <a:r>
-              <a:rPr lang="pl-PL" dirty="0" err="1"/>
-              <a:t>choose</a:t>
+              <a:t>match</a:t>
             </a:r>
             <a:endParaRPr lang="pl-PL" dirty="0"/>
           </a:p>
@@ -11271,7 +11227,7 @@
     </p:spTree>
     <p:extLst>
       <p:ext uri="{BB962C8B-B14F-4D97-AF65-F5344CB8AC3E}">
-        <p14:creationId xmlns:p14="http://schemas.microsoft.com/office/powerpoint/2010/main" val="334818285"/>
+        <p14:creationId xmlns:p14="http://schemas.microsoft.com/office/powerpoint/2010/main" val="1844726150"/>
       </p:ext>
     </p:extLst>
   </p:cSld>
@@ -11443,7 +11399,7 @@
           <p:cNvPr id="2" name="Tytuł 1">
             <a:extLst>
               <a:ext uri="{FF2B5EF4-FFF2-40B4-BE49-F238E27FC236}">
-                <a16:creationId xmlns:a16="http://schemas.microsoft.com/office/drawing/2014/main" id="{DDAEE1FB-52F4-4003-80AD-7FD0016EBE6D}"/>
+                <a16:creationId xmlns:a16="http://schemas.microsoft.com/office/drawing/2014/main" id="{FB589994-4F8E-4D60-B4B6-68FDD07842FB}"/>
               </a:ext>
             </a:extLst>
           </p:cNvPr>
@@ -11465,11 +11421,19 @@
             </a:r>
             <a:r>
               <a:rPr lang="pl-PL" dirty="0"/>
-              <a:t> - </a:t>
-            </a:r>
-            <a:r>
-              <a:rPr lang="pl-PL" dirty="0" err="1"/>
-              <a:t>XpathQuery</a:t>
+              <a:t> – </a:t>
+            </a:r>
+            <a:r>
+              <a:rPr lang="pl-PL" dirty="0" err="1"/>
+              <a:t>Xpath</a:t>
+            </a:r>
+            <a:r>
+              <a:rPr lang="pl-PL" dirty="0"/>
+              <a:t> </a:t>
+            </a:r>
+            <a:r>
+              <a:rPr lang="pl-PL" dirty="0" err="1"/>
+              <a:t>Soap</a:t>
             </a:r>
             <a:endParaRPr lang="pl-PL" dirty="0"/>
           </a:p>
@@ -11480,7 +11444,7 @@
           <p:cNvPr id="3" name="Symbol zastępczy zawartości 2">
             <a:extLst>
               <a:ext uri="{FF2B5EF4-FFF2-40B4-BE49-F238E27FC236}">
-                <a16:creationId xmlns:a16="http://schemas.microsoft.com/office/drawing/2014/main" id="{0CD7F5F7-2023-4381-9C7C-D8FCB31CEA72}"/>
+                <a16:creationId xmlns:a16="http://schemas.microsoft.com/office/drawing/2014/main" id="{8241C784-0625-4D23-A749-AB0D6E80179E}"/>
               </a:ext>
             </a:extLst>
           </p:cNvPr>
@@ -11493,14 +11457,12 @@
         </p:nvSpPr>
         <p:spPr/>
         <p:txBody>
-          <a:bodyPr>
-            <a:normAutofit/>
-          </a:bodyPr>
+          <a:bodyPr/>
           <a:lstStyle/>
           <a:p>
             <a:r>
               <a:rPr lang="pl-PL" dirty="0" err="1"/>
-              <a:t>XQuery</a:t>
+              <a:t>Xpath</a:t>
             </a:r>
             <a:r>
               <a:rPr lang="pl-PL" dirty="0"/>
@@ -11513,10 +11475,56 @@
             <a:endParaRPr lang="pl-PL" dirty="0"/>
           </a:p>
           <a:p>
+            <a:pPr marL="411480" lvl="1" indent="0">
+              <a:buNone/>
+            </a:pPr>
+            <a:r>
+              <a:rPr lang="en-US" dirty="0"/>
+              <a:t>declare namespace soap='http://schemas.xmlsoap.org/soap/envelope/';</a:t>
+            </a:r>
+          </a:p>
+          <a:p>
+            <a:pPr marL="411480" lvl="1" indent="0">
+              <a:buNone/>
+            </a:pPr>
+            <a:r>
+              <a:rPr lang="en-US" dirty="0"/>
+              <a:t>declare namespace ns1='http://tempuri.org/’;</a:t>
+            </a:r>
+          </a:p>
+          <a:p>
+            <a:pPr marL="411480" lvl="1" indent="0">
+              <a:buNone/>
+            </a:pPr>
+            <a:r>
+              <a:rPr lang="en-US" dirty="0"/>
+              <a:t>//ns1:MultiplyResult</a:t>
+            </a:r>
+            <a:endParaRPr lang="pl-PL" dirty="0"/>
+          </a:p>
+          <a:p>
+            <a:pPr marL="411480" lvl="1" indent="0">
+              <a:buNone/>
+            </a:pPr>
+            <a:endParaRPr lang="pl-PL" dirty="0"/>
+          </a:p>
+          <a:p>
             <a:pPr lvl="1"/>
             <a:r>
-              <a:rPr lang="pl-PL" dirty="0" err="1"/>
-              <a:t>Check</a:t>
+              <a:rPr lang="pl-PL" dirty="0"/>
+              <a:t>Or </a:t>
+            </a:r>
+            <a:r>
+              <a:rPr lang="en-US" dirty="0"/>
+              <a:t>//ns1:MultiplyResult</a:t>
+            </a:r>
+            <a:r>
+              <a:rPr lang="pl-PL" dirty="0"/>
+              <a:t>[1]  -&gt; </a:t>
+            </a:r>
+            <a:r>
+              <a:rPr lang="pl-PL" dirty="0" err="1"/>
+              <a:t>more</a:t>
             </a:r>
             <a:r>
               <a:rPr lang="pl-PL" dirty="0"/>
@@ -11524,7 +11532,15 @@
             </a:r>
             <a:r>
               <a:rPr lang="pl-PL" dirty="0" err="1"/>
-              <a:t>all</a:t>
+              <a:t>then</a:t>
+            </a:r>
+            <a:r>
+              <a:rPr lang="pl-PL" dirty="0"/>
+              <a:t> 1 to </a:t>
+            </a:r>
+            <a:r>
+              <a:rPr lang="pl-PL" dirty="0" err="1"/>
+              <a:t>choose</a:t>
             </a:r>
             <a:r>
               <a:rPr lang="pl-PL" dirty="0"/>
@@ -11532,114 +11548,124 @@
             </a:r>
             <a:r>
               <a:rPr lang="pl-PL" dirty="0" err="1"/>
-              <a:t>multiply</a:t>
-            </a:r>
-            <a:r>
-              <a:rPr lang="pl-PL" dirty="0"/>
-              <a:t> data in same </a:t>
+              <a:t>this</a:t>
+            </a:r>
+            <a:r>
+              <a:rPr lang="pl-PL" dirty="0"/>
+              <a:t> </a:t>
+            </a:r>
+            <a:r>
+              <a:rPr lang="pl-PL" dirty="0" err="1"/>
+              <a:t>if</a:t>
+            </a:r>
+            <a:r>
+              <a:rPr lang="pl-PL" dirty="0"/>
+              <a:t> </a:t>
+            </a:r>
+            <a:r>
+              <a:rPr lang="pl-PL" dirty="0" err="1"/>
+              <a:t>first</a:t>
+            </a:r>
+            <a:r>
+              <a:rPr lang="pl-PL" dirty="0"/>
+              <a:t> </a:t>
+            </a:r>
+            <a:r>
+              <a:rPr lang="pl-PL" dirty="0" err="1"/>
+              <a:t>position</a:t>
+            </a:r>
+            <a:endParaRPr lang="pl-PL" dirty="0"/>
+          </a:p>
+          <a:p>
+            <a:pPr lvl="1"/>
+            <a:r>
+              <a:rPr lang="pl-PL" dirty="0"/>
+              <a:t>Or //</a:t>
+            </a:r>
+            <a:r>
+              <a:rPr lang="en-US" dirty="0"/>
+              <a:t> ns1:MultiplyResult</a:t>
+            </a:r>
+            <a:r>
+              <a:rPr lang="pl-PL" dirty="0"/>
+              <a:t>/ns1:ScoreResult -&gt; </a:t>
+            </a:r>
+            <a:r>
+              <a:rPr lang="pl-PL" dirty="0" err="1"/>
+              <a:t>more</a:t>
+            </a:r>
+            <a:r>
+              <a:rPr lang="pl-PL" dirty="0"/>
+              <a:t> </a:t>
             </a:r>
             <a:r>
               <a:rPr lang="pl-PL" dirty="0" err="1"/>
               <a:t>nodes</a:t>
             </a:r>
-            <a:endParaRPr lang="pl-PL" dirty="0"/>
-          </a:p>
-          <a:p>
-            <a:pPr lvl="1"/>
-            <a:r>
-              <a:rPr lang="pl-PL" dirty="0" err="1"/>
-              <a:t>Declare</a:t>
-            </a:r>
             <a:r>
               <a:rPr lang="pl-PL" dirty="0"/>
               <a:t> </a:t>
             </a:r>
             <a:r>
               <a:rPr lang="pl-PL" dirty="0" err="1"/>
-              <a:t>weather</a:t>
-            </a:r>
-            <a:endParaRPr lang="pl-PL" dirty="0"/>
-          </a:p>
-          <a:p>
-            <a:pPr marL="411480" lvl="1" indent="0">
-              <a:buNone/>
-            </a:pPr>
-            <a:r>
-              <a:rPr lang="pl-PL" dirty="0"/>
-              <a:t>&lt;</a:t>
-            </a:r>
-            <a:r>
-              <a:rPr lang="pl-PL" dirty="0" err="1"/>
-              <a:t>Result</a:t>
-            </a:r>
-            <a:r>
-              <a:rPr lang="pl-PL" dirty="0"/>
-              <a:t>&gt;</a:t>
-            </a:r>
-          </a:p>
-          <a:p>
-            <a:pPr marL="411480" lvl="1" indent="0">
-              <a:buNone/>
-            </a:pPr>
-            <a:r>
-              <a:rPr lang="pl-PL" dirty="0"/>
-              <a:t>{</a:t>
-            </a:r>
-          </a:p>
-          <a:p>
-            <a:pPr marL="411480" lvl="1" indent="0">
-              <a:buNone/>
-            </a:pPr>
-            <a:r>
-              <a:rPr lang="pl-PL" dirty="0"/>
-              <a:t>for $a in //ns1: -&gt; and </a:t>
-            </a:r>
-            <a:r>
-              <a:rPr lang="pl-PL" dirty="0" err="1"/>
-              <a:t>some</a:t>
+              <a:t>remember</a:t>
             </a:r>
             <a:r>
               <a:rPr lang="pl-PL" dirty="0"/>
               <a:t> </a:t>
             </a:r>
-          </a:p>
-          <a:p>
-            <a:pPr marL="411480" lvl="1" indent="0">
-              <a:buNone/>
-            </a:pPr>
-            <a:r>
-              <a:rPr lang="pl-PL" dirty="0"/>
-              <a:t>Return @a</a:t>
-            </a:r>
-          </a:p>
-          <a:p>
-            <a:pPr marL="411480" lvl="1" indent="0">
-              <a:buNone/>
-            </a:pPr>
-            <a:r>
-              <a:rPr lang="pl-PL" dirty="0"/>
-              <a:t>}</a:t>
-            </a:r>
-          </a:p>
-          <a:p>
-            <a:pPr marL="411480" lvl="1" indent="0">
-              <a:buNone/>
-            </a:pPr>
-            <a:r>
-              <a:rPr lang="pl-PL" dirty="0"/>
-              <a:t>&lt;/</a:t>
-            </a:r>
-            <a:r>
-              <a:rPr lang="pl-PL" dirty="0" err="1"/>
-              <a:t>Result</a:t>
-            </a:r>
-            <a:r>
-              <a:rPr lang="pl-PL" dirty="0"/>
-              <a:t>&gt;</a:t>
-            </a:r>
-          </a:p>
-          <a:p>
-            <a:pPr lvl="1"/>
+            <a:r>
+              <a:rPr lang="pl-PL" dirty="0" err="1"/>
+              <a:t>about</a:t>
+            </a:r>
+            <a:r>
+              <a:rPr lang="pl-PL" dirty="0"/>
+              <a:t> </a:t>
+            </a:r>
+            <a:r>
+              <a:rPr lang="pl-PL" dirty="0" err="1"/>
+              <a:t>additional</a:t>
+            </a:r>
+            <a:r>
+              <a:rPr lang="pl-PL" dirty="0"/>
+              <a:t> ns1 </a:t>
+            </a:r>
+            <a:r>
+              <a:rPr lang="pl-PL" dirty="0" err="1"/>
+              <a:t>if</a:t>
+            </a:r>
+            <a:r>
+              <a:rPr lang="pl-PL" dirty="0"/>
+              <a:t> </a:t>
+            </a:r>
+            <a:r>
+              <a:rPr lang="pl-PL" dirty="0" err="1"/>
+              <a:t>then</a:t>
+            </a:r>
+            <a:r>
+              <a:rPr lang="pl-PL" dirty="0"/>
+              <a:t> </a:t>
+            </a:r>
+            <a:r>
+              <a:rPr lang="pl-PL" dirty="0" err="1"/>
+              <a:t>more</a:t>
+            </a:r>
+            <a:r>
+              <a:rPr lang="pl-PL" dirty="0"/>
+              <a:t> </a:t>
+            </a:r>
+            <a:r>
+              <a:rPr lang="pl-PL" dirty="0" err="1"/>
+              <a:t>then</a:t>
+            </a:r>
+            <a:r>
+              <a:rPr lang="pl-PL" dirty="0"/>
+              <a:t> 1 to </a:t>
+            </a:r>
+            <a:r>
+              <a:rPr lang="pl-PL" dirty="0" err="1"/>
+              <a:t>choose</a:t>
+            </a:r>
             <a:endParaRPr lang="pl-PL" dirty="0"/>
           </a:p>
           <a:p>
@@ -11650,7 +11676,7 @@
     </p:spTree>
     <p:extLst>
       <p:ext uri="{BB962C8B-B14F-4D97-AF65-F5344CB8AC3E}">
-        <p14:creationId xmlns:p14="http://schemas.microsoft.com/office/powerpoint/2010/main" val="339218608"/>
+        <p14:creationId xmlns:p14="http://schemas.microsoft.com/office/powerpoint/2010/main" val="334818285"/>
       </p:ext>
     </p:extLst>
   </p:cSld>
@@ -11685,7 +11711,7 @@
           <p:cNvPr id="2" name="Tytuł 1">
             <a:extLst>
               <a:ext uri="{FF2B5EF4-FFF2-40B4-BE49-F238E27FC236}">
-                <a16:creationId xmlns:a16="http://schemas.microsoft.com/office/drawing/2014/main" id="{2B2C446F-FD6B-4DD0-8DC9-A99AA2B50A81}"/>
+                <a16:creationId xmlns:a16="http://schemas.microsoft.com/office/drawing/2014/main" id="{DDAEE1FB-52F4-4003-80AD-7FD0016EBE6D}"/>
               </a:ext>
             </a:extLst>
           </p:cNvPr>
@@ -11705,6 +11731,22 @@
               <a:rPr lang="pl-PL" dirty="0" err="1"/>
               <a:t>Assertions</a:t>
             </a:r>
+            <a:r>
+              <a:rPr lang="pl-PL" dirty="0"/>
+              <a:t> – </a:t>
+            </a:r>
+            <a:r>
+              <a:rPr lang="pl-PL" dirty="0" err="1"/>
+              <a:t>XpathQuery</a:t>
+            </a:r>
+            <a:r>
+              <a:rPr lang="pl-PL" dirty="0"/>
+              <a:t> </a:t>
+            </a:r>
+            <a:r>
+              <a:rPr lang="pl-PL" dirty="0" err="1"/>
+              <a:t>Soap</a:t>
+            </a:r>
             <a:endParaRPr lang="pl-PL" dirty="0"/>
           </a:p>
         </p:txBody>
@@ -11714,7 +11756,7 @@
           <p:cNvPr id="3" name="Symbol zastępczy zawartości 2">
             <a:extLst>
               <a:ext uri="{FF2B5EF4-FFF2-40B4-BE49-F238E27FC236}">
-                <a16:creationId xmlns:a16="http://schemas.microsoft.com/office/drawing/2014/main" id="{882F5090-4CDA-4B06-B58C-E95E74CCB8D8}"/>
+                <a16:creationId xmlns:a16="http://schemas.microsoft.com/office/drawing/2014/main" id="{0CD7F5F7-2023-4381-9C7C-D8FCB31CEA72}"/>
               </a:ext>
             </a:extLst>
           </p:cNvPr>
@@ -11727,12 +11769,14 @@
         </p:nvSpPr>
         <p:spPr/>
         <p:txBody>
-          <a:bodyPr/>
+          <a:bodyPr>
+            <a:normAutofit fontScale="85000" lnSpcReduction="20000"/>
+          </a:bodyPr>
           <a:lstStyle/>
           <a:p>
             <a:r>
               <a:rPr lang="pl-PL" dirty="0" err="1"/>
-              <a:t>Soap</a:t>
+              <a:t>XQuery</a:t>
             </a:r>
             <a:r>
               <a:rPr lang="pl-PL" dirty="0"/>
@@ -11740,17 +11784,15 @@
             </a:r>
             <a:r>
               <a:rPr lang="pl-PL" dirty="0" err="1"/>
-              <a:t>Fault</a:t>
-            </a:r>
-            <a:r>
-              <a:rPr lang="pl-PL" dirty="0"/>
-              <a:t> (Not)</a:t>
-            </a:r>
-          </a:p>
-          <a:p>
-            <a:r>
-              <a:rPr lang="pl-PL" dirty="0" err="1"/>
-              <a:t>Schema</a:t>
+              <a:t>Match</a:t>
+            </a:r>
+            <a:endParaRPr lang="pl-PL" dirty="0"/>
+          </a:p>
+          <a:p>
+            <a:pPr lvl="1"/>
+            <a:r>
+              <a:rPr lang="pl-PL" dirty="0" err="1"/>
+              <a:t>Check</a:t>
             </a:r>
             <a:r>
               <a:rPr lang="pl-PL" dirty="0"/>
@@ -11758,65 +11800,144 @@
             </a:r>
             <a:r>
               <a:rPr lang="pl-PL" dirty="0" err="1"/>
-              <a:t>Compliance</a:t>
+              <a:t>all</a:t>
+            </a:r>
+            <a:r>
+              <a:rPr lang="pl-PL" dirty="0"/>
+              <a:t> </a:t>
+            </a:r>
+            <a:r>
+              <a:rPr lang="pl-PL" dirty="0" err="1"/>
+              <a:t>multiply</a:t>
+            </a:r>
+            <a:r>
+              <a:rPr lang="pl-PL" dirty="0"/>
+              <a:t> data in same </a:t>
+            </a:r>
+            <a:r>
+              <a:rPr lang="pl-PL" dirty="0" err="1"/>
+              <a:t>nodes</a:t>
             </a:r>
             <a:endParaRPr lang="pl-PL" dirty="0"/>
           </a:p>
           <a:p>
+            <a:pPr lvl="1"/>
+            <a:r>
+              <a:rPr lang="pl-PL" dirty="0" err="1"/>
+              <a:t>Declare</a:t>
+            </a:r>
+            <a:r>
+              <a:rPr lang="pl-PL" dirty="0"/>
+              <a:t> </a:t>
+            </a:r>
+            <a:r>
+              <a:rPr lang="pl-PL" dirty="0" err="1"/>
+              <a:t>weather</a:t>
+            </a:r>
             <a:endParaRPr lang="pl-PL" dirty="0"/>
           </a:p>
           <a:p>
-            <a:r>
-              <a:rPr lang="pl-PL" dirty="0" err="1"/>
-              <a:t>JsonPatch</a:t>
-            </a:r>
-            <a:endParaRPr lang="pl-PL" dirty="0"/>
-          </a:p>
-          <a:p>
-            <a:pPr lvl="1"/>
-            <a:r>
-              <a:rPr lang="pl-PL" dirty="0" err="1"/>
-              <a:t>Count</a:t>
-            </a:r>
-            <a:endParaRPr lang="pl-PL" dirty="0"/>
-          </a:p>
-          <a:p>
-            <a:pPr lvl="1"/>
-            <a:r>
-              <a:rPr lang="pl-PL" dirty="0" err="1"/>
-              <a:t>Existance</a:t>
-            </a:r>
-            <a:r>
-              <a:rPr lang="pl-PL" dirty="0"/>
-              <a:t> </a:t>
-            </a:r>
-            <a:r>
-              <a:rPr lang="pl-PL" dirty="0" err="1"/>
-              <a:t>Match</a:t>
-            </a:r>
-            <a:endParaRPr lang="pl-PL" dirty="0"/>
-          </a:p>
-          <a:p>
-            <a:pPr lvl="1"/>
-            <a:r>
-              <a:rPr lang="pl-PL" dirty="0" err="1"/>
-              <a:t>Match</a:t>
-            </a:r>
-            <a:endParaRPr lang="pl-PL" dirty="0"/>
-          </a:p>
-          <a:p>
-            <a:pPr lvl="1"/>
-            <a:r>
-              <a:rPr lang="pl-PL" dirty="0" err="1"/>
-              <a:t>RegEx</a:t>
-            </a:r>
-            <a:r>
-              <a:rPr lang="pl-PL" dirty="0"/>
-              <a:t> </a:t>
-            </a:r>
-            <a:r>
-              <a:rPr lang="pl-PL" dirty="0" err="1"/>
-              <a:t>match</a:t>
+            <a:pPr marL="411480" lvl="1" indent="0">
+              <a:buNone/>
+            </a:pPr>
+            <a:r>
+              <a:rPr lang="en-US" dirty="0"/>
+              <a:t>declare namespace soap='http://schemas.xmlsoap.org/soap/envelope/';</a:t>
+            </a:r>
+          </a:p>
+          <a:p>
+            <a:pPr marL="411480" lvl="1" indent="0">
+              <a:buNone/>
+            </a:pPr>
+            <a:r>
+              <a:rPr lang="en-US" dirty="0"/>
+              <a:t>declare namespace m='http://www.oorsprong.org/websamples.countryinfo';</a:t>
+            </a:r>
+          </a:p>
+          <a:p>
+            <a:pPr marL="411480" lvl="1" indent="0">
+              <a:buNone/>
+            </a:pPr>
+            <a:r>
+              <a:rPr lang="en-US" dirty="0"/>
+              <a:t>&lt;Result&gt;</a:t>
+            </a:r>
+          </a:p>
+          <a:p>
+            <a:pPr marL="411480" lvl="1" indent="0">
+              <a:buNone/>
+            </a:pPr>
+            <a:r>
+              <a:rPr lang="en-US" dirty="0"/>
+              <a:t>{</a:t>
+            </a:r>
+          </a:p>
+          <a:p>
+            <a:pPr marL="411480" lvl="1" indent="0">
+              <a:buNone/>
+            </a:pPr>
+            <a:r>
+              <a:rPr lang="en-US" dirty="0"/>
+              <a:t>for $a in //</a:t>
+            </a:r>
+            <a:r>
+              <a:rPr lang="en-US" dirty="0" err="1"/>
+              <a:t>m:FullCountryInfoAllCountriesResponse</a:t>
+            </a:r>
+            <a:r>
+              <a:rPr lang="en-US" dirty="0"/>
+              <a:t>/</a:t>
+            </a:r>
+            <a:r>
+              <a:rPr lang="en-US" dirty="0" err="1"/>
+              <a:t>m:FullCountryInfoAllCountriesResult</a:t>
+            </a:r>
+            <a:r>
+              <a:rPr lang="en-US" dirty="0"/>
+              <a:t>/</a:t>
+            </a:r>
+            <a:r>
+              <a:rPr lang="en-US" dirty="0" err="1"/>
+              <a:t>m:tCountryInfo</a:t>
+            </a:r>
+            <a:r>
+              <a:rPr lang="en-US" dirty="0"/>
+              <a:t>/</a:t>
+            </a:r>
+            <a:r>
+              <a:rPr lang="en-US" dirty="0" err="1"/>
+              <a:t>m:sName</a:t>
+            </a:r>
+            <a:r>
+              <a:rPr lang="en-US" dirty="0"/>
+              <a:t>/text()</a:t>
+            </a:r>
+          </a:p>
+          <a:p>
+            <a:pPr marL="411480" lvl="1" indent="0">
+              <a:buNone/>
+            </a:pPr>
+            <a:r>
+              <a:rPr lang="en-US" dirty="0"/>
+              <a:t>return $a</a:t>
+            </a:r>
+          </a:p>
+          <a:p>
+            <a:pPr marL="411480" lvl="1" indent="0">
+              <a:buNone/>
+            </a:pPr>
+            <a:r>
+              <a:rPr lang="en-US" dirty="0"/>
+              <a:t>}</a:t>
+            </a:r>
+          </a:p>
+          <a:p>
+            <a:pPr marL="411480" lvl="1" indent="0">
+              <a:buNone/>
+            </a:pPr>
+            <a:r>
+              <a:rPr lang="en-US" dirty="0"/>
+              <a:t>&lt;/Result&gt;</a:t>
             </a:r>
             <a:endParaRPr lang="pl-PL" dirty="0"/>
           </a:p>
@@ -11828,7 +11949,7 @@
     </p:spTree>
     <p:extLst>
       <p:ext uri="{BB962C8B-B14F-4D97-AF65-F5344CB8AC3E}">
-        <p14:creationId xmlns:p14="http://schemas.microsoft.com/office/powerpoint/2010/main" val="1844726150"/>
+        <p14:creationId xmlns:p14="http://schemas.microsoft.com/office/powerpoint/2010/main" val="339218608"/>
       </p:ext>
     </p:extLst>
   </p:cSld>
@@ -11912,16 +12033,6 @@
           <a:p>
             <a:r>
               <a:rPr lang="pl-PL" dirty="0" err="1"/>
-              <a:t>Response</a:t>
-            </a:r>
-            <a:r>
-              <a:rPr lang="pl-PL" dirty="0"/>
-              <a:t> SLA</a:t>
-            </a:r>
-          </a:p>
-          <a:p>
-            <a:r>
-              <a:rPr lang="pl-PL" dirty="0" err="1"/>
               <a:t>Script</a:t>
             </a:r>
             <a:r>
@@ -12087,7 +12198,9 @@
             </a:r>
           </a:p>
           <a:p>
-            <a:pPr lvl="1"/>
+            <a:pPr marL="411480" lvl="1" indent="0">
+              <a:buNone/>
+            </a:pPr>
             <a:endParaRPr lang="pl-PL" dirty="0"/>
           </a:p>
         </p:txBody>
@@ -12150,6 +12263,10 @@
               <a:rPr lang="pl-PL" dirty="0" err="1"/>
               <a:t>Assertions</a:t>
             </a:r>
+            <a:r>
+              <a:rPr lang="pl-PL"/>
+              <a:t> - REST</a:t>
+            </a:r>
             <a:endParaRPr lang="pl-PL" dirty="0"/>
           </a:p>
         </p:txBody>
@@ -12591,7 +12708,7 @@
         <p:spPr/>
         <p:txBody>
           <a:bodyPr>
-            <a:normAutofit fontScale="92500" lnSpcReduction="10000"/>
+            <a:normAutofit fontScale="92500" lnSpcReduction="20000"/>
           </a:bodyPr>
           <a:lstStyle/>
           <a:p>
@@ -12625,18 +12742,34 @@
               <a:rPr lang="pl-PL" dirty="0">
                 <a:hlinkClick r:id="rId2"/>
               </a:rPr>
-              <a:t>http://xpather.com/</a:t>
-            </a:r>
-            <a:r>
-              <a:rPr lang="pl-PL" dirty="0"/>
-              <a:t> </a:t>
-            </a:r>
+              <a:t>https://xmlgrid.net/xpath.html</a:t>
+            </a:r>
+            <a:r>
+              <a:rPr lang="pl-PL" dirty="0"/>
+              <a:t> &lt;-BEST </a:t>
+            </a:r>
+            <a:endParaRPr lang="pl-PL" dirty="0">
+              <a:hlinkClick r:id="rId3"/>
+            </a:endParaRPr>
           </a:p>
           <a:p>
             <a:pPr lvl="1"/>
             <a:r>
               <a:rPr lang="pl-PL" dirty="0">
                 <a:hlinkClick r:id="rId3"/>
+              </a:rPr>
+              <a:t>http://xpather.com/</a:t>
+            </a:r>
+            <a:r>
+              <a:rPr lang="pl-PL" dirty="0"/>
+              <a:t> </a:t>
+            </a:r>
+          </a:p>
+          <a:p>
+            <a:pPr lvl="1"/>
+            <a:r>
+              <a:rPr lang="pl-PL" dirty="0">
+                <a:hlinkClick r:id="rId4"/>
               </a:rPr>
               <a:t>https://codebeautify.org/Xpath-Tester</a:t>
             </a:r>
@@ -12813,7 +12946,15 @@
             </a:r>
             <a:r>
               <a:rPr lang="pl-PL" dirty="0"/>
-              <a:t> Finder – </a:t>
+              <a:t> Finder – chrome </a:t>
+            </a:r>
+            <a:r>
+              <a:rPr lang="pl-PL" dirty="0" err="1"/>
+              <a:t>addon</a:t>
+            </a:r>
+            <a:r>
+              <a:rPr lang="pl-PL" dirty="0"/>
+              <a:t> </a:t>
             </a:r>
             <a:r>
               <a:rPr lang="pl-PL" dirty="0" err="1"/>
@@ -13579,60 +13720,43 @@
             </a:r>
             <a:r>
               <a:rPr lang="pl-PL" dirty="0" err="1"/>
+              <a:t>mysqltest</a:t>
+            </a:r>
+            <a:r>
+              <a:rPr lang="pl-PL" dirty="0"/>
+              <a:t> /bin/</a:t>
+            </a:r>
+            <a:r>
+              <a:rPr lang="pl-PL" dirty="0" err="1"/>
+              <a:t>bash</a:t>
+            </a:r>
+            <a:endParaRPr lang="pl-PL" dirty="0"/>
+          </a:p>
+          <a:p>
+            <a:pPr marL="109728" indent="0">
+              <a:buNone/>
+            </a:pPr>
+            <a:r>
+              <a:rPr lang="pl-PL" dirty="0" err="1"/>
               <a:t>mysql</a:t>
             </a:r>
             <a:r>
               <a:rPr lang="pl-PL" dirty="0"/>
-              <a:t> /bin/</a:t>
-            </a:r>
-            <a:r>
-              <a:rPr lang="pl-PL" dirty="0" err="1"/>
-              <a:t>bash</a:t>
+              <a:t> –</a:t>
+            </a:r>
+            <a:r>
+              <a:rPr lang="pl-PL" dirty="0" err="1"/>
+              <a:t>uroot</a:t>
+            </a:r>
+            <a:r>
+              <a:rPr lang="pl-PL" dirty="0"/>
+              <a:t> –</a:t>
+            </a:r>
+            <a:r>
+              <a:rPr lang="pl-PL" dirty="0" err="1"/>
+              <a:t>ppass</a:t>
             </a:r>
             <a:endParaRPr lang="pl-PL" dirty="0"/>
-          </a:p>
-          <a:p>
-            <a:pPr marL="109728" indent="0">
-              <a:buNone/>
-            </a:pPr>
-            <a:r>
-              <a:rPr lang="pl-PL" dirty="0" err="1"/>
-              <a:t>mysql</a:t>
-            </a:r>
-            <a:r>
-              <a:rPr lang="pl-PL" dirty="0"/>
-              <a:t> –</a:t>
-            </a:r>
-            <a:r>
-              <a:rPr lang="pl-PL" dirty="0" err="1"/>
-              <a:t>uroot</a:t>
-            </a:r>
-            <a:r>
-              <a:rPr lang="pl-PL" dirty="0"/>
-              <a:t> –</a:t>
-            </a:r>
-            <a:r>
-              <a:rPr lang="pl-PL" dirty="0" err="1"/>
-              <a:t>ppass</a:t>
-            </a:r>
-            <a:endParaRPr lang="pl-PL" dirty="0"/>
-          </a:p>
-          <a:p>
-            <a:pPr marL="109728" indent="0">
-              <a:buNone/>
-            </a:pPr>
-            <a:r>
-              <a:rPr lang="pl-PL" dirty="0"/>
-              <a:t>USE </a:t>
-            </a:r>
-            <a:r>
-              <a:rPr lang="pl-PL" dirty="0" err="1"/>
-              <a:t>mysql</a:t>
-            </a:r>
-            <a:r>
-              <a:rPr lang="pl-PL" dirty="0"/>
-              <a:t> </a:t>
-            </a:r>
           </a:p>
           <a:p>
             <a:pPr marL="109728" indent="0">
@@ -13780,7 +13904,7 @@
             </a:r>
             <a:r>
               <a:rPr lang="pl-PL" dirty="0"/>
-              <a:t>;</a:t>
+              <a:t>;			</a:t>
             </a:r>
           </a:p>
           <a:p>
@@ -13951,7 +14075,7 @@
             </a:r>
             <a:r>
               <a:rPr lang="pl-PL" dirty="0"/>
-              <a:t> ('Polo', '1999’);</a:t>
+              <a:t> ('Polo', '1999');</a:t>
             </a:r>
           </a:p>
           <a:p>
@@ -14001,7 +14125,7 @@
             </a:r>
             <a:r>
               <a:rPr lang="pl-PL" dirty="0"/>
-              <a:t> (’Golf', ’2003');</a:t>
+              <a:t> ('Golf', '2003');</a:t>
             </a:r>
           </a:p>
           <a:p>
@@ -14009,6 +14133,50 @@
           </a:p>
           <a:p>
             <a:endParaRPr lang="pl-PL" dirty="0"/>
+          </a:p>
+        </p:txBody>
+      </p:sp>
+      <p:sp>
+        <p:nvSpPr>
+          <p:cNvPr id="4" name="pole tekstowe 3">
+            <a:extLst>
+              <a:ext uri="{FF2B5EF4-FFF2-40B4-BE49-F238E27FC236}">
+                <a16:creationId xmlns:a16="http://schemas.microsoft.com/office/drawing/2014/main" id="{47F6EDD2-13D6-4FD4-A315-E8532C6253BE}"/>
+              </a:ext>
+            </a:extLst>
+          </p:cNvPr>
+          <p:cNvSpPr txBox="1"/>
+          <p:nvPr/>
+        </p:nvSpPr>
+        <p:spPr>
+          <a:xfrm>
+            <a:off x="7889290" y="3275124"/>
+            <a:ext cx="2905957" cy="707886"/>
+          </a:xfrm>
+          <a:prstGeom prst="rect">
+            <a:avLst/>
+          </a:prstGeom>
+          <a:noFill/>
+        </p:spPr>
+        <p:txBody>
+          <a:bodyPr wrap="square" rtlCol="0">
+            <a:spAutoFit/>
+          </a:bodyPr>
+          <a:lstStyle/>
+          <a:p>
+            <a:r>
+              <a:rPr lang="pl-PL" sz="4000" dirty="0">
+                <a:sym typeface="Wingdings" panose="05000000000000000000" pitchFamily="2" charset="2"/>
+              </a:rPr>
+              <a:t>Line by </a:t>
+            </a:r>
+            <a:r>
+              <a:rPr lang="pl-PL" sz="4000" dirty="0" err="1">
+                <a:sym typeface="Wingdings" panose="05000000000000000000" pitchFamily="2" charset="2"/>
+              </a:rPr>
+              <a:t>line</a:t>
+            </a:r>
+            <a:endParaRPr lang="pl-PL" sz="4000" dirty="0"/>
           </a:p>
         </p:txBody>
       </p:sp>
@@ -15190,7 +15358,9 @@
             <a:endParaRPr lang="pl-PL" dirty="0"/>
           </a:p>
           <a:p>
-            <a:pPr lvl="1"/>
+            <a:pPr marL="411480" lvl="1" indent="0">
+              <a:buNone/>
+            </a:pPr>
             <a:r>
               <a:rPr lang="pl-PL" dirty="0"/>
               <a:t>(0..3).</a:t>
@@ -15205,26 +15375,12 @@
             </a:r>
           </a:p>
           <a:p>
-            <a:pPr lvl="1"/>
-            <a:r>
-              <a:rPr lang="pl-PL" dirty="0"/>
-              <a:t>    </a:t>
-            </a:r>
-            <a:r>
-              <a:rPr lang="pl-PL" dirty="0" err="1"/>
-              <a:t>println</a:t>
-            </a:r>
-            <a:r>
-              <a:rPr lang="pl-PL" dirty="0"/>
-              <a:t> „</a:t>
-            </a:r>
-            <a:r>
-              <a:rPr lang="pl-PL" dirty="0" err="1"/>
-              <a:t>Number</a:t>
-            </a:r>
-            <a:r>
-              <a:rPr lang="pl-PL" dirty="0"/>
-              <a:t> ${</a:t>
+            <a:pPr marL="411480" lvl="1" indent="0">
+              <a:buNone/>
+            </a:pPr>
+            <a:r>
+              <a:rPr lang="pl-PL" dirty="0"/>
+              <a:t>    log.info "</a:t>
             </a:r>
             <a:r>
               <a:rPr lang="pl-PL" dirty="0" err="1"/>
@@ -15232,11 +15388,13 @@
             </a:r>
             <a:r>
               <a:rPr lang="pl-PL" dirty="0"/>
-              <a:t>}"</a:t>
-            </a:r>
-          </a:p>
-          <a:p>
-            <a:pPr lvl="1"/>
+              <a:t>"</a:t>
+            </a:r>
+          </a:p>
+          <a:p>
+            <a:pPr marL="411480" lvl="1" indent="0">
+              <a:buNone/>
+            </a:pPr>
             <a:r>
               <a:rPr lang="pl-PL" dirty="0"/>
               <a:t>}</a:t>
@@ -15697,7 +15855,26 @@
               <a:rPr lang="pl-PL" dirty="0" err="1"/>
               <a:t>context</a:t>
             </a:r>
-            <a:endParaRPr lang="pl-PL" dirty="0"/>
+            <a:r>
+              <a:rPr lang="pl-PL" dirty="0"/>
+              <a:t> XML (3 </a:t>
+            </a:r>
+            <a:r>
+              <a:rPr lang="pl-PL" dirty="0" err="1"/>
+              <a:t>different</a:t>
+            </a:r>
+            <a:r>
+              <a:rPr lang="pl-PL" dirty="0"/>
+              <a:t> </a:t>
+            </a:r>
+            <a:r>
+              <a:rPr lang="pl-PL" dirty="0" err="1"/>
+              <a:t>ways</a:t>
+            </a:r>
+            <a:r>
+              <a:rPr lang="pl-PL" dirty="0"/>
+              <a:t>)</a:t>
+            </a:r>
           </a:p>
         </p:txBody>
       </p:sp>
@@ -15719,7 +15896,9 @@
         </p:nvSpPr>
         <p:spPr/>
         <p:txBody>
-          <a:bodyPr/>
+          <a:bodyPr>
+            <a:normAutofit fontScale="70000" lnSpcReduction="20000"/>
+          </a:bodyPr>
           <a:lstStyle/>
           <a:p>
             <a:pPr marL="109728" indent="0">
@@ -15807,20 +15986,20 @@
             <a:pPr marL="109728" indent="0">
               <a:buNone/>
             </a:pPr>
+            <a:r>
+              <a:rPr lang="pl-PL" dirty="0"/>
+              <a:t>log.info </a:t>
+            </a:r>
+            <a:r>
+              <a:rPr lang="pl-PL" dirty="0" err="1"/>
+              <a:t>xmlSlurper.Body.AddResponse.AddResult</a:t>
+            </a:r>
             <a:endParaRPr lang="pl-PL" dirty="0"/>
           </a:p>
           <a:p>
             <a:pPr marL="109728" indent="0">
               <a:buNone/>
             </a:pPr>
-            <a:r>
-              <a:rPr lang="pl-PL" dirty="0"/>
-              <a:t>import </a:t>
-            </a:r>
-            <a:r>
-              <a:rPr lang="pl-PL" dirty="0" err="1"/>
-              <a:t>groovy.json.JsonSlurper</a:t>
-            </a:r>
             <a:endParaRPr lang="pl-PL" dirty="0"/>
           </a:p>
           <a:p>
@@ -15833,27 +16012,113 @@
             </a:r>
             <a:r>
               <a:rPr lang="pl-PL" dirty="0" err="1"/>
+              <a:t>groovyUtils</a:t>
+            </a:r>
+            <a:r>
+              <a:rPr lang="pl-PL" dirty="0"/>
+              <a:t> = </a:t>
+            </a:r>
+            <a:r>
+              <a:rPr lang="pl-PL" dirty="0" err="1"/>
+              <a:t>new</a:t>
+            </a:r>
+            <a:r>
+              <a:rPr lang="pl-PL" dirty="0"/>
+              <a:t> </a:t>
+            </a:r>
+            <a:r>
+              <a:rPr lang="pl-PL" dirty="0" err="1"/>
+              <a:t>com.eviware.soapui.support.GroovyUtils</a:t>
+            </a:r>
+            <a:r>
+              <a:rPr lang="pl-PL" dirty="0"/>
+              <a:t>( </a:t>
+            </a:r>
+            <a:r>
+              <a:rPr lang="pl-PL" dirty="0" err="1"/>
+              <a:t>context</a:t>
+            </a:r>
+            <a:r>
+              <a:rPr lang="pl-PL" dirty="0"/>
+              <a:t> )</a:t>
+            </a:r>
+          </a:p>
+          <a:p>
+            <a:pPr marL="109728" indent="0">
+              <a:buNone/>
+            </a:pPr>
+            <a:r>
+              <a:rPr lang="pl-PL" dirty="0" err="1"/>
+              <a:t>responseContent</a:t>
+            </a:r>
+            <a:r>
+              <a:rPr lang="pl-PL" dirty="0"/>
+              <a:t> = </a:t>
+            </a:r>
+            <a:r>
+              <a:rPr lang="pl-PL" dirty="0" err="1"/>
+              <a:t>testRunner.testCase.getTestStepByName</a:t>
+            </a:r>
+            <a:r>
+              <a:rPr lang="pl-PL" dirty="0"/>
+              <a:t>("</a:t>
+            </a:r>
+            <a:r>
+              <a:rPr lang="pl-PL" dirty="0" err="1"/>
+              <a:t>Add</a:t>
+            </a:r>
+            <a:r>
+              <a:rPr lang="pl-PL" dirty="0"/>
+              <a:t>").</a:t>
+            </a:r>
+            <a:r>
+              <a:rPr lang="pl-PL" dirty="0" err="1"/>
+              <a:t>getPropertyValue</a:t>
+            </a:r>
+            <a:r>
+              <a:rPr lang="pl-PL" dirty="0"/>
+              <a:t>("</a:t>
+            </a:r>
+            <a:r>
+              <a:rPr lang="pl-PL" dirty="0" err="1"/>
               <a:t>response</a:t>
             </a:r>
             <a:r>
               <a:rPr lang="pl-PL" dirty="0"/>
+              <a:t>")</a:t>
+            </a:r>
+          </a:p>
+          <a:p>
+            <a:pPr marL="109728" indent="0">
+              <a:buNone/>
+            </a:pPr>
+            <a:r>
+              <a:rPr lang="pl-PL" dirty="0"/>
+              <a:t>def </a:t>
+            </a:r>
+            <a:r>
+              <a:rPr lang="pl-PL" dirty="0" err="1"/>
+              <a:t>holder</a:t>
+            </a:r>
+            <a:r>
+              <a:rPr lang="pl-PL" dirty="0"/>
               <a:t> = </a:t>
             </a:r>
             <a:r>
               <a:rPr lang="pl-PL" dirty="0" err="1"/>
-              <a:t>context.expand</a:t>
-            </a:r>
-            <a:r>
-              <a:rPr lang="pl-PL" dirty="0"/>
-              <a:t>( '${</a:t>
-            </a:r>
-            <a:r>
-              <a:rPr lang="pl-PL" dirty="0" err="1"/>
-              <a:t>Car#Response</a:t>
-            </a:r>
-            <a:r>
-              <a:rPr lang="pl-PL" dirty="0"/>
-              <a:t>}' )</a:t>
+              <a:t>groovyUtils.getXmlHolder</a:t>
+            </a:r>
+            <a:r>
+              <a:rPr lang="pl-PL" dirty="0"/>
+              <a:t>(</a:t>
+            </a:r>
+            <a:r>
+              <a:rPr lang="pl-PL" dirty="0" err="1"/>
+              <a:t>responseContent</a:t>
+            </a:r>
+            <a:r>
+              <a:rPr lang="pl-PL" dirty="0"/>
+              <a:t>)</a:t>
             </a:r>
           </a:p>
           <a:p>
@@ -15862,11 +16127,48 @@
             </a:pPr>
             <a:r>
               <a:rPr lang="pl-PL" dirty="0"/>
+              <a:t>log.info </a:t>
+            </a:r>
+            <a:r>
+              <a:rPr lang="pl-PL" dirty="0" err="1"/>
+              <a:t>holder.getNodeValue</a:t>
+            </a:r>
+            <a:r>
+              <a:rPr lang="pl-PL" dirty="0"/>
+              <a:t>("//*:</a:t>
+            </a:r>
+            <a:r>
+              <a:rPr lang="pl-PL" dirty="0" err="1"/>
+              <a:t>AddResult</a:t>
+            </a:r>
+            <a:r>
+              <a:rPr lang="pl-PL" dirty="0"/>
+              <a:t>")</a:t>
+            </a:r>
+          </a:p>
+          <a:p>
+            <a:pPr marL="109728" indent="0">
+              <a:buNone/>
+            </a:pPr>
+            <a:endParaRPr lang="pl-PL" dirty="0"/>
+          </a:p>
+          <a:p>
+            <a:pPr marL="109728" indent="0">
+              <a:buNone/>
+            </a:pPr>
+            <a:endParaRPr lang="pl-PL" dirty="0"/>
+          </a:p>
+          <a:p>
+            <a:pPr marL="109728" indent="0">
+              <a:buNone/>
+            </a:pPr>
+            <a:r>
+              <a:rPr lang="pl-PL" dirty="0"/>
               <a:t>def </a:t>
             </a:r>
             <a:r>
               <a:rPr lang="pl-PL" dirty="0" err="1"/>
-              <a:t>jsonSlurper</a:t>
+              <a:t>response</a:t>
             </a:r>
             <a:r>
               <a:rPr lang="pl-PL" dirty="0"/>
@@ -15874,6 +16176,55 @@
             </a:r>
             <a:r>
               <a:rPr lang="pl-PL" dirty="0" err="1"/>
+              <a:t>testRunner.testCase.getTestStepByName</a:t>
+            </a:r>
+            <a:r>
+              <a:rPr lang="pl-PL" dirty="0"/>
+              <a:t>('</a:t>
+            </a:r>
+            <a:r>
+              <a:rPr lang="pl-PL" dirty="0" err="1"/>
+              <a:t>ListOfContinentsByCode</a:t>
+            </a:r>
+            <a:r>
+              <a:rPr lang="pl-PL" dirty="0"/>
+              <a:t>').</a:t>
+            </a:r>
+            <a:r>
+              <a:rPr lang="pl-PL" dirty="0" err="1"/>
+              <a:t>getPropertyValue</a:t>
+            </a:r>
+            <a:r>
+              <a:rPr lang="pl-PL" dirty="0"/>
+              <a:t>("</a:t>
+            </a:r>
+            <a:r>
+              <a:rPr lang="pl-PL" dirty="0" err="1"/>
+              <a:t>response</a:t>
+            </a:r>
+            <a:r>
+              <a:rPr lang="pl-PL" dirty="0"/>
+              <a:t>")</a:t>
+            </a:r>
+          </a:p>
+          <a:p>
+            <a:pPr marL="109728" indent="0">
+              <a:buNone/>
+            </a:pPr>
+            <a:r>
+              <a:rPr lang="pl-PL" dirty="0"/>
+              <a:t>def </a:t>
+            </a:r>
+            <a:r>
+              <a:rPr lang="pl-PL" dirty="0" err="1"/>
+              <a:t>xml</a:t>
+            </a:r>
+            <a:r>
+              <a:rPr lang="pl-PL" dirty="0"/>
+              <a:t> = </a:t>
+            </a:r>
+            <a:r>
+              <a:rPr lang="pl-PL" dirty="0" err="1"/>
               <a:t>new</a:t>
             </a:r>
             <a:r>
@@ -15882,7 +16233,7 @@
             </a:r>
             <a:r>
               <a:rPr lang="pl-PL" dirty="0" err="1"/>
-              <a:t>JsonSlurper</a:t>
+              <a:t>XmlSlurper</a:t>
             </a:r>
             <a:r>
               <a:rPr lang="pl-PL" dirty="0"/>
@@ -15904,6 +16255,34 @@
               <a:rPr lang="pl-PL" dirty="0"/>
               <a:t>)</a:t>
             </a:r>
+          </a:p>
+          <a:p>
+            <a:pPr marL="109728" indent="0">
+              <a:buNone/>
+            </a:pPr>
+            <a:r>
+              <a:rPr lang="pl-PL" dirty="0"/>
+              <a:t>def </a:t>
+            </a:r>
+            <a:r>
+              <a:rPr lang="pl-PL" dirty="0" err="1"/>
+              <a:t>code</a:t>
+            </a:r>
+            <a:r>
+              <a:rPr lang="pl-PL" dirty="0"/>
+              <a:t>= xml.Body.ListOfContinentsByCodeResponse.ListOfContinentsByCodeResult.tContinent[1].</a:t>
+            </a:r>
+            <a:r>
+              <a:rPr lang="pl-PL" dirty="0" err="1"/>
+              <a:t>sCode</a:t>
+            </a:r>
+            <a:endParaRPr lang="pl-PL" dirty="0"/>
+          </a:p>
+          <a:p>
+            <a:pPr marL="109728" indent="0">
+              <a:buNone/>
+            </a:pPr>
+            <a:endParaRPr lang="pl-PL" dirty="0"/>
           </a:p>
         </p:txBody>
       </p:sp>
@@ -15945,7 +16324,7 @@
           <p:cNvPr id="2" name="Tytuł 1">
             <a:extLst>
               <a:ext uri="{FF2B5EF4-FFF2-40B4-BE49-F238E27FC236}">
-                <a16:creationId xmlns:a16="http://schemas.microsoft.com/office/drawing/2014/main" id="{3D82AC9D-3CB1-436E-81E7-112973E64675}"/>
+                <a16:creationId xmlns:a16="http://schemas.microsoft.com/office/drawing/2014/main" id="{5CCEF012-3E66-4B5C-84C7-E36DF25ACDC6}"/>
               </a:ext>
             </a:extLst>
           </p:cNvPr>
@@ -15971,19 +16350,11 @@
             </a:r>
             <a:r>
               <a:rPr lang="pl-PL" dirty="0" err="1"/>
-              <a:t>script</a:t>
-            </a:r>
-            <a:r>
-              <a:rPr lang="pl-PL" dirty="0"/>
-              <a:t> data </a:t>
-            </a:r>
-            <a:r>
-              <a:rPr lang="pl-PL" dirty="0" err="1"/>
-              <a:t>sink</a:t>
-            </a:r>
-            <a:r>
-              <a:rPr lang="pl-PL" dirty="0"/>
-              <a:t> file</a:t>
+              <a:t>context</a:t>
+            </a:r>
+            <a:r>
+              <a:rPr lang="pl-PL" dirty="0"/>
+              <a:t> JSON</a:t>
             </a:r>
           </a:p>
         </p:txBody>
@@ -15993,7 +16364,7 @@
           <p:cNvPr id="3" name="Symbol zastępczy zawartości 2">
             <a:extLst>
               <a:ext uri="{FF2B5EF4-FFF2-40B4-BE49-F238E27FC236}">
-                <a16:creationId xmlns:a16="http://schemas.microsoft.com/office/drawing/2014/main" id="{B16AF1B0-5BEE-4301-BC91-5EF15F6210E4}"/>
+                <a16:creationId xmlns:a16="http://schemas.microsoft.com/office/drawing/2014/main" id="{AC642A85-FE98-40AC-B69B-FEA644085567}"/>
               </a:ext>
             </a:extLst>
           </p:cNvPr>
@@ -16006,14 +16377,20 @@
         </p:nvSpPr>
         <p:spPr/>
         <p:txBody>
-          <a:bodyPr>
-            <a:normAutofit fontScale="70000" lnSpcReduction="20000"/>
-          </a:bodyPr>
+          <a:bodyPr/>
           <a:lstStyle/>
           <a:p>
             <a:pPr marL="109728" indent="0">
               <a:buNone/>
             </a:pPr>
+            <a:r>
+              <a:rPr lang="pl-PL" dirty="0"/>
+              <a:t>import </a:t>
+            </a:r>
+            <a:r>
+              <a:rPr lang="pl-PL" dirty="0" err="1"/>
+              <a:t>groovy.json.JsonSlurper</a:t>
+            </a:r>
             <a:endParaRPr lang="pl-PL" dirty="0"/>
           </a:p>
           <a:p>
@@ -16022,7 +16399,48 @@
             </a:pPr>
             <a:r>
               <a:rPr lang="pl-PL" dirty="0"/>
-              <a:t>def file = </a:t>
+              <a:t>def </a:t>
+            </a:r>
+            <a:r>
+              <a:rPr lang="pl-PL" dirty="0" err="1"/>
+              <a:t>response</a:t>
+            </a:r>
+            <a:r>
+              <a:rPr lang="pl-PL" dirty="0"/>
+              <a:t> = </a:t>
+            </a:r>
+            <a:r>
+              <a:rPr lang="pl-PL" dirty="0" err="1"/>
+              <a:t>context.expand</a:t>
+            </a:r>
+            <a:r>
+              <a:rPr lang="pl-PL" dirty="0"/>
+              <a:t>( '${</a:t>
+            </a:r>
+            <a:r>
+              <a:rPr lang="pl-PL" dirty="0" err="1"/>
+              <a:t>Car#Response</a:t>
+            </a:r>
+            <a:r>
+              <a:rPr lang="pl-PL" dirty="0"/>
+              <a:t>}' )</a:t>
+            </a:r>
+          </a:p>
+          <a:p>
+            <a:pPr marL="109728" indent="0">
+              <a:buNone/>
+            </a:pPr>
+            <a:r>
+              <a:rPr lang="pl-PL" dirty="0"/>
+              <a:t>def </a:t>
+            </a:r>
+            <a:r>
+              <a:rPr lang="pl-PL" dirty="0" err="1"/>
+              <a:t>jsonSlurper</a:t>
+            </a:r>
+            <a:r>
+              <a:rPr lang="pl-PL" dirty="0"/>
+              <a:t> = </a:t>
             </a:r>
             <a:r>
               <a:rPr lang="pl-PL" dirty="0" err="1"/>
@@ -16030,69 +16448,19 @@
             </a:r>
             <a:r>
               <a:rPr lang="pl-PL" dirty="0"/>
-              <a:t> File("C:\\Cars.txt") </a:t>
-            </a:r>
-          </a:p>
-          <a:p>
-            <a:pPr marL="109728" indent="0">
-              <a:buNone/>
-            </a:pPr>
-            <a:r>
-              <a:rPr lang="pl-PL" dirty="0"/>
-              <a:t>def </a:t>
-            </a:r>
-            <a:r>
-              <a:rPr lang="pl-PL" dirty="0" err="1"/>
-              <a:t>filereader</a:t>
-            </a:r>
-            <a:r>
-              <a:rPr lang="pl-PL" dirty="0"/>
-              <a:t>= </a:t>
-            </a:r>
-            <a:r>
-              <a:rPr lang="pl-PL" dirty="0" err="1"/>
-              <a:t>new</a:t>
-            </a:r>
-            <a:r>
-              <a:rPr lang="pl-PL" dirty="0"/>
               <a:t> </a:t>
             </a:r>
             <a:r>
               <a:rPr lang="pl-PL" dirty="0" err="1"/>
-              <a:t>FileReader</a:t>
-            </a:r>
-            <a:r>
-              <a:rPr lang="pl-PL" dirty="0"/>
-              <a:t>(file)</a:t>
-            </a:r>
-          </a:p>
-          <a:p>
-            <a:pPr marL="109728" indent="0">
-              <a:buNone/>
-            </a:pPr>
-            <a:r>
-              <a:rPr lang="pl-PL" dirty="0"/>
-              <a:t>def </a:t>
-            </a:r>
-            <a:r>
-              <a:rPr lang="pl-PL" dirty="0" err="1"/>
-              <a:t>bufferedreader</a:t>
-            </a:r>
-            <a:r>
-              <a:rPr lang="pl-PL" dirty="0"/>
-              <a:t> = </a:t>
-            </a:r>
-            <a:r>
-              <a:rPr lang="pl-PL" dirty="0" err="1"/>
-              <a:t>new</a:t>
-            </a:r>
-            <a:r>
-              <a:rPr lang="pl-PL" dirty="0"/>
-              <a:t> </a:t>
-            </a:r>
-            <a:r>
-              <a:rPr lang="pl-PL" dirty="0" err="1"/>
-              <a:t>BufferedReader</a:t>
+              <a:t>JsonSlurper</a:t>
+            </a:r>
+            <a:r>
+              <a:rPr lang="pl-PL" dirty="0"/>
+              <a:t>().</a:t>
+            </a:r>
+            <a:r>
+              <a:rPr lang="pl-PL" dirty="0" err="1"/>
+              <a:t>parseText</a:t>
             </a:r>
             <a:r>
               <a:rPr lang="pl-PL" dirty="0"/>
@@ -16100,234 +16468,22 @@
             </a:r>
             <a:r>
               <a:rPr lang="pl-PL" dirty="0" err="1"/>
-              <a:t>filereader</a:t>
-            </a:r>
-            <a:r>
-              <a:rPr lang="pl-PL" dirty="0"/>
-              <a:t>) </a:t>
-            </a:r>
-          </a:p>
-          <a:p>
-            <a:pPr marL="109728" indent="0">
-              <a:buNone/>
-            </a:pPr>
-            <a:r>
-              <a:rPr lang="pl-PL" dirty="0"/>
-              <a:t>def </a:t>
-            </a:r>
-            <a:r>
-              <a:rPr lang="pl-PL" dirty="0" err="1"/>
-              <a:t>tmp</a:t>
-            </a:r>
-            <a:r>
-              <a:rPr lang="pl-PL" dirty="0"/>
-              <a:t> = </a:t>
-            </a:r>
-            <a:r>
-              <a:rPr lang="pl-PL" dirty="0" err="1"/>
-              <a:t>bufferedreader.readLine</a:t>
-            </a:r>
-            <a:r>
-              <a:rPr lang="pl-PL" dirty="0"/>
-              <a:t>() </a:t>
-            </a:r>
-          </a:p>
-          <a:p>
-            <a:pPr marL="109728" indent="0">
-              <a:buNone/>
-            </a:pPr>
+              <a:t>response</a:t>
+            </a:r>
+            <a:r>
+              <a:rPr lang="pl-PL" dirty="0"/>
+              <a:t>)</a:t>
+            </a:r>
+          </a:p>
+          <a:p>
             <a:endParaRPr lang="pl-PL" dirty="0"/>
-          </a:p>
-          <a:p>
-            <a:pPr marL="109728" indent="0">
-              <a:buNone/>
-            </a:pPr>
-            <a:r>
-              <a:rPr lang="pl-PL" dirty="0" err="1"/>
-              <a:t>while</a:t>
-            </a:r>
-            <a:r>
-              <a:rPr lang="pl-PL" dirty="0"/>
-              <a:t>(</a:t>
-            </a:r>
-            <a:r>
-              <a:rPr lang="pl-PL" dirty="0" err="1"/>
-              <a:t>tmp</a:t>
-            </a:r>
-            <a:r>
-              <a:rPr lang="pl-PL" dirty="0"/>
-              <a:t>!=</a:t>
-            </a:r>
-            <a:r>
-              <a:rPr lang="pl-PL" dirty="0" err="1"/>
-              <a:t>null</a:t>
-            </a:r>
-            <a:r>
-              <a:rPr lang="pl-PL" dirty="0"/>
-              <a:t>)</a:t>
-            </a:r>
-          </a:p>
-          <a:p>
-            <a:pPr marL="109728" indent="0">
-              <a:buNone/>
-            </a:pPr>
-            <a:r>
-              <a:rPr lang="pl-PL" dirty="0"/>
-              <a:t>{</a:t>
-            </a:r>
-          </a:p>
-          <a:p>
-            <a:pPr marL="109728" indent="0">
-              <a:buNone/>
-            </a:pPr>
-            <a:r>
-              <a:rPr lang="pl-PL" dirty="0" err="1"/>
-              <a:t>testRunner.testCase.setPropertyValue</a:t>
-            </a:r>
-            <a:r>
-              <a:rPr lang="pl-PL" dirty="0"/>
-              <a:t>("</a:t>
-            </a:r>
-            <a:r>
-              <a:rPr lang="pl-PL" dirty="0" err="1"/>
-              <a:t>carname</a:t>
-            </a:r>
-            <a:r>
-              <a:rPr lang="pl-PL" dirty="0"/>
-              <a:t>", </a:t>
-            </a:r>
-            <a:r>
-              <a:rPr lang="pl-PL" dirty="0" err="1"/>
-              <a:t>tmp</a:t>
-            </a:r>
-            <a:r>
-              <a:rPr lang="pl-PL" dirty="0"/>
-              <a:t>)</a:t>
-            </a:r>
-          </a:p>
-          <a:p>
-            <a:pPr marL="109728" indent="0">
-              <a:buNone/>
-            </a:pPr>
-            <a:r>
-              <a:rPr lang="pl-PL" dirty="0"/>
-              <a:t>//</a:t>
-            </a:r>
-            <a:r>
-              <a:rPr lang="pl-PL" dirty="0" err="1"/>
-              <a:t>remember</a:t>
-            </a:r>
-            <a:r>
-              <a:rPr lang="pl-PL" dirty="0"/>
-              <a:t> to set </a:t>
-            </a:r>
-            <a:r>
-              <a:rPr lang="pl-PL" dirty="0" err="1"/>
-              <a:t>carname</a:t>
-            </a:r>
-            <a:r>
-              <a:rPr lang="pl-PL" dirty="0"/>
-              <a:t> </a:t>
-            </a:r>
-            <a:r>
-              <a:rPr lang="pl-PL" dirty="0" err="1"/>
-              <a:t>property</a:t>
-            </a:r>
-            <a:r>
-              <a:rPr lang="pl-PL" dirty="0"/>
-              <a:t> in </a:t>
-            </a:r>
-            <a:r>
-              <a:rPr lang="pl-PL" dirty="0" err="1"/>
-              <a:t>request</a:t>
-            </a:r>
-            <a:r>
-              <a:rPr lang="pl-PL" dirty="0"/>
-              <a:t> in test step!!!</a:t>
-            </a:r>
-          </a:p>
-          <a:p>
-            <a:pPr marL="109728" indent="0">
-              <a:buNone/>
-            </a:pPr>
-            <a:r>
-              <a:rPr lang="pl-PL" dirty="0" err="1"/>
-              <a:t>testRunner.runTestStepByName</a:t>
-            </a:r>
-            <a:r>
-              <a:rPr lang="pl-PL" dirty="0"/>
-              <a:t>("</a:t>
-            </a:r>
-            <a:r>
-              <a:rPr lang="pl-PL" dirty="0" err="1"/>
-              <a:t>Add</a:t>
-            </a:r>
-            <a:r>
-              <a:rPr lang="pl-PL" dirty="0"/>
-              <a:t> CAR")</a:t>
-            </a:r>
-          </a:p>
-          <a:p>
-            <a:pPr marL="109728" indent="0">
-              <a:buNone/>
-            </a:pPr>
-            <a:r>
-              <a:rPr lang="pl-PL" dirty="0" err="1"/>
-              <a:t>tmp</a:t>
-            </a:r>
-            <a:r>
-              <a:rPr lang="pl-PL" dirty="0"/>
-              <a:t> = </a:t>
-            </a:r>
-            <a:r>
-              <a:rPr lang="pl-PL" dirty="0" err="1"/>
-              <a:t>bufferedreader.readLine</a:t>
-            </a:r>
-            <a:r>
-              <a:rPr lang="pl-PL" dirty="0"/>
-              <a:t>()</a:t>
-            </a:r>
-          </a:p>
-          <a:p>
-            <a:pPr marL="109728" indent="0">
-              <a:buNone/>
-            </a:pPr>
-            <a:r>
-              <a:rPr lang="pl-PL" dirty="0"/>
-              <a:t>log.info("</a:t>
-            </a:r>
-            <a:r>
-              <a:rPr lang="pl-PL" dirty="0" err="1"/>
-              <a:t>input</a:t>
-            </a:r>
-            <a:r>
-              <a:rPr lang="pl-PL" dirty="0"/>
-              <a:t>="+ </a:t>
-            </a:r>
-            <a:r>
-              <a:rPr lang="pl-PL" dirty="0" err="1"/>
-              <a:t>tmp</a:t>
-            </a:r>
-            <a:r>
-              <a:rPr lang="pl-PL" dirty="0"/>
-              <a:t>)</a:t>
-            </a:r>
-          </a:p>
-          <a:p>
-            <a:pPr marL="109728" indent="0">
-              <a:buNone/>
-            </a:pPr>
-            <a:r>
-              <a:rPr lang="pl-PL" dirty="0"/>
-              <a:t>}</a:t>
-            </a:r>
           </a:p>
         </p:txBody>
       </p:sp>
     </p:spTree>
     <p:extLst>
       <p:ext uri="{BB962C8B-B14F-4D97-AF65-F5344CB8AC3E}">
-        <p14:creationId xmlns:p14="http://schemas.microsoft.com/office/powerpoint/2010/main" val="4084667489"/>
+        <p14:creationId xmlns:p14="http://schemas.microsoft.com/office/powerpoint/2010/main" val="1812358456"/>
       </p:ext>
     </p:extLst>
   </p:cSld>
@@ -16497,7 +16653,7 @@
           <p:cNvPr id="2" name="Tytuł 1">
             <a:extLst>
               <a:ext uri="{FF2B5EF4-FFF2-40B4-BE49-F238E27FC236}">
-                <a16:creationId xmlns:a16="http://schemas.microsoft.com/office/drawing/2014/main" id="{76932302-ABB6-42FA-92D8-E3856268D4DF}"/>
+                <a16:creationId xmlns:a16="http://schemas.microsoft.com/office/drawing/2014/main" id="{3D82AC9D-3CB1-436E-81E7-112973E64675}"/>
               </a:ext>
             </a:extLst>
           </p:cNvPr>
@@ -16519,7 +16675,23 @@
             </a:r>
             <a:r>
               <a:rPr lang="pl-PL" dirty="0"/>
-              <a:t> – Excel Data Source JXL</a:t>
+              <a:t> – </a:t>
+            </a:r>
+            <a:r>
+              <a:rPr lang="pl-PL" dirty="0" err="1"/>
+              <a:t>script</a:t>
+            </a:r>
+            <a:r>
+              <a:rPr lang="pl-PL" dirty="0"/>
+              <a:t> data </a:t>
+            </a:r>
+            <a:r>
+              <a:rPr lang="pl-PL" dirty="0" err="1"/>
+              <a:t>sink</a:t>
+            </a:r>
+            <a:r>
+              <a:rPr lang="pl-PL" dirty="0"/>
+              <a:t> file</a:t>
             </a:r>
           </a:p>
         </p:txBody>
@@ -16529,7 +16701,7 @@
           <p:cNvPr id="3" name="Symbol zastępczy zawartości 2">
             <a:extLst>
               <a:ext uri="{FF2B5EF4-FFF2-40B4-BE49-F238E27FC236}">
-                <a16:creationId xmlns:a16="http://schemas.microsoft.com/office/drawing/2014/main" id="{CA575C5E-7C4C-4E3C-AB8A-01013D4E411F}"/>
+                <a16:creationId xmlns:a16="http://schemas.microsoft.com/office/drawing/2014/main" id="{B16AF1B0-5BEE-4301-BC91-5EF15F6210E4}"/>
               </a:ext>
             </a:extLst>
           </p:cNvPr>
@@ -16543,17 +16715,14 @@
         <p:spPr/>
         <p:txBody>
           <a:bodyPr>
-            <a:normAutofit fontScale="55000" lnSpcReduction="20000"/>
+            <a:normAutofit/>
           </a:bodyPr>
           <a:lstStyle/>
           <a:p>
             <a:pPr marL="109728" indent="0">
               <a:buNone/>
             </a:pPr>
-            <a:r>
-              <a:rPr lang="pl-PL" dirty="0"/>
-              <a:t>import jxl.*</a:t>
-            </a:r>
+            <a:endParaRPr lang="pl-PL" dirty="0"/>
           </a:p>
           <a:p>
             <a:pPr marL="109728" indent="0">
@@ -16561,7 +16730,15 @@
             </a:pPr>
             <a:r>
               <a:rPr lang="pl-PL" dirty="0"/>
-              <a:t>import jxl.write.*</a:t>
+              <a:t>def f =  </a:t>
+            </a:r>
+            <a:r>
+              <a:rPr lang="pl-PL" dirty="0" err="1"/>
+              <a:t>new</a:t>
+            </a:r>
+            <a:r>
+              <a:rPr lang="pl-PL" dirty="0"/>
+              <a:t> File("C:\\Cars.txt") </a:t>
             </a:r>
           </a:p>
           <a:p>
@@ -16569,22 +16746,26 @@
               <a:buNone/>
             </a:pPr>
             <a:r>
-              <a:rPr lang="pl-PL" dirty="0"/>
-              <a:t>import </a:t>
-            </a:r>
-            <a:r>
-              <a:rPr lang="pl-PL" dirty="0" err="1"/>
-              <a:t>jxl.Workbook</a:t>
-            </a:r>
-            <a:r>
-              <a:rPr lang="pl-PL" dirty="0"/>
-              <a:t>;</a:t>
+              <a:rPr lang="pl-PL" dirty="0" err="1"/>
+              <a:t>f.eachLine</a:t>
+            </a:r>
+            <a:r>
+              <a:rPr lang="pl-PL" dirty="0"/>
+              <a:t>() {</a:t>
             </a:r>
           </a:p>
           <a:p>
             <a:pPr marL="109728" indent="0">
               <a:buNone/>
             </a:pPr>
+            <a:r>
+              <a:rPr lang="pl-PL" dirty="0"/>
+              <a:t>    log.info </a:t>
+            </a:r>
+            <a:r>
+              <a:rPr lang="pl-PL" dirty="0" err="1"/>
+              <a:t>it</a:t>
+            </a:r>
             <a:endParaRPr lang="pl-PL" dirty="0"/>
           </a:p>
           <a:p>
@@ -16593,35 +16774,27 @@
             </a:pPr>
             <a:r>
               <a:rPr lang="pl-PL" dirty="0"/>
-              <a:t>def </a:t>
-            </a:r>
-            <a:r>
-              <a:rPr lang="pl-PL" dirty="0" err="1"/>
-              <a:t>groovyutils</a:t>
-            </a:r>
-            <a:r>
-              <a:rPr lang="pl-PL" dirty="0"/>
-              <a:t> = </a:t>
-            </a:r>
-            <a:r>
-              <a:rPr lang="pl-PL" dirty="0" err="1"/>
-              <a:t>new</a:t>
-            </a:r>
-            <a:r>
-              <a:rPr lang="pl-PL" dirty="0"/>
-              <a:t> </a:t>
-            </a:r>
-            <a:r>
-              <a:rPr lang="pl-PL" dirty="0" err="1"/>
-              <a:t>com.eviware.soapui.support.GroovyUtils</a:t>
-            </a:r>
-            <a:r>
-              <a:rPr lang="pl-PL" dirty="0"/>
-              <a:t>(</a:t>
-            </a:r>
-            <a:r>
-              <a:rPr lang="pl-PL" dirty="0" err="1"/>
-              <a:t>context</a:t>
+              <a:t>    </a:t>
+            </a:r>
+            <a:r>
+              <a:rPr lang="pl-PL" dirty="0" err="1"/>
+              <a:t>testRunner.testCase.setPropertyValue</a:t>
+            </a:r>
+            <a:r>
+              <a:rPr lang="pl-PL" dirty="0"/>
+              <a:t>("</a:t>
+            </a:r>
+            <a:r>
+              <a:rPr lang="pl-PL" dirty="0" err="1"/>
+              <a:t>carname</a:t>
+            </a:r>
+            <a:r>
+              <a:rPr lang="pl-PL" dirty="0"/>
+              <a:t>", </a:t>
+            </a:r>
+            <a:r>
+              <a:rPr lang="pl-PL" dirty="0" err="1"/>
+              <a:t>it</a:t>
             </a:r>
             <a:r>
               <a:rPr lang="pl-PL" dirty="0"/>
@@ -16634,161 +16807,15 @@
             </a:pPr>
             <a:r>
               <a:rPr lang="pl-PL" dirty="0"/>
-              <a:t>def </a:t>
-            </a:r>
-            <a:r>
-              <a:rPr lang="pl-PL" dirty="0" err="1"/>
-              <a:t>projectpath</a:t>
-            </a:r>
-            <a:r>
-              <a:rPr lang="pl-PL" dirty="0"/>
-              <a:t> = </a:t>
-            </a:r>
-            <a:r>
-              <a:rPr lang="pl-PL" dirty="0" err="1"/>
-              <a:t>groovyutils.projectPath</a:t>
-            </a:r>
-            <a:endParaRPr lang="pl-PL" dirty="0"/>
-          </a:p>
-          <a:p>
-            <a:pPr marL="109728" indent="0">
-              <a:buNone/>
-            </a:pPr>
-            <a:endParaRPr lang="pl-PL" dirty="0"/>
-          </a:p>
-          <a:p>
-            <a:pPr marL="109728" indent="0">
-              <a:buNone/>
-            </a:pPr>
-            <a:r>
-              <a:rPr lang="pl-PL" dirty="0"/>
-              <a:t>def f = </a:t>
-            </a:r>
-            <a:r>
-              <a:rPr lang="pl-PL" dirty="0" err="1"/>
-              <a:t>new</a:t>
-            </a:r>
-            <a:r>
-              <a:rPr lang="pl-PL" dirty="0"/>
-              <a:t> File("C:\\test.xls"); </a:t>
-            </a:r>
-          </a:p>
-          <a:p>
-            <a:pPr marL="109728" indent="0">
-              <a:buNone/>
-            </a:pPr>
-            <a:r>
-              <a:rPr lang="pl-PL" dirty="0"/>
-              <a:t>def </a:t>
-            </a:r>
-            <a:r>
-              <a:rPr lang="pl-PL" dirty="0" err="1"/>
-              <a:t>wk</a:t>
-            </a:r>
-            <a:r>
-              <a:rPr lang="pl-PL" dirty="0"/>
-              <a:t> = </a:t>
-            </a:r>
-            <a:r>
-              <a:rPr lang="pl-PL" dirty="0" err="1"/>
-              <a:t>Workbook.getWorkbook</a:t>
-            </a:r>
-            <a:r>
-              <a:rPr lang="pl-PL" dirty="0"/>
-              <a:t>(f);</a:t>
-            </a:r>
-          </a:p>
-          <a:p>
-            <a:pPr marL="109728" indent="0">
-              <a:buNone/>
-            </a:pPr>
-            <a:endParaRPr lang="pl-PL" dirty="0"/>
-          </a:p>
-          <a:p>
-            <a:pPr marL="109728" indent="0">
-              <a:buNone/>
-            </a:pPr>
-            <a:r>
-              <a:rPr lang="pl-PL" dirty="0"/>
-              <a:t>def s1 = </a:t>
-            </a:r>
-            <a:r>
-              <a:rPr lang="pl-PL" dirty="0" err="1"/>
-              <a:t>wk.getSheet</a:t>
-            </a:r>
-            <a:r>
-              <a:rPr lang="pl-PL" dirty="0"/>
-              <a:t>(0); </a:t>
-            </a:r>
-          </a:p>
-          <a:p>
-            <a:pPr marL="109728" indent="0">
-              <a:buNone/>
-            </a:pPr>
-            <a:r>
-              <a:rPr lang="pl-PL" dirty="0"/>
-              <a:t>def r = s1.getRows(); </a:t>
-            </a:r>
-          </a:p>
-          <a:p>
-            <a:pPr marL="109728" indent="0">
-              <a:buNone/>
-            </a:pPr>
-            <a:r>
-              <a:rPr lang="pl-PL" dirty="0"/>
-              <a:t>def c1</a:t>
-            </a:r>
-          </a:p>
-          <a:p>
-            <a:pPr marL="109728" indent="0">
-              <a:buNone/>
-            </a:pPr>
-            <a:r>
-              <a:rPr lang="pl-PL" dirty="0"/>
-              <a:t>for(def i=0;i&lt;</a:t>
-            </a:r>
-            <a:r>
-              <a:rPr lang="pl-PL" dirty="0" err="1"/>
-              <a:t>r;i</a:t>
-            </a:r>
-            <a:r>
-              <a:rPr lang="pl-PL" dirty="0"/>
-              <a:t>++)</a:t>
-            </a:r>
-          </a:p>
-          <a:p>
-            <a:pPr marL="109728" indent="0">
-              <a:buNone/>
-            </a:pPr>
-            <a:r>
-              <a:rPr lang="pl-PL" dirty="0"/>
-              <a:t>{</a:t>
-            </a:r>
-          </a:p>
-          <a:p>
-            <a:pPr marL="109728" indent="0">
-              <a:buNone/>
-            </a:pPr>
-            <a:r>
-              <a:rPr lang="pl-PL" dirty="0"/>
-              <a:t>	c1 = s1.getCell(0, i).</a:t>
-            </a:r>
-            <a:r>
-              <a:rPr lang="pl-PL" dirty="0" err="1"/>
-              <a:t>getContents</a:t>
-            </a:r>
-            <a:r>
-              <a:rPr lang="pl-PL" dirty="0"/>
-              <a:t>()</a:t>
-            </a:r>
-          </a:p>
-          <a:p>
-            <a:pPr marL="109728" indent="0">
-              <a:buNone/>
-            </a:pPr>
-            <a:r>
-              <a:rPr lang="pl-PL" dirty="0"/>
-              <a:t>	log.info c1</a:t>
+              <a:t>    </a:t>
+            </a:r>
+            <a:r>
+              <a:rPr lang="pl-PL" dirty="0" err="1"/>
+              <a:t>testRunner.runTestStepByName</a:t>
+            </a:r>
+            <a:r>
+              <a:rPr lang="pl-PL" dirty="0"/>
+              <a:t>("Car")</a:t>
             </a:r>
           </a:p>
           <a:p>
@@ -16805,7 +16832,7 @@
     </p:spTree>
     <p:extLst>
       <p:ext uri="{BB962C8B-B14F-4D97-AF65-F5344CB8AC3E}">
-        <p14:creationId xmlns:p14="http://schemas.microsoft.com/office/powerpoint/2010/main" val="2026433713"/>
+        <p14:creationId xmlns:p14="http://schemas.microsoft.com/office/powerpoint/2010/main" val="4084667489"/>
       </p:ext>
     </p:extLst>
   </p:cSld>
@@ -16840,7 +16867,7 @@
           <p:cNvPr id="2" name="Tytuł 1">
             <a:extLst>
               <a:ext uri="{FF2B5EF4-FFF2-40B4-BE49-F238E27FC236}">
-                <a16:creationId xmlns:a16="http://schemas.microsoft.com/office/drawing/2014/main" id="{5C6DEFF3-C1F2-47A1-900E-679598C3BB10}"/>
+                <a16:creationId xmlns:a16="http://schemas.microsoft.com/office/drawing/2014/main" id="{76932302-ABB6-42FA-92D8-E3856268D4DF}"/>
               </a:ext>
             </a:extLst>
           </p:cNvPr>
@@ -16862,15 +16889,7 @@
             </a:r>
             <a:r>
               <a:rPr lang="pl-PL" dirty="0"/>
-              <a:t> – Excel Data </a:t>
-            </a:r>
-            <a:r>
-              <a:rPr lang="pl-PL" dirty="0" err="1"/>
-              <a:t>Sink</a:t>
-            </a:r>
-            <a:r>
-              <a:rPr lang="pl-PL" dirty="0"/>
-              <a:t> JXL</a:t>
+              <a:t> – Excel Data Source JXL</a:t>
             </a:r>
           </a:p>
         </p:txBody>
@@ -16880,7 +16899,7 @@
           <p:cNvPr id="3" name="Symbol zastępczy zawartości 2">
             <a:extLst>
               <a:ext uri="{FF2B5EF4-FFF2-40B4-BE49-F238E27FC236}">
-                <a16:creationId xmlns:a16="http://schemas.microsoft.com/office/drawing/2014/main" id="{75C980D6-E68F-46B3-A191-C2BF8AD8735D}"/>
+                <a16:creationId xmlns:a16="http://schemas.microsoft.com/office/drawing/2014/main" id="{CA575C5E-7C4C-4E3C-AB8A-01013D4E411F}"/>
               </a:ext>
             </a:extLst>
           </p:cNvPr>
@@ -16925,8 +16944,17 @@
             </a:r>
             <a:r>
               <a:rPr lang="pl-PL" dirty="0" err="1"/>
-              <a:t>jxl.write.Label</a:t>
-            </a:r>
+              <a:t>jxl.Workbook</a:t>
+            </a:r>
+            <a:r>
+              <a:rPr lang="pl-PL" dirty="0"/>
+              <a:t>;</a:t>
+            </a:r>
+          </a:p>
+          <a:p>
+            <a:pPr marL="109728" indent="0">
+              <a:buNone/>
+            </a:pPr>
             <a:endParaRPr lang="pl-PL" dirty="0"/>
           </a:p>
           <a:p>
@@ -16935,15 +16963,39 @@
             </a:pPr>
             <a:r>
               <a:rPr lang="pl-PL" dirty="0"/>
-              <a:t>import </a:t>
-            </a:r>
-            <a:r>
-              <a:rPr lang="pl-PL" dirty="0" err="1"/>
-              <a:t>jxl.Workbook</a:t>
-            </a:r>
-            <a:r>
-              <a:rPr lang="pl-PL" dirty="0"/>
-              <a:t>;</a:t>
+              <a:t>def </a:t>
+            </a:r>
+            <a:r>
+              <a:rPr lang="pl-PL" dirty="0" err="1"/>
+              <a:t>groovyutils</a:t>
+            </a:r>
+            <a:r>
+              <a:rPr lang="pl-PL" dirty="0"/>
+              <a:t> = </a:t>
+            </a:r>
+            <a:r>
+              <a:rPr lang="pl-PL" dirty="0" err="1"/>
+              <a:t>new</a:t>
+            </a:r>
+            <a:r>
+              <a:rPr lang="pl-PL" dirty="0"/>
+              <a:t> </a:t>
+            </a:r>
+            <a:r>
+              <a:rPr lang="pl-PL" dirty="0" err="1"/>
+              <a:t>com.eviware.soapui.support.GroovyUtils</a:t>
+            </a:r>
+            <a:r>
+              <a:rPr lang="pl-PL" dirty="0"/>
+              <a:t>(</a:t>
+            </a:r>
+            <a:r>
+              <a:rPr lang="pl-PL" dirty="0" err="1"/>
+              <a:t>context</a:t>
+            </a:r>
+            <a:r>
+              <a:rPr lang="pl-PL" dirty="0"/>
+              <a:t>)</a:t>
             </a:r>
           </a:p>
           <a:p>
@@ -16952,30 +17004,74 @@
             </a:pPr>
             <a:r>
               <a:rPr lang="pl-PL" dirty="0"/>
-              <a:t>import </a:t>
-            </a:r>
-            <a:r>
-              <a:rPr lang="pl-PL" dirty="0" err="1"/>
-              <a:t>java.io.File</a:t>
-            </a:r>
-            <a:r>
-              <a:rPr lang="pl-PL" dirty="0"/>
-              <a:t>;</a:t>
-            </a:r>
+              <a:t>def </a:t>
+            </a:r>
+            <a:r>
+              <a:rPr lang="pl-PL" dirty="0" err="1"/>
+              <a:t>projectpath</a:t>
+            </a:r>
+            <a:r>
+              <a:rPr lang="pl-PL" dirty="0"/>
+              <a:t> = </a:t>
+            </a:r>
+            <a:r>
+              <a:rPr lang="pl-PL" dirty="0" err="1"/>
+              <a:t>groovyutils.projectPath</a:t>
+            </a:r>
+            <a:endParaRPr lang="pl-PL" dirty="0"/>
           </a:p>
           <a:p>
             <a:pPr marL="109728" indent="0">
               <a:buNone/>
             </a:pPr>
-            <a:r>
-              <a:rPr lang="pl-PL" dirty="0"/>
-              <a:t>import groovy.json.*</a:t>
-            </a:r>
+            <a:endParaRPr lang="pl-PL" dirty="0"/>
           </a:p>
           <a:p>
             <a:pPr marL="109728" indent="0">
               <a:buNone/>
             </a:pPr>
+            <a:r>
+              <a:rPr lang="pl-PL" dirty="0"/>
+              <a:t>def f = </a:t>
+            </a:r>
+            <a:r>
+              <a:rPr lang="pl-PL" dirty="0" err="1"/>
+              <a:t>new</a:t>
+            </a:r>
+            <a:r>
+              <a:rPr lang="pl-PL" dirty="0"/>
+              <a:t> File("C:\\test.xls"); </a:t>
+            </a:r>
+          </a:p>
+          <a:p>
+            <a:pPr marL="109728" indent="0">
+              <a:buNone/>
+            </a:pPr>
+            <a:r>
+              <a:rPr lang="pl-PL" dirty="0"/>
+              <a:t>def </a:t>
+            </a:r>
+            <a:r>
+              <a:rPr lang="pl-PL" dirty="0" err="1"/>
+              <a:t>wk</a:t>
+            </a:r>
+            <a:r>
+              <a:rPr lang="pl-PL" dirty="0"/>
+              <a:t> = </a:t>
+            </a:r>
+            <a:r>
+              <a:rPr lang="pl-PL" dirty="0" err="1"/>
+              <a:t>Workbook.getWorkbook</a:t>
+            </a:r>
+            <a:r>
+              <a:rPr lang="pl-PL" dirty="0"/>
+              <a:t>(f);</a:t>
+            </a:r>
+          </a:p>
+          <a:p>
+            <a:pPr marL="109728" indent="0">
+              <a:buNone/>
+            </a:pPr>
             <a:endParaRPr lang="pl-PL" dirty="0"/>
           </a:p>
           <a:p>
@@ -16984,15 +17080,15 @@
             </a:pPr>
             <a:r>
               <a:rPr lang="pl-PL" dirty="0"/>
-              <a:t>def f = </a:t>
-            </a:r>
-            <a:r>
-              <a:rPr lang="pl-PL" dirty="0" err="1"/>
-              <a:t>new</a:t>
-            </a:r>
-            <a:r>
-              <a:rPr lang="pl-PL" dirty="0"/>
-              <a:t> File("C:\\test.xls"); </a:t>
+              <a:t>def s1 = </a:t>
+            </a:r>
+            <a:r>
+              <a:rPr lang="pl-PL" dirty="0" err="1"/>
+              <a:t>wk.getSheet</a:t>
+            </a:r>
+            <a:r>
+              <a:rPr lang="pl-PL" dirty="0"/>
+              <a:t>(0); </a:t>
             </a:r>
           </a:p>
           <a:p>
@@ -17000,36 +17096,8 @@
               <a:buNone/>
             </a:pPr>
             <a:r>
-              <a:rPr lang="pl-PL" dirty="0" err="1"/>
-              <a:t>WritableWorkbook</a:t>
-            </a:r>
-            <a:r>
-              <a:rPr lang="pl-PL" dirty="0"/>
-              <a:t> </a:t>
-            </a:r>
-            <a:r>
-              <a:rPr lang="pl-PL" dirty="0" err="1"/>
-              <a:t>wk</a:t>
-            </a:r>
-            <a:r>
-              <a:rPr lang="pl-PL" dirty="0"/>
-              <a:t> = </a:t>
-            </a:r>
-            <a:r>
-              <a:rPr lang="pl-PL" dirty="0" err="1"/>
-              <a:t>Workbook.createWorkbook</a:t>
-            </a:r>
-            <a:r>
-              <a:rPr lang="pl-PL" dirty="0"/>
-              <a:t>(</a:t>
-            </a:r>
-            <a:r>
-              <a:rPr lang="pl-PL" dirty="0" err="1"/>
-              <a:t>new</a:t>
-            </a:r>
-            <a:r>
-              <a:rPr lang="pl-PL" dirty="0"/>
-              <a:t> File("c:\\test.xls"))</a:t>
+              <a:rPr lang="pl-PL" dirty="0"/>
+              <a:t>def r = s1.getRows(); </a:t>
             </a:r>
           </a:p>
           <a:p>
@@ -17037,55 +17105,34 @@
               <a:buNone/>
             </a:pPr>
             <a:r>
-              <a:rPr lang="pl-PL" dirty="0" err="1"/>
-              <a:t>WritableSheet</a:t>
-            </a:r>
-            <a:r>
-              <a:rPr lang="pl-PL" dirty="0"/>
-              <a:t> </a:t>
-            </a:r>
-            <a:r>
-              <a:rPr lang="pl-PL" dirty="0" err="1"/>
-              <a:t>sheet</a:t>
-            </a:r>
-            <a:r>
-              <a:rPr lang="pl-PL" dirty="0"/>
-              <a:t> = </a:t>
-            </a:r>
-            <a:r>
-              <a:rPr lang="pl-PL" dirty="0" err="1"/>
-              <a:t>wk.createSheet</a:t>
-            </a:r>
-            <a:r>
-              <a:rPr lang="pl-PL" dirty="0"/>
-              <a:t>("</a:t>
-            </a:r>
-            <a:r>
-              <a:rPr lang="pl-PL" dirty="0" err="1"/>
-              <a:t>Worksheet</a:t>
-            </a:r>
-            <a:r>
-              <a:rPr lang="pl-PL" dirty="0"/>
-              <a:t>", 0)</a:t>
+              <a:rPr lang="pl-PL" dirty="0"/>
+              <a:t>def c1</a:t>
             </a:r>
           </a:p>
           <a:p>
             <a:pPr marL="109728" indent="0">
               <a:buNone/>
             </a:pPr>
-            <a:endParaRPr lang="pl-PL" dirty="0"/>
+            <a:r>
+              <a:rPr lang="pl-PL" dirty="0"/>
+              <a:t>for(def i=0;i&lt;</a:t>
+            </a:r>
+            <a:r>
+              <a:rPr lang="pl-PL" dirty="0" err="1"/>
+              <a:t>r;i</a:t>
+            </a:r>
+            <a:r>
+              <a:rPr lang="pl-PL" dirty="0"/>
+              <a:t>++)</a:t>
+            </a:r>
           </a:p>
           <a:p>
             <a:pPr marL="109728" indent="0">
               <a:buNone/>
             </a:pPr>
             <a:r>
-              <a:rPr lang="pl-PL" dirty="0" err="1"/>
-              <a:t>testRunner.runTestStepByName</a:t>
-            </a:r>
-            <a:r>
-              <a:rPr lang="pl-PL" dirty="0"/>
-              <a:t>("car")</a:t>
+              <a:rPr lang="pl-PL" dirty="0"/>
+              <a:t>{</a:t>
             </a:r>
           </a:p>
           <a:p>
@@ -17094,35 +17141,11 @@
             </a:pPr>
             <a:r>
               <a:rPr lang="pl-PL" dirty="0"/>
-              <a:t>def </a:t>
-            </a:r>
-            <a:r>
-              <a:rPr lang="pl-PL" dirty="0" err="1"/>
-              <a:t>response</a:t>
-            </a:r>
-            <a:r>
-              <a:rPr lang="pl-PL" dirty="0"/>
-              <a:t> = </a:t>
-            </a:r>
-            <a:r>
-              <a:rPr lang="pl-PL" dirty="0" err="1"/>
-              <a:t>context.expand</a:t>
-            </a:r>
-            <a:r>
-              <a:rPr lang="pl-PL" dirty="0"/>
-              <a:t>( '${</a:t>
-            </a:r>
-            <a:r>
-              <a:rPr lang="pl-PL" dirty="0" err="1"/>
-              <a:t>car#Response</a:t>
-            </a:r>
-            <a:r>
-              <a:rPr lang="pl-PL" dirty="0"/>
-              <a:t>}' ).</a:t>
-            </a:r>
-            <a:r>
-              <a:rPr lang="pl-PL" dirty="0" err="1"/>
-              <a:t>toString</a:t>
+              <a:t>	c1 = s1.getCell(0, i).</a:t>
+            </a:r>
+            <a:r>
+              <a:rPr lang="pl-PL" dirty="0" err="1"/>
+              <a:t>getContents</a:t>
             </a:r>
             <a:r>
               <a:rPr lang="pl-PL" dirty="0"/>
@@ -17135,47 +17158,7 @@
             </a:pPr>
             <a:r>
               <a:rPr lang="pl-PL" dirty="0"/>
-              <a:t>def </a:t>
-            </a:r>
-            <a:r>
-              <a:rPr lang="pl-PL" dirty="0" err="1"/>
-              <a:t>json</a:t>
-            </a:r>
-            <a:r>
-              <a:rPr lang="pl-PL" dirty="0"/>
-              <a:t> = </a:t>
-            </a:r>
-            <a:r>
-              <a:rPr lang="pl-PL" dirty="0" err="1"/>
-              <a:t>new</a:t>
-            </a:r>
-            <a:r>
-              <a:rPr lang="pl-PL" dirty="0"/>
-              <a:t> </a:t>
-            </a:r>
-            <a:r>
-              <a:rPr lang="pl-PL" dirty="0" err="1"/>
-              <a:t>JsonSlurper</a:t>
-            </a:r>
-            <a:r>
-              <a:rPr lang="pl-PL" dirty="0"/>
-              <a:t>().</a:t>
-            </a:r>
-            <a:r>
-              <a:rPr lang="pl-PL" dirty="0" err="1"/>
-              <a:t>parseText</a:t>
-            </a:r>
-            <a:r>
-              <a:rPr lang="pl-PL" dirty="0"/>
-              <a:t> (</a:t>
-            </a:r>
-            <a:r>
-              <a:rPr lang="pl-PL" dirty="0" err="1"/>
-              <a:t>response</a:t>
-            </a:r>
-            <a:r>
-              <a:rPr lang="pl-PL" dirty="0"/>
-              <a:t>)</a:t>
+              <a:t>	log.info c1</a:t>
             </a:r>
           </a:p>
           <a:p>
@@ -17184,129 +17167,15 @@
             </a:pPr>
             <a:r>
               <a:rPr lang="pl-PL" dirty="0"/>
-              <a:t>def </a:t>
-            </a:r>
-            <a:r>
-              <a:rPr lang="pl-PL" dirty="0" err="1"/>
-              <a:t>carName</a:t>
-            </a:r>
-            <a:r>
-              <a:rPr lang="pl-PL" dirty="0"/>
-              <a:t> = json.name</a:t>
-            </a:r>
-          </a:p>
-          <a:p>
-            <a:pPr marL="109728" indent="0">
-              <a:buNone/>
-            </a:pPr>
-            <a:r>
-              <a:rPr lang="pl-PL" dirty="0" err="1"/>
-              <a:t>Label</a:t>
-            </a:r>
-            <a:r>
-              <a:rPr lang="pl-PL" dirty="0"/>
-              <a:t> </a:t>
-            </a:r>
-            <a:r>
-              <a:rPr lang="pl-PL" dirty="0" err="1"/>
-              <a:t>label</a:t>
-            </a:r>
-            <a:r>
-              <a:rPr lang="pl-PL" dirty="0"/>
-              <a:t> = </a:t>
-            </a:r>
-            <a:r>
-              <a:rPr lang="pl-PL" dirty="0" err="1"/>
-              <a:t>new</a:t>
-            </a:r>
-            <a:r>
-              <a:rPr lang="pl-PL" dirty="0"/>
-              <a:t> </a:t>
-            </a:r>
-            <a:r>
-              <a:rPr lang="pl-PL" dirty="0" err="1"/>
-              <a:t>Label</a:t>
-            </a:r>
-            <a:r>
-              <a:rPr lang="pl-PL" dirty="0"/>
-              <a:t>(0, 0, </a:t>
-            </a:r>
-            <a:r>
-              <a:rPr lang="pl-PL" dirty="0" err="1"/>
-              <a:t>carName</a:t>
-            </a:r>
-            <a:r>
-              <a:rPr lang="pl-PL" dirty="0"/>
-              <a:t>); //col=0=</a:t>
-            </a:r>
-            <a:r>
-              <a:rPr lang="pl-PL" dirty="0" err="1"/>
-              <a:t>A,row</a:t>
-            </a:r>
-            <a:r>
-              <a:rPr lang="pl-PL" dirty="0"/>
-              <a:t>=0=1</a:t>
-            </a:r>
-          </a:p>
-          <a:p>
-            <a:pPr marL="109728" indent="0">
-              <a:buNone/>
-            </a:pPr>
-            <a:r>
-              <a:rPr lang="pl-PL" dirty="0" err="1"/>
-              <a:t>sheet.addCell</a:t>
-            </a:r>
-            <a:r>
-              <a:rPr lang="pl-PL" dirty="0"/>
-              <a:t>(</a:t>
-            </a:r>
-            <a:r>
-              <a:rPr lang="pl-PL" dirty="0" err="1"/>
-              <a:t>label</a:t>
-            </a:r>
-            <a:r>
-              <a:rPr lang="pl-PL" dirty="0"/>
-              <a:t>);</a:t>
-            </a:r>
-          </a:p>
-          <a:p>
-            <a:pPr marL="109728" indent="0">
-              <a:buNone/>
-            </a:pPr>
-            <a:r>
-              <a:rPr lang="pl-PL" dirty="0" err="1"/>
-              <a:t>wk.write</a:t>
-            </a:r>
-            <a:r>
-              <a:rPr lang="pl-PL" dirty="0"/>
-              <a:t>()</a:t>
-            </a:r>
-          </a:p>
-          <a:p>
-            <a:pPr marL="109728" indent="0">
-              <a:buNone/>
-            </a:pPr>
-            <a:r>
-              <a:rPr lang="pl-PL" dirty="0" err="1"/>
-              <a:t>wk.close</a:t>
-            </a:r>
-            <a:r>
-              <a:rPr lang="pl-PL" dirty="0"/>
-              <a:t>()</a:t>
-            </a:r>
-          </a:p>
-          <a:p>
-            <a:pPr marL="109728" indent="0">
-              <a:buNone/>
-            </a:pPr>
-            <a:endParaRPr lang="pl-PL" dirty="0"/>
+              <a:t>}</a:t>
+            </a:r>
           </a:p>
         </p:txBody>
       </p:sp>
     </p:spTree>
     <p:extLst>
       <p:ext uri="{BB962C8B-B14F-4D97-AF65-F5344CB8AC3E}">
-        <p14:creationId xmlns:p14="http://schemas.microsoft.com/office/powerpoint/2010/main" val="1236587587"/>
+        <p14:creationId xmlns:p14="http://schemas.microsoft.com/office/powerpoint/2010/main" val="2026433713"/>
       </p:ext>
     </p:extLst>
   </p:cSld>
@@ -17341,7 +17210,7 @@
           <p:cNvPr id="2" name="Tytuł 1">
             <a:extLst>
               <a:ext uri="{FF2B5EF4-FFF2-40B4-BE49-F238E27FC236}">
-                <a16:creationId xmlns:a16="http://schemas.microsoft.com/office/drawing/2014/main" id="{D0D7D48B-4962-4CFA-8EA2-D4A0C77E49F4}"/>
+                <a16:creationId xmlns:a16="http://schemas.microsoft.com/office/drawing/2014/main" id="{5C6DEFF3-C1F2-47A1-900E-679598C3BB10}"/>
               </a:ext>
             </a:extLst>
           </p:cNvPr>
@@ -17363,7 +17232,15 @@
             </a:r>
             <a:r>
               <a:rPr lang="pl-PL" dirty="0"/>
-              <a:t> – CSV</a:t>
+              <a:t> – Excel Data </a:t>
+            </a:r>
+            <a:r>
+              <a:rPr lang="pl-PL" dirty="0" err="1"/>
+              <a:t>Sink</a:t>
+            </a:r>
+            <a:r>
+              <a:rPr lang="pl-PL" dirty="0"/>
+              <a:t> JXL</a:t>
             </a:r>
           </a:p>
         </p:txBody>
@@ -17373,7 +17250,7 @@
           <p:cNvPr id="3" name="Symbol zastępczy zawartości 2">
             <a:extLst>
               <a:ext uri="{FF2B5EF4-FFF2-40B4-BE49-F238E27FC236}">
-                <a16:creationId xmlns:a16="http://schemas.microsoft.com/office/drawing/2014/main" id="{53932DE1-AD44-47B2-8CC7-431637D40A79}"/>
+                <a16:creationId xmlns:a16="http://schemas.microsoft.com/office/drawing/2014/main" id="{75C980D6-E68F-46B3-A191-C2BF8AD8735D}"/>
               </a:ext>
             </a:extLst>
           </p:cNvPr>
@@ -17387,39 +17264,114 @@
         <p:spPr/>
         <p:txBody>
           <a:bodyPr>
-            <a:normAutofit fontScale="92500" lnSpcReduction="10000"/>
+            <a:normAutofit fontScale="55000" lnSpcReduction="20000"/>
           </a:bodyPr>
           <a:lstStyle/>
           <a:p>
-            <a:r>
-              <a:rPr lang="pl-PL" dirty="0"/>
-              <a:t>\bin\</a:t>
-            </a:r>
-            <a:r>
-              <a:rPr lang="pl-PL" dirty="0" err="1"/>
-              <a:t>ext</a:t>
-            </a:r>
-            <a:r>
-              <a:rPr lang="pl-PL" dirty="0"/>
-              <a:t>  -&gt; opencsv2.3.jar &amp; groovycsv-1.1.jar &amp; restart </a:t>
-            </a:r>
-            <a:r>
-              <a:rPr lang="pl-PL" dirty="0" err="1"/>
-              <a:t>soapUI</a:t>
+            <a:pPr marL="109728" indent="0">
+              <a:buNone/>
+            </a:pPr>
+            <a:r>
+              <a:rPr lang="pl-PL" dirty="0"/>
+              <a:t>import jxl.*</a:t>
+            </a:r>
+          </a:p>
+          <a:p>
+            <a:pPr marL="109728" indent="0">
+              <a:buNone/>
+            </a:pPr>
+            <a:r>
+              <a:rPr lang="pl-PL" dirty="0"/>
+              <a:t>import jxl.write.*</a:t>
+            </a:r>
+          </a:p>
+          <a:p>
+            <a:pPr marL="109728" indent="0">
+              <a:buNone/>
+            </a:pPr>
+            <a:r>
+              <a:rPr lang="pl-PL" dirty="0"/>
+              <a:t>import </a:t>
+            </a:r>
+            <a:r>
+              <a:rPr lang="pl-PL" dirty="0" err="1"/>
+              <a:t>jxl.write.Label</a:t>
             </a:r>
             <a:endParaRPr lang="pl-PL" dirty="0"/>
           </a:p>
           <a:p>
+            <a:pPr marL="109728" indent="0">
+              <a:buNone/>
+            </a:pPr>
+            <a:r>
+              <a:rPr lang="pl-PL" dirty="0"/>
+              <a:t>import </a:t>
+            </a:r>
+            <a:r>
+              <a:rPr lang="pl-PL" dirty="0" err="1"/>
+              <a:t>jxl.Workbook</a:t>
+            </a:r>
+            <a:r>
+              <a:rPr lang="pl-PL" dirty="0"/>
+              <a:t>;</a:t>
+            </a:r>
+          </a:p>
+          <a:p>
+            <a:pPr marL="109728" indent="0">
+              <a:buNone/>
+            </a:pPr>
+            <a:r>
+              <a:rPr lang="pl-PL" dirty="0"/>
+              <a:t>import </a:t>
+            </a:r>
+            <a:r>
+              <a:rPr lang="pl-PL" dirty="0" err="1"/>
+              <a:t>java.io.File</a:t>
+            </a:r>
+            <a:r>
+              <a:rPr lang="pl-PL" dirty="0"/>
+              <a:t>;</a:t>
+            </a:r>
+          </a:p>
+          <a:p>
+            <a:pPr marL="109728" indent="0">
+              <a:buNone/>
+            </a:pPr>
+            <a:r>
+              <a:rPr lang="pl-PL" dirty="0"/>
+              <a:t>import groovy.json.*</a:t>
+            </a:r>
+          </a:p>
+          <a:p>
+            <a:pPr marL="109728" indent="0">
+              <a:buNone/>
+            </a:pPr>
             <a:endParaRPr lang="pl-PL" dirty="0"/>
           </a:p>
           <a:p>
-            <a:r>
-              <a:rPr lang="pl-PL" dirty="0"/>
-              <a:t>import </a:t>
-            </a:r>
-            <a:r>
-              <a:rPr lang="pl-PL" dirty="0" err="1"/>
-              <a:t>static</a:t>
+            <a:pPr marL="109728" indent="0">
+              <a:buNone/>
+            </a:pPr>
+            <a:r>
+              <a:rPr lang="pl-PL" dirty="0"/>
+              <a:t>def f = </a:t>
+            </a:r>
+            <a:r>
+              <a:rPr lang="pl-PL" dirty="0" err="1"/>
+              <a:t>new</a:t>
+            </a:r>
+            <a:r>
+              <a:rPr lang="pl-PL" dirty="0"/>
+              <a:t> File("C:\\test.xls"); </a:t>
+            </a:r>
+          </a:p>
+          <a:p>
+            <a:pPr marL="109728" indent="0">
+              <a:buNone/>
+            </a:pPr>
+            <a:r>
+              <a:rPr lang="pl-PL" dirty="0" err="1"/>
+              <a:t>WritableWorkbook</a:t>
             </a:r>
             <a:r>
               <a:rPr lang="pl-PL" dirty="0"/>
@@ -17427,111 +17379,304 @@
             </a:r>
             <a:r>
               <a:rPr lang="pl-PL" dirty="0" err="1"/>
-              <a:t>com.xlson.groovycsv.CsvParser.parseCsv</a:t>
-            </a:r>
+              <a:t>wk</a:t>
+            </a:r>
+            <a:r>
+              <a:rPr lang="pl-PL" dirty="0"/>
+              <a:t> = </a:t>
+            </a:r>
+            <a:r>
+              <a:rPr lang="pl-PL" dirty="0" err="1"/>
+              <a:t>Workbook.createWorkbook</a:t>
+            </a:r>
+            <a:r>
+              <a:rPr lang="pl-PL" dirty="0"/>
+              <a:t>(</a:t>
+            </a:r>
+            <a:r>
+              <a:rPr lang="pl-PL" dirty="0" err="1"/>
+              <a:t>new</a:t>
+            </a:r>
+            <a:r>
+              <a:rPr lang="pl-PL" dirty="0"/>
+              <a:t> File("c:\\test.xls"))</a:t>
+            </a:r>
+          </a:p>
+          <a:p>
+            <a:pPr marL="109728" indent="0">
+              <a:buNone/>
+            </a:pPr>
+            <a:r>
+              <a:rPr lang="pl-PL" dirty="0" err="1"/>
+              <a:t>WritableSheet</a:t>
+            </a:r>
+            <a:r>
+              <a:rPr lang="pl-PL" dirty="0"/>
+              <a:t> </a:t>
+            </a:r>
+            <a:r>
+              <a:rPr lang="pl-PL" dirty="0" err="1"/>
+              <a:t>sheet</a:t>
+            </a:r>
+            <a:r>
+              <a:rPr lang="pl-PL" dirty="0"/>
+              <a:t> = </a:t>
+            </a:r>
+            <a:r>
+              <a:rPr lang="pl-PL" dirty="0" err="1"/>
+              <a:t>wk.createSheet</a:t>
+            </a:r>
+            <a:r>
+              <a:rPr lang="pl-PL" dirty="0"/>
+              <a:t>("</a:t>
+            </a:r>
+            <a:r>
+              <a:rPr lang="pl-PL" dirty="0" err="1"/>
+              <a:t>Worksheet</a:t>
+            </a:r>
+            <a:r>
+              <a:rPr lang="pl-PL" dirty="0"/>
+              <a:t>", 0)</a:t>
+            </a:r>
+          </a:p>
+          <a:p>
+            <a:pPr marL="109728" indent="0">
+              <a:buNone/>
+            </a:pPr>
             <a:endParaRPr lang="pl-PL" dirty="0"/>
           </a:p>
           <a:p>
+            <a:pPr marL="109728" indent="0">
+              <a:buNone/>
+            </a:pPr>
+            <a:r>
+              <a:rPr lang="pl-PL" dirty="0" err="1"/>
+              <a:t>testRunner.runTestStepByName</a:t>
+            </a:r>
+            <a:r>
+              <a:rPr lang="pl-PL" dirty="0"/>
+              <a:t>("car")</a:t>
+            </a:r>
+          </a:p>
+          <a:p>
+            <a:pPr marL="109728" indent="0">
+              <a:buNone/>
+            </a:pPr>
             <a:r>
               <a:rPr lang="pl-PL" dirty="0"/>
               <a:t>def </a:t>
             </a:r>
             <a:r>
               <a:rPr lang="pl-PL" dirty="0" err="1"/>
-              <a:t>csv</a:t>
-            </a:r>
-            <a:r>
-              <a:rPr lang="pl-PL" dirty="0"/>
-              <a:t> = '''</a:t>
-            </a:r>
-            <a:r>
-              <a:rPr lang="pl-PL" dirty="0" err="1"/>
-              <a:t>id,carName,prodyear</a:t>
-            </a:r>
+              <a:t>response</a:t>
+            </a:r>
+            <a:r>
+              <a:rPr lang="pl-PL" dirty="0"/>
+              <a:t> = </a:t>
+            </a:r>
+            <a:r>
+              <a:rPr lang="pl-PL" dirty="0" err="1"/>
+              <a:t>context.expand</a:t>
+            </a:r>
+            <a:r>
+              <a:rPr lang="pl-PL" dirty="0"/>
+              <a:t>( '${</a:t>
+            </a:r>
+            <a:r>
+              <a:rPr lang="pl-PL" dirty="0" err="1"/>
+              <a:t>car#Response</a:t>
+            </a:r>
+            <a:r>
+              <a:rPr lang="pl-PL" dirty="0"/>
+              <a:t>}' ).</a:t>
+            </a:r>
+            <a:r>
+              <a:rPr lang="pl-PL" dirty="0" err="1"/>
+              <a:t>toString</a:t>
+            </a:r>
+            <a:r>
+              <a:rPr lang="pl-PL" dirty="0"/>
+              <a:t>()</a:t>
+            </a:r>
+          </a:p>
+          <a:p>
+            <a:pPr marL="109728" indent="0">
+              <a:buNone/>
+            </a:pPr>
+            <a:r>
+              <a:rPr lang="pl-PL" dirty="0"/>
+              <a:t>def </a:t>
+            </a:r>
+            <a:r>
+              <a:rPr lang="pl-PL" dirty="0" err="1"/>
+              <a:t>json</a:t>
+            </a:r>
+            <a:r>
+              <a:rPr lang="pl-PL" dirty="0"/>
+              <a:t> = </a:t>
+            </a:r>
+            <a:r>
+              <a:rPr lang="pl-PL" dirty="0" err="1"/>
+              <a:t>new</a:t>
+            </a:r>
+            <a:r>
+              <a:rPr lang="pl-PL" dirty="0"/>
+              <a:t> </a:t>
+            </a:r>
+            <a:r>
+              <a:rPr lang="pl-PL" dirty="0" err="1"/>
+              <a:t>JsonSlurper</a:t>
+            </a:r>
+            <a:r>
+              <a:rPr lang="pl-PL" dirty="0"/>
+              <a:t>().</a:t>
+            </a:r>
+            <a:r>
+              <a:rPr lang="pl-PL" dirty="0" err="1"/>
+              <a:t>parseText</a:t>
+            </a:r>
+            <a:r>
+              <a:rPr lang="pl-PL" dirty="0"/>
+              <a:t> (</a:t>
+            </a:r>
+            <a:r>
+              <a:rPr lang="pl-PL" dirty="0" err="1"/>
+              <a:t>response</a:t>
+            </a:r>
+            <a:r>
+              <a:rPr lang="pl-PL" dirty="0"/>
+              <a:t>)</a:t>
+            </a:r>
+          </a:p>
+          <a:p>
+            <a:pPr marL="109728" indent="0">
+              <a:buNone/>
+            </a:pPr>
+            <a:r>
+              <a:rPr lang="pl-PL" dirty="0"/>
+              <a:t>def </a:t>
+            </a:r>
+            <a:r>
+              <a:rPr lang="pl-PL" dirty="0" err="1"/>
+              <a:t>carName</a:t>
+            </a:r>
+            <a:r>
+              <a:rPr lang="pl-PL" dirty="0"/>
+              <a:t> = json.name</a:t>
+            </a:r>
+          </a:p>
+          <a:p>
+            <a:pPr marL="109728" indent="0">
+              <a:buNone/>
+            </a:pPr>
+            <a:r>
+              <a:rPr lang="pl-PL" dirty="0" err="1"/>
+              <a:t>Label</a:t>
+            </a:r>
+            <a:r>
+              <a:rPr lang="pl-PL" dirty="0"/>
+              <a:t> </a:t>
+            </a:r>
+            <a:r>
+              <a:rPr lang="pl-PL" dirty="0" err="1"/>
+              <a:t>label</a:t>
+            </a:r>
+            <a:r>
+              <a:rPr lang="pl-PL" dirty="0"/>
+              <a:t> = </a:t>
+            </a:r>
+            <a:r>
+              <a:rPr lang="pl-PL" dirty="0" err="1"/>
+              <a:t>new</a:t>
+            </a:r>
+            <a:r>
+              <a:rPr lang="pl-PL" dirty="0"/>
+              <a:t> </a:t>
+            </a:r>
+            <a:r>
+              <a:rPr lang="pl-PL" dirty="0" err="1"/>
+              <a:t>Label</a:t>
+            </a:r>
+            <a:r>
+              <a:rPr lang="pl-PL" dirty="0"/>
+              <a:t>(0, 0, </a:t>
+            </a:r>
+            <a:r>
+              <a:rPr lang="pl-PL" dirty="0" err="1"/>
+              <a:t>carName</a:t>
+            </a:r>
+            <a:r>
+              <a:rPr lang="pl-PL" dirty="0"/>
+              <a:t>); //col=0=</a:t>
+            </a:r>
+            <a:r>
+              <a:rPr lang="pl-PL" dirty="0" err="1"/>
+              <a:t>A,row</a:t>
+            </a:r>
+            <a:r>
+              <a:rPr lang="pl-PL" dirty="0"/>
+              <a:t>=0=1</a:t>
+            </a:r>
+          </a:p>
+          <a:p>
+            <a:pPr marL="109728" indent="0">
+              <a:buNone/>
+            </a:pPr>
+            <a:r>
+              <a:rPr lang="pl-PL" dirty="0" err="1"/>
+              <a:t>sheet.addCell</a:t>
+            </a:r>
+            <a:r>
+              <a:rPr lang="pl-PL" dirty="0"/>
+              <a:t>(</a:t>
+            </a:r>
+            <a:r>
+              <a:rPr lang="pl-PL" dirty="0" err="1"/>
+              <a:t>label</a:t>
+            </a:r>
+            <a:r>
+              <a:rPr lang="pl-PL" dirty="0"/>
+              <a:t>);</a:t>
+            </a:r>
+          </a:p>
+          <a:p>
+            <a:pPr marL="109728" indent="0">
+              <a:buNone/>
+            </a:pPr>
+            <a:r>
+              <a:rPr lang="pl-PL" dirty="0" err="1"/>
+              <a:t>wk.write</a:t>
+            </a:r>
+            <a:r>
+              <a:rPr lang="pl-PL" dirty="0"/>
+              <a:t>()</a:t>
+            </a:r>
+          </a:p>
+          <a:p>
+            <a:pPr marL="109728" indent="0">
+              <a:buNone/>
+            </a:pPr>
+            <a:r>
+              <a:rPr lang="pl-PL" dirty="0" err="1"/>
+              <a:t>wk.close</a:t>
+            </a:r>
+            <a:r>
+              <a:rPr lang="pl-PL" dirty="0"/>
+              <a:t>()</a:t>
+            </a:r>
+          </a:p>
+          <a:p>
+            <a:pPr marL="109728" indent="0">
+              <a:buNone/>
+            </a:pPr>
             <a:endParaRPr lang="pl-PL" dirty="0"/>
-          </a:p>
-          <a:p>
-            <a:r>
-              <a:rPr lang="pl-PL" dirty="0"/>
-              <a:t>1,Saab,2009</a:t>
-            </a:r>
-          </a:p>
-          <a:p>
-            <a:r>
-              <a:rPr lang="pl-PL" dirty="0"/>
-              <a:t>2,Opel,2005'''</a:t>
-            </a:r>
-          </a:p>
-          <a:p>
-            <a:r>
-              <a:rPr lang="pl-PL" dirty="0"/>
-              <a:t>def data = </a:t>
-            </a:r>
-            <a:r>
-              <a:rPr lang="pl-PL" dirty="0" err="1"/>
-              <a:t>parseCsv</a:t>
-            </a:r>
-            <a:r>
-              <a:rPr lang="pl-PL" dirty="0"/>
-              <a:t>(</a:t>
-            </a:r>
-            <a:r>
-              <a:rPr lang="pl-PL" dirty="0" err="1"/>
-              <a:t>csv</a:t>
-            </a:r>
-            <a:r>
-              <a:rPr lang="pl-PL" dirty="0"/>
-              <a:t>)</a:t>
-            </a:r>
-          </a:p>
-          <a:p>
-            <a:r>
-              <a:rPr lang="pl-PL" dirty="0"/>
-              <a:t>for(</a:t>
-            </a:r>
-            <a:r>
-              <a:rPr lang="pl-PL" dirty="0" err="1"/>
-              <a:t>line</a:t>
-            </a:r>
-            <a:r>
-              <a:rPr lang="pl-PL" dirty="0"/>
-              <a:t> in data) {</a:t>
-            </a:r>
-          </a:p>
-          <a:p>
-            <a:r>
-              <a:rPr lang="pl-PL" dirty="0"/>
-              <a:t>    log.info "$line.id $</a:t>
-            </a:r>
-            <a:r>
-              <a:rPr lang="pl-PL" dirty="0" err="1"/>
-              <a:t>line.carName</a:t>
-            </a:r>
-            <a:r>
-              <a:rPr lang="pl-PL" dirty="0"/>
-              <a:t> $</a:t>
-            </a:r>
-            <a:r>
-              <a:rPr lang="pl-PL" dirty="0" err="1"/>
-              <a:t>line.prodyear</a:t>
-            </a:r>
-            <a:r>
-              <a:rPr lang="pl-PL" dirty="0"/>
-              <a:t>"</a:t>
-            </a:r>
-          </a:p>
-          <a:p>
-            <a:r>
-              <a:rPr lang="pl-PL" dirty="0"/>
-              <a:t>}</a:t>
-            </a:r>
           </a:p>
         </p:txBody>
       </p:sp>
     </p:spTree>
     <p:extLst>
       <p:ext uri="{BB962C8B-B14F-4D97-AF65-F5344CB8AC3E}">
-        <p14:creationId xmlns:p14="http://schemas.microsoft.com/office/powerpoint/2010/main" val="589098166"/>
+        <p14:creationId xmlns:p14="http://schemas.microsoft.com/office/powerpoint/2010/main" val="1236587587"/>
       </p:ext>
     </p:extLst>
   </p:cSld>
@@ -17566,7 +17711,7 @@
           <p:cNvPr id="2" name="Tytuł 1">
             <a:extLst>
               <a:ext uri="{FF2B5EF4-FFF2-40B4-BE49-F238E27FC236}">
-                <a16:creationId xmlns:a16="http://schemas.microsoft.com/office/drawing/2014/main" id="{57CB995E-A293-4A85-AC52-9AE6DF43ED78}"/>
+                <a16:creationId xmlns:a16="http://schemas.microsoft.com/office/drawing/2014/main" id="{D0D7D48B-4962-4CFA-8EA2-D4A0C77E49F4}"/>
               </a:ext>
             </a:extLst>
           </p:cNvPr>
@@ -17588,7 +17733,7 @@
             </a:r>
             <a:r>
               <a:rPr lang="pl-PL" dirty="0"/>
-              <a:t> – JDBC</a:t>
+              <a:t> – CSV</a:t>
             </a:r>
           </a:p>
         </p:txBody>
@@ -17598,7 +17743,7 @@
           <p:cNvPr id="3" name="Symbol zastępczy zawartości 2">
             <a:extLst>
               <a:ext uri="{FF2B5EF4-FFF2-40B4-BE49-F238E27FC236}">
-                <a16:creationId xmlns:a16="http://schemas.microsoft.com/office/drawing/2014/main" id="{F94A0CC6-F2E1-4B19-97A9-0D69BC694C3E}"/>
+                <a16:creationId xmlns:a16="http://schemas.microsoft.com/office/drawing/2014/main" id="{53932DE1-AD44-47B2-8CC7-431637D40A79}"/>
               </a:ext>
             </a:extLst>
           </p:cNvPr>
@@ -17612,34 +17757,73 @@
         <p:spPr/>
         <p:txBody>
           <a:bodyPr>
-            <a:normAutofit fontScale="92500" lnSpcReduction="20000"/>
+            <a:normAutofit fontScale="92500" lnSpcReduction="10000"/>
           </a:bodyPr>
           <a:lstStyle/>
           <a:p>
+            <a:r>
+              <a:rPr lang="pl-PL" dirty="0"/>
+              <a:t>\bin\</a:t>
+            </a:r>
+            <a:r>
+              <a:rPr lang="pl-PL" dirty="0" err="1"/>
+              <a:t>ext</a:t>
+            </a:r>
+            <a:r>
+              <a:rPr lang="pl-PL" dirty="0"/>
+              <a:t>  -&gt; opencsv2.3.jar &amp; groovycsv-1.1.jar &amp; restart </a:t>
+            </a:r>
+            <a:r>
+              <a:rPr lang="pl-PL" dirty="0" err="1"/>
+              <a:t>soapUI</a:t>
+            </a:r>
+            <a:endParaRPr lang="pl-PL" dirty="0"/>
+          </a:p>
+          <a:p>
+            <a:endParaRPr lang="pl-PL" dirty="0"/>
+          </a:p>
+          <a:p>
             <a:pPr marL="109728" indent="0">
               <a:buNone/>
             </a:pPr>
             <a:r>
-              <a:rPr lang="pl-PL" dirty="0" err="1"/>
-              <a:t>com.eviware.soapui.support.GroovyUtils.registerJdbcDriver</a:t>
-            </a:r>
-            <a:r>
-              <a:rPr lang="pl-PL" dirty="0"/>
-              <a:t>("</a:t>
-            </a:r>
-            <a:r>
-              <a:rPr lang="pl-PL" dirty="0" err="1"/>
-              <a:t>com.mysql.jdbc.Driver</a:t>
-            </a:r>
-            <a:r>
-              <a:rPr lang="pl-PL" dirty="0"/>
-              <a:t>")</a:t>
-            </a:r>
+              <a:rPr lang="pl-PL" dirty="0"/>
+              <a:t>import </a:t>
+            </a:r>
+            <a:r>
+              <a:rPr lang="pl-PL" dirty="0" err="1"/>
+              <a:t>static</a:t>
+            </a:r>
+            <a:r>
+              <a:rPr lang="pl-PL" dirty="0"/>
+              <a:t> </a:t>
+            </a:r>
+            <a:r>
+              <a:rPr lang="pl-PL" dirty="0" err="1"/>
+              <a:t>com.xlson.groovycsv.CsvParser.parseCsv</a:t>
+            </a:r>
+            <a:endParaRPr lang="pl-PL" dirty="0"/>
           </a:p>
           <a:p>
             <a:pPr marL="109728" indent="0">
               <a:buNone/>
             </a:pPr>
+            <a:r>
+              <a:rPr lang="pl-PL" dirty="0"/>
+              <a:t>def </a:t>
+            </a:r>
+            <a:r>
+              <a:rPr lang="pl-PL" dirty="0" err="1"/>
+              <a:t>csv</a:t>
+            </a:r>
+            <a:r>
+              <a:rPr lang="pl-PL" dirty="0"/>
+              <a:t> = '''</a:t>
+            </a:r>
+            <a:r>
+              <a:rPr lang="pl-PL" dirty="0" err="1"/>
+              <a:t>id,carName,prodyear</a:t>
+            </a:r>
             <a:endParaRPr lang="pl-PL" dirty="0"/>
           </a:p>
           <a:p>
@@ -17648,19 +17832,17 @@
             </a:pPr>
             <a:r>
               <a:rPr lang="pl-PL" dirty="0"/>
-              <a:t>import </a:t>
-            </a:r>
-            <a:r>
-              <a:rPr lang="pl-PL" dirty="0" err="1"/>
-              <a:t>groovy.sql.Sql</a:t>
-            </a:r>
-            <a:endParaRPr lang="pl-PL" dirty="0"/>
+              <a:t>1,Saab,2009</a:t>
+            </a:r>
           </a:p>
           <a:p>
             <a:pPr marL="109728" indent="0">
               <a:buNone/>
             </a:pPr>
-            <a:endParaRPr lang="pl-PL" dirty="0"/>
+            <a:r>
+              <a:rPr lang="pl-PL" dirty="0"/>
+              <a:t>2,Opel,2005'''</a:t>
+            </a:r>
           </a:p>
           <a:p>
             <a:pPr marL="109728" indent="0">
@@ -17668,62 +17850,41 @@
             </a:pPr>
             <a:r>
               <a:rPr lang="pl-PL" dirty="0"/>
-              <a:t>def </a:t>
-            </a:r>
-            <a:r>
-              <a:rPr lang="pl-PL" dirty="0" err="1"/>
-              <a:t>sql</a:t>
-            </a:r>
-            <a:r>
-              <a:rPr lang="pl-PL" dirty="0"/>
-              <a:t> = </a:t>
-            </a:r>
-            <a:r>
-              <a:rPr lang="pl-PL" dirty="0" err="1"/>
-              <a:t>Sql.newInstance</a:t>
-            </a:r>
-            <a:r>
-              <a:rPr lang="pl-PL" dirty="0"/>
-              <a:t>('</a:t>
-            </a:r>
-            <a:r>
-              <a:rPr lang="pl-PL" dirty="0" err="1"/>
-              <a:t>jdbc:mysql</a:t>
-            </a:r>
-            <a:r>
-              <a:rPr lang="pl-PL" dirty="0"/>
-              <a:t>://127.0.0.1:3306/</a:t>
-            </a:r>
-            <a:r>
-              <a:rPr lang="pl-PL" dirty="0" err="1"/>
-              <a:t>cars</a:t>
-            </a:r>
-            <a:r>
-              <a:rPr lang="pl-PL" dirty="0"/>
-              <a:t>', '</a:t>
-            </a:r>
-            <a:r>
-              <a:rPr lang="pl-PL" dirty="0" err="1"/>
-              <a:t>root</a:t>
-            </a:r>
-            <a:r>
-              <a:rPr lang="pl-PL" dirty="0"/>
-              <a:t>', 'pass', '</a:t>
-            </a:r>
-            <a:r>
-              <a:rPr lang="pl-PL" dirty="0" err="1"/>
-              <a:t>com.mysql.jdbc.Driver</a:t>
-            </a:r>
-            <a:r>
-              <a:rPr lang="pl-PL" dirty="0"/>
-              <a:t>')</a:t>
+              <a:t>def data = </a:t>
+            </a:r>
+            <a:r>
+              <a:rPr lang="pl-PL" dirty="0" err="1"/>
+              <a:t>parseCsv</a:t>
+            </a:r>
+            <a:r>
+              <a:rPr lang="pl-PL" dirty="0"/>
+              <a:t>(</a:t>
+            </a:r>
+            <a:r>
+              <a:rPr lang="pl-PL" dirty="0" err="1"/>
+              <a:t>csv</a:t>
+            </a:r>
+            <a:r>
+              <a:rPr lang="pl-PL" dirty="0"/>
+              <a:t>)</a:t>
             </a:r>
           </a:p>
           <a:p>
             <a:pPr marL="109728" indent="0">
               <a:buNone/>
             </a:pPr>
-            <a:endParaRPr lang="pl-PL" dirty="0"/>
+            <a:r>
+              <a:rPr lang="pl-PL" dirty="0"/>
+              <a:t>for(</a:t>
+            </a:r>
+            <a:r>
+              <a:rPr lang="pl-PL" dirty="0" err="1"/>
+              <a:t>line</a:t>
+            </a:r>
+            <a:r>
+              <a:rPr lang="pl-PL" dirty="0"/>
+              <a:t> in data) {</a:t>
+            </a:r>
           </a:p>
           <a:p>
             <a:pPr marL="109728" indent="0">
@@ -17731,75 +17892,24 @@
             </a:pPr>
             <a:r>
               <a:rPr lang="pl-PL" dirty="0"/>
-              <a:t>def </a:t>
-            </a:r>
-            <a:r>
-              <a:rPr lang="pl-PL" dirty="0" err="1"/>
-              <a:t>query</a:t>
-            </a:r>
-            <a:r>
-              <a:rPr lang="pl-PL" dirty="0"/>
-              <a:t> = </a:t>
-            </a:r>
-            <a:r>
-              <a:rPr lang="pl-PL" dirty="0" err="1"/>
-              <a:t>sql.rows</a:t>
-            </a:r>
-            <a:r>
-              <a:rPr lang="pl-PL" dirty="0"/>
-              <a:t>("</a:t>
-            </a:r>
-            <a:r>
-              <a:rPr lang="pl-PL" dirty="0" err="1"/>
-              <a:t>select</a:t>
-            </a:r>
-            <a:r>
-              <a:rPr lang="pl-PL" dirty="0"/>
-              <a:t> * from </a:t>
-            </a:r>
-            <a:r>
-              <a:rPr lang="pl-PL" dirty="0" err="1"/>
-              <a:t>mysql.cars</a:t>
-            </a:r>
-            <a:r>
-              <a:rPr lang="pl-PL" dirty="0"/>
-              <a:t>")</a:t>
-            </a:r>
-          </a:p>
-          <a:p>
-            <a:pPr marL="109728" indent="0">
-              <a:buNone/>
-            </a:pPr>
-            <a:r>
-              <a:rPr lang="pl-PL" dirty="0" err="1"/>
-              <a:t>query.each</a:t>
-            </a:r>
-            <a:r>
-              <a:rPr lang="pl-PL" dirty="0"/>
-              <a:t> { </a:t>
-            </a:r>
-            <a:r>
-              <a:rPr lang="pl-PL" dirty="0" err="1"/>
-              <a:t>it</a:t>
-            </a:r>
-            <a:r>
-              <a:rPr lang="pl-PL" dirty="0"/>
-              <a:t> -&gt;</a:t>
-            </a:r>
-          </a:p>
-          <a:p>
-            <a:pPr marL="109728" indent="0">
-              <a:buNone/>
-            </a:pPr>
-            <a:r>
-              <a:rPr lang="pl-PL" dirty="0"/>
-              <a:t> log.info it.id + " " + </a:t>
-            </a:r>
-            <a:r>
-              <a:rPr lang="pl-PL" dirty="0" err="1"/>
-              <a:t>it.carname</a:t>
-            </a:r>
-            <a:endParaRPr lang="pl-PL" dirty="0"/>
+              <a:t>    log.info "$line.id $</a:t>
+            </a:r>
+            <a:r>
+              <a:rPr lang="pl-PL" dirty="0" err="1"/>
+              <a:t>line.carName</a:t>
+            </a:r>
+            <a:r>
+              <a:rPr lang="pl-PL" dirty="0"/>
+              <a:t> $</a:t>
+            </a:r>
+            <a:r>
+              <a:rPr lang="pl-PL" dirty="0" err="1"/>
+              <a:t>line.prodyear</a:t>
+            </a:r>
+            <a:r>
+              <a:rPr lang="pl-PL" dirty="0"/>
+              <a:t>"</a:t>
+            </a:r>
           </a:p>
           <a:p>
             <a:pPr marL="109728" indent="0">
@@ -17815,7 +17925,7 @@
     </p:spTree>
     <p:extLst>
       <p:ext uri="{BB962C8B-B14F-4D97-AF65-F5344CB8AC3E}">
-        <p14:creationId xmlns:p14="http://schemas.microsoft.com/office/powerpoint/2010/main" val="3103268939"/>
+        <p14:creationId xmlns:p14="http://schemas.microsoft.com/office/powerpoint/2010/main" val="589098166"/>
       </p:ext>
     </p:extLst>
   </p:cSld>
@@ -17850,7 +17960,7 @@
           <p:cNvPr id="2" name="Tytuł 1">
             <a:extLst>
               <a:ext uri="{FF2B5EF4-FFF2-40B4-BE49-F238E27FC236}">
-                <a16:creationId xmlns:a16="http://schemas.microsoft.com/office/drawing/2014/main" id="{882DFDB3-57D9-48AC-B890-336E577D0841}"/>
+                <a16:creationId xmlns:a16="http://schemas.microsoft.com/office/drawing/2014/main" id="{57CB995E-A293-4A85-AC52-9AE6DF43ED78}"/>
               </a:ext>
             </a:extLst>
           </p:cNvPr>
@@ -17872,29 +17982,8 @@
             </a:r>
             <a:r>
               <a:rPr lang="pl-PL" dirty="0"/>
-              <a:t> – </a:t>
-            </a:r>
-            <a:r>
-              <a:rPr lang="pl-PL" dirty="0" err="1"/>
-              <a:t>JsonSlurper</a:t>
-            </a:r>
-            <a:r>
-              <a:rPr lang="pl-PL" dirty="0"/>
-              <a:t> </a:t>
-            </a:r>
-            <a:r>
-              <a:rPr lang="pl-PL" dirty="0" err="1"/>
-              <a:t>read</a:t>
-            </a:r>
-            <a:r>
-              <a:rPr lang="pl-PL" dirty="0"/>
-              <a:t> </a:t>
-            </a:r>
-            <a:r>
-              <a:rPr lang="pl-PL" dirty="0" err="1"/>
-              <a:t>json</a:t>
-            </a:r>
-            <a:endParaRPr lang="pl-PL" dirty="0"/>
+              <a:t> – JDBC</a:t>
+            </a:r>
           </a:p>
         </p:txBody>
       </p:sp>
@@ -17903,7 +17992,7 @@
           <p:cNvPr id="3" name="Symbol zastępczy zawartości 2">
             <a:extLst>
               <a:ext uri="{FF2B5EF4-FFF2-40B4-BE49-F238E27FC236}">
-                <a16:creationId xmlns:a16="http://schemas.microsoft.com/office/drawing/2014/main" id="{8EB6CFB2-DA28-4A95-A27E-603C844F5029}"/>
+                <a16:creationId xmlns:a16="http://schemas.microsoft.com/office/drawing/2014/main" id="{F94A0CC6-F2E1-4B19-97A9-0D69BC694C3E}"/>
               </a:ext>
             </a:extLst>
           </p:cNvPr>
@@ -17916,37 +18005,110 @@
         </p:nvSpPr>
         <p:spPr/>
         <p:txBody>
-          <a:bodyPr/>
+          <a:bodyPr>
+            <a:normAutofit fontScale="92500" lnSpcReduction="20000"/>
+          </a:bodyPr>
           <a:lstStyle/>
           <a:p>
-            <a:r>
-              <a:rPr lang="pl-PL" dirty="0">
-                <a:hlinkClick r:id="rId2"/>
-              </a:rPr>
-              <a:t>https://groovy-lang.org/json.html</a:t>
-            </a:r>
+            <a:pPr marL="109728" indent="0">
+              <a:buNone/>
+            </a:pPr>
+            <a:r>
+              <a:rPr lang="pl-PL" dirty="0" err="1"/>
+              <a:t>com.eviware.soapui.support.GroovyUtils.registerJdbcDriver</a:t>
+            </a:r>
+            <a:r>
+              <a:rPr lang="pl-PL" dirty="0"/>
+              <a:t>("</a:t>
+            </a:r>
+            <a:r>
+              <a:rPr lang="pl-PL" dirty="0" err="1"/>
+              <a:t>com.mysql.jdbc.Driver</a:t>
+            </a:r>
+            <a:r>
+              <a:rPr lang="pl-PL" dirty="0"/>
+              <a:t>")</a:t>
+            </a:r>
+          </a:p>
+          <a:p>
+            <a:pPr marL="109728" indent="0">
+              <a:buNone/>
+            </a:pPr>
             <a:endParaRPr lang="pl-PL" dirty="0"/>
           </a:p>
           <a:p>
+            <a:pPr marL="109728" indent="0">
+              <a:buNone/>
+            </a:pPr>
+            <a:r>
+              <a:rPr lang="pl-PL" dirty="0"/>
+              <a:t>import </a:t>
+            </a:r>
+            <a:r>
+              <a:rPr lang="pl-PL" dirty="0" err="1"/>
+              <a:t>groovy.sql.Sql</a:t>
+            </a:r>
             <a:endParaRPr lang="pl-PL" dirty="0"/>
           </a:p>
           <a:p>
             <a:pPr marL="109728" indent="0">
               <a:buNone/>
             </a:pPr>
-            <a:r>
-              <a:rPr lang="pl-PL" dirty="0"/>
-              <a:t>import groovy.json.*</a:t>
-            </a:r>
+            <a:endParaRPr lang="pl-PL" dirty="0"/>
           </a:p>
           <a:p>
             <a:pPr marL="109728" indent="0">
               <a:buNone/>
             </a:pPr>
             <a:r>
-              <a:rPr lang="pt-BR" dirty="0"/>
-              <a:t>def response = context.expand( '${AddCAR#Response}' ).toString()</a:t>
-            </a:r>
+              <a:rPr lang="pl-PL" dirty="0"/>
+              <a:t>def </a:t>
+            </a:r>
+            <a:r>
+              <a:rPr lang="pl-PL" dirty="0" err="1"/>
+              <a:t>sql</a:t>
+            </a:r>
+            <a:r>
+              <a:rPr lang="pl-PL" dirty="0"/>
+              <a:t> = </a:t>
+            </a:r>
+            <a:r>
+              <a:rPr lang="pl-PL" dirty="0" err="1"/>
+              <a:t>Sql.newInstance</a:t>
+            </a:r>
+            <a:r>
+              <a:rPr lang="pl-PL" dirty="0"/>
+              <a:t>('</a:t>
+            </a:r>
+            <a:r>
+              <a:rPr lang="pl-PL" dirty="0" err="1"/>
+              <a:t>jdbc:mysql</a:t>
+            </a:r>
+            <a:r>
+              <a:rPr lang="pl-PL" dirty="0"/>
+              <a:t>://127.0.0.1:3306', '</a:t>
+            </a:r>
+            <a:r>
+              <a:rPr lang="pl-PL" dirty="0" err="1"/>
+              <a:t>root</a:t>
+            </a:r>
+            <a:r>
+              <a:rPr lang="pl-PL" dirty="0"/>
+              <a:t>', 'pass', '</a:t>
+            </a:r>
+            <a:r>
+              <a:rPr lang="pl-PL" dirty="0" err="1"/>
+              <a:t>com.mysql.jdbc.Driver</a:t>
+            </a:r>
+            <a:r>
+              <a:rPr lang="pl-PL" dirty="0"/>
+              <a:t>')</a:t>
+            </a:r>
+          </a:p>
+          <a:p>
+            <a:pPr marL="109728" indent="0">
+              <a:buNone/>
+            </a:pPr>
             <a:endParaRPr lang="pl-PL" dirty="0"/>
           </a:p>
           <a:p>
@@ -17959,7 +18121,7 @@
             </a:r>
             <a:r>
               <a:rPr lang="pl-PL" dirty="0" err="1"/>
-              <a:t>json</a:t>
+              <a:t>query</a:t>
             </a:r>
             <a:r>
               <a:rPr lang="pl-PL" dirty="0"/>
@@ -17967,35 +18129,27 @@
             </a:r>
             <a:r>
               <a:rPr lang="pl-PL" dirty="0" err="1"/>
-              <a:t>new</a:t>
-            </a:r>
-            <a:r>
-              <a:rPr lang="pl-PL" dirty="0"/>
-              <a:t> </a:t>
-            </a:r>
-            <a:r>
-              <a:rPr lang="pl-PL" dirty="0" err="1"/>
-              <a:t>JsonSlurper</a:t>
-            </a:r>
-            <a:r>
-              <a:rPr lang="pl-PL" dirty="0"/>
-              <a:t>().</a:t>
-            </a:r>
-            <a:r>
-              <a:rPr lang="pl-PL" dirty="0" err="1"/>
-              <a:t>parseText</a:t>
-            </a:r>
-            <a:r>
-              <a:rPr lang="pl-PL" dirty="0"/>
-              <a:t> (</a:t>
-            </a:r>
-            <a:r>
-              <a:rPr lang="pl-PL" dirty="0" err="1"/>
-              <a:t>response</a:t>
-            </a:r>
-            <a:r>
-              <a:rPr lang="pl-PL" dirty="0"/>
-              <a:t>)</a:t>
+              <a:t>sql.rows</a:t>
+            </a:r>
+            <a:r>
+              <a:rPr lang="pl-PL" dirty="0"/>
+              <a:t>("</a:t>
+            </a:r>
+            <a:r>
+              <a:rPr lang="pl-PL" dirty="0" err="1"/>
+              <a:t>select</a:t>
+            </a:r>
+            <a:r>
+              <a:rPr lang="pl-PL" dirty="0"/>
+              <a:t> * from </a:t>
+            </a:r>
+            <a:r>
+              <a:rPr lang="pl-PL" dirty="0" err="1"/>
+              <a:t>mysql.cars</a:t>
+            </a:r>
+            <a:r>
+              <a:rPr lang="pl-PL" dirty="0"/>
+              <a:t>")</a:t>
             </a:r>
           </a:p>
           <a:p>
@@ -18003,8 +18157,43 @@
               <a:buNone/>
             </a:pPr>
             <a:r>
-              <a:rPr lang="pl-PL" dirty="0"/>
-              <a:t>log.info json.name</a:t>
+              <a:rPr lang="pl-PL" dirty="0" err="1"/>
+              <a:t>query.each</a:t>
+            </a:r>
+            <a:r>
+              <a:rPr lang="pl-PL" dirty="0"/>
+              <a:t> { </a:t>
+            </a:r>
+            <a:r>
+              <a:rPr lang="pl-PL" dirty="0" err="1"/>
+              <a:t>it</a:t>
+            </a:r>
+            <a:r>
+              <a:rPr lang="pl-PL" dirty="0"/>
+              <a:t> -&gt;</a:t>
+            </a:r>
+          </a:p>
+          <a:p>
+            <a:pPr marL="109728" indent="0">
+              <a:buNone/>
+            </a:pPr>
+            <a:r>
+              <a:rPr lang="pl-PL" dirty="0"/>
+              <a:t> log.info it.id + " " + </a:t>
+            </a:r>
+            <a:r>
+              <a:rPr lang="pl-PL" dirty="0" err="1"/>
+              <a:t>it.carname</a:t>
+            </a:r>
+            <a:endParaRPr lang="pl-PL" dirty="0"/>
+          </a:p>
+          <a:p>
+            <a:pPr marL="109728" indent="0">
+              <a:buNone/>
+            </a:pPr>
+            <a:r>
+              <a:rPr lang="pl-PL" dirty="0"/>
+              <a:t>}</a:t>
             </a:r>
           </a:p>
         </p:txBody>
@@ -18012,7 +18201,7 @@
     </p:spTree>
     <p:extLst>
       <p:ext uri="{BB962C8B-B14F-4D97-AF65-F5344CB8AC3E}">
-        <p14:creationId xmlns:p14="http://schemas.microsoft.com/office/powerpoint/2010/main" val="3500868879"/>
+        <p14:creationId xmlns:p14="http://schemas.microsoft.com/office/powerpoint/2010/main" val="3103268939"/>
       </p:ext>
     </p:extLst>
   </p:cSld>
@@ -18047,6 +18236,203 @@
           <p:cNvPr id="2" name="Tytuł 1">
             <a:extLst>
               <a:ext uri="{FF2B5EF4-FFF2-40B4-BE49-F238E27FC236}">
+                <a16:creationId xmlns:a16="http://schemas.microsoft.com/office/drawing/2014/main" id="{882DFDB3-57D9-48AC-B890-336E577D0841}"/>
+              </a:ext>
+            </a:extLst>
+          </p:cNvPr>
+          <p:cNvSpPr>
+            <a:spLocks noGrp="1"/>
+          </p:cNvSpPr>
+          <p:nvPr>
+            <p:ph type="title"/>
+          </p:nvPr>
+        </p:nvSpPr>
+        <p:spPr/>
+        <p:txBody>
+          <a:bodyPr/>
+          <a:lstStyle/>
+          <a:p>
+            <a:r>
+              <a:rPr lang="pl-PL" dirty="0" err="1"/>
+              <a:t>Groovie</a:t>
+            </a:r>
+            <a:r>
+              <a:rPr lang="pl-PL" dirty="0"/>
+              <a:t> – </a:t>
+            </a:r>
+            <a:r>
+              <a:rPr lang="pl-PL" dirty="0" err="1"/>
+              <a:t>JsonSlurper</a:t>
+            </a:r>
+            <a:r>
+              <a:rPr lang="pl-PL" dirty="0"/>
+              <a:t> </a:t>
+            </a:r>
+            <a:r>
+              <a:rPr lang="pl-PL" dirty="0" err="1"/>
+              <a:t>read</a:t>
+            </a:r>
+            <a:r>
+              <a:rPr lang="pl-PL" dirty="0"/>
+              <a:t> </a:t>
+            </a:r>
+            <a:r>
+              <a:rPr lang="pl-PL" dirty="0" err="1"/>
+              <a:t>json</a:t>
+            </a:r>
+            <a:endParaRPr lang="pl-PL" dirty="0"/>
+          </a:p>
+        </p:txBody>
+      </p:sp>
+      <p:sp>
+        <p:nvSpPr>
+          <p:cNvPr id="3" name="Symbol zastępczy zawartości 2">
+            <a:extLst>
+              <a:ext uri="{FF2B5EF4-FFF2-40B4-BE49-F238E27FC236}">
+                <a16:creationId xmlns:a16="http://schemas.microsoft.com/office/drawing/2014/main" id="{8EB6CFB2-DA28-4A95-A27E-603C844F5029}"/>
+              </a:ext>
+            </a:extLst>
+          </p:cNvPr>
+          <p:cNvSpPr>
+            <a:spLocks noGrp="1"/>
+          </p:cNvSpPr>
+          <p:nvPr>
+            <p:ph idx="1"/>
+          </p:nvPr>
+        </p:nvSpPr>
+        <p:spPr/>
+        <p:txBody>
+          <a:bodyPr/>
+          <a:lstStyle/>
+          <a:p>
+            <a:r>
+              <a:rPr lang="pl-PL" dirty="0">
+                <a:hlinkClick r:id="rId2"/>
+              </a:rPr>
+              <a:t>https://groovy-lang.org/json.html</a:t>
+            </a:r>
+            <a:endParaRPr lang="pl-PL" dirty="0"/>
+          </a:p>
+          <a:p>
+            <a:endParaRPr lang="pl-PL" dirty="0"/>
+          </a:p>
+          <a:p>
+            <a:pPr marL="109728" indent="0">
+              <a:buNone/>
+            </a:pPr>
+            <a:r>
+              <a:rPr lang="pl-PL" dirty="0"/>
+              <a:t>import groovy.json.*</a:t>
+            </a:r>
+          </a:p>
+          <a:p>
+            <a:pPr marL="109728" indent="0">
+              <a:buNone/>
+            </a:pPr>
+            <a:r>
+              <a:rPr lang="pt-BR" dirty="0"/>
+              <a:t>def response = context.expand( '${AddCAR#Response}' ).toString()</a:t>
+            </a:r>
+            <a:endParaRPr lang="pl-PL" dirty="0"/>
+          </a:p>
+          <a:p>
+            <a:pPr marL="109728" indent="0">
+              <a:buNone/>
+            </a:pPr>
+            <a:r>
+              <a:rPr lang="pl-PL" dirty="0"/>
+              <a:t>def </a:t>
+            </a:r>
+            <a:r>
+              <a:rPr lang="pl-PL" dirty="0" err="1"/>
+              <a:t>json</a:t>
+            </a:r>
+            <a:r>
+              <a:rPr lang="pl-PL" dirty="0"/>
+              <a:t> = </a:t>
+            </a:r>
+            <a:r>
+              <a:rPr lang="pl-PL" dirty="0" err="1"/>
+              <a:t>new</a:t>
+            </a:r>
+            <a:r>
+              <a:rPr lang="pl-PL" dirty="0"/>
+              <a:t> </a:t>
+            </a:r>
+            <a:r>
+              <a:rPr lang="pl-PL" dirty="0" err="1"/>
+              <a:t>JsonSlurper</a:t>
+            </a:r>
+            <a:r>
+              <a:rPr lang="pl-PL" dirty="0"/>
+              <a:t>().</a:t>
+            </a:r>
+            <a:r>
+              <a:rPr lang="pl-PL" dirty="0" err="1"/>
+              <a:t>parseText</a:t>
+            </a:r>
+            <a:r>
+              <a:rPr lang="pl-PL" dirty="0"/>
+              <a:t> (</a:t>
+            </a:r>
+            <a:r>
+              <a:rPr lang="pl-PL" dirty="0" err="1"/>
+              <a:t>response</a:t>
+            </a:r>
+            <a:r>
+              <a:rPr lang="pl-PL" dirty="0"/>
+              <a:t>)</a:t>
+            </a:r>
+          </a:p>
+          <a:p>
+            <a:pPr marL="109728" indent="0">
+              <a:buNone/>
+            </a:pPr>
+            <a:r>
+              <a:rPr lang="pl-PL" dirty="0"/>
+              <a:t>log.info json.name</a:t>
+            </a:r>
+          </a:p>
+        </p:txBody>
+      </p:sp>
+    </p:spTree>
+    <p:extLst>
+      <p:ext uri="{BB962C8B-B14F-4D97-AF65-F5344CB8AC3E}">
+        <p14:creationId xmlns:p14="http://schemas.microsoft.com/office/powerpoint/2010/main" val="3500868879"/>
+      </p:ext>
+    </p:extLst>
+  </p:cSld>
+  <p:clrMapOvr>
+    <a:masterClrMapping/>
+  </p:clrMapOvr>
+  <p:transition spd="med">
+    <p:fade/>
+  </p:transition>
+</p:sld>
+</file>
+
+<file path=ppt/slides/slide56.xml><?xml version="1.0" encoding="utf-8"?>
+<p:sld xmlns:a="http://schemas.openxmlformats.org/drawingml/2006/main" xmlns:r="http://schemas.openxmlformats.org/officeDocument/2006/relationships" xmlns:p="http://schemas.openxmlformats.org/presentationml/2006/main">
+  <p:cSld>
+    <p:spTree>
+      <p:nvGrpSpPr>
+        <p:cNvPr id="1" name=""/>
+        <p:cNvGrpSpPr/>
+        <p:nvPr/>
+      </p:nvGrpSpPr>
+      <p:grpSpPr>
+        <a:xfrm>
+          <a:off x="0" y="0"/>
+          <a:ext cx="0" cy="0"/>
+          <a:chOff x="0" y="0"/>
+          <a:chExt cx="0" cy="0"/>
+        </a:xfrm>
+      </p:grpSpPr>
+      <p:sp>
+        <p:nvSpPr>
+          <p:cNvPr id="2" name="Tytuł 1">
+            <a:extLst>
+              <a:ext uri="{FF2B5EF4-FFF2-40B4-BE49-F238E27FC236}">
                 <a16:creationId xmlns:a16="http://schemas.microsoft.com/office/drawing/2014/main" id="{448796B9-0458-4E78-B360-000ABD321C09}"/>
               </a:ext>
             </a:extLst>
@@ -18267,7 +18653,114 @@
 </p:sld>
 </file>
 
-<file path=ppt/slides/slide56.xml><?xml version="1.0" encoding="utf-8"?>
+<file path=ppt/slides/slide57.xml><?xml version="1.0" encoding="utf-8"?>
+<p:sld xmlns:a="http://schemas.openxmlformats.org/drawingml/2006/main" xmlns:r="http://schemas.openxmlformats.org/officeDocument/2006/relationships" xmlns:p="http://schemas.openxmlformats.org/presentationml/2006/main">
+  <p:cSld>
+    <p:spTree>
+      <p:nvGrpSpPr>
+        <p:cNvPr id="1" name=""/>
+        <p:cNvGrpSpPr/>
+        <p:nvPr/>
+      </p:nvGrpSpPr>
+      <p:grpSpPr>
+        <a:xfrm>
+          <a:off x="0" y="0"/>
+          <a:ext cx="0" cy="0"/>
+          <a:chOff x="0" y="0"/>
+          <a:chExt cx="0" cy="0"/>
+        </a:xfrm>
+      </p:grpSpPr>
+      <p:sp>
+        <p:nvSpPr>
+          <p:cNvPr id="2" name="Tytuł 1">
+            <a:extLst>
+              <a:ext uri="{FF2B5EF4-FFF2-40B4-BE49-F238E27FC236}">
+                <a16:creationId xmlns:a16="http://schemas.microsoft.com/office/drawing/2014/main" id="{7F8E42C9-E8FB-4A4B-A3FF-D7545DAA33EE}"/>
+              </a:ext>
+            </a:extLst>
+          </p:cNvPr>
+          <p:cNvSpPr>
+            <a:spLocks noGrp="1"/>
+          </p:cNvSpPr>
+          <p:nvPr>
+            <p:ph type="title"/>
+          </p:nvPr>
+        </p:nvSpPr>
+        <p:spPr/>
+        <p:txBody>
+          <a:bodyPr/>
+          <a:lstStyle/>
+          <a:p>
+            <a:r>
+              <a:rPr lang="pl-PL" dirty="0"/>
+              <a:t>Dokumentacja / Usługi</a:t>
+            </a:r>
+          </a:p>
+        </p:txBody>
+      </p:sp>
+      <p:sp>
+        <p:nvSpPr>
+          <p:cNvPr id="3" name="Symbol zastępczy zawartości 2">
+            <a:extLst>
+              <a:ext uri="{FF2B5EF4-FFF2-40B4-BE49-F238E27FC236}">
+                <a16:creationId xmlns:a16="http://schemas.microsoft.com/office/drawing/2014/main" id="{9B185380-A557-40E8-B381-4107B106003C}"/>
+              </a:ext>
+            </a:extLst>
+          </p:cNvPr>
+          <p:cNvSpPr>
+            <a:spLocks noGrp="1"/>
+          </p:cNvSpPr>
+          <p:nvPr>
+            <p:ph idx="1"/>
+          </p:nvPr>
+        </p:nvSpPr>
+        <p:spPr/>
+        <p:txBody>
+          <a:bodyPr/>
+          <a:lstStyle/>
+          <a:p>
+            <a:r>
+              <a:rPr lang="pl-PL" dirty="0"/>
+              <a:t>Dokumentacja &lt;&gt; Service</a:t>
+            </a:r>
+          </a:p>
+          <a:p>
+            <a:r>
+              <a:rPr lang="pl-PL" dirty="0"/>
+              <a:t>GUI &lt;&gt; Dokumentacja</a:t>
+            </a:r>
+          </a:p>
+          <a:p>
+            <a:r>
+              <a:rPr lang="pl-PL" dirty="0"/>
+              <a:t>GUI == Service</a:t>
+            </a:r>
+          </a:p>
+          <a:p>
+            <a:r>
+              <a:rPr lang="pl-PL" dirty="0"/>
+              <a:t>F12 -&gt; filtr XHR</a:t>
+            </a:r>
+          </a:p>
+        </p:txBody>
+      </p:sp>
+    </p:spTree>
+    <p:extLst>
+      <p:ext uri="{BB962C8B-B14F-4D97-AF65-F5344CB8AC3E}">
+        <p14:creationId xmlns:p14="http://schemas.microsoft.com/office/powerpoint/2010/main" val="517697116"/>
+      </p:ext>
+    </p:extLst>
+  </p:cSld>
+  <p:clrMapOvr>
+    <a:masterClrMapping/>
+  </p:clrMapOvr>
+  <p:transition spd="med">
+    <p:fade/>
+  </p:transition>
+</p:sld>
+</file>
+
+<file path=ppt/slides/slide58.xml><?xml version="1.0" encoding="utf-8"?>
 <p:sld xmlns:a="http://schemas.openxmlformats.org/drawingml/2006/main" xmlns:r="http://schemas.openxmlformats.org/officeDocument/2006/relationships" xmlns:p="http://schemas.openxmlformats.org/presentationml/2006/main">
   <p:cSld>
     <p:bg>
@@ -18569,717 +19062,6 @@
 </p:sld>
 </file>
 
-<file path=ppt/slides/slide57.xml><?xml version="1.0" encoding="utf-8"?>
-<p:sld xmlns:a="http://schemas.openxmlformats.org/drawingml/2006/main" xmlns:r="http://schemas.openxmlformats.org/officeDocument/2006/relationships" xmlns:p="http://schemas.openxmlformats.org/presentationml/2006/main">
-  <p:cSld>
-    <p:spTree>
-      <p:nvGrpSpPr>
-        <p:cNvPr id="1" name=""/>
-        <p:cNvGrpSpPr/>
-        <p:nvPr/>
-      </p:nvGrpSpPr>
-      <p:grpSpPr>
-        <a:xfrm>
-          <a:off x="0" y="0"/>
-          <a:ext cx="0" cy="0"/>
-          <a:chOff x="0" y="0"/>
-          <a:chExt cx="0" cy="0"/>
-        </a:xfrm>
-      </p:grpSpPr>
-      <p:sp>
-        <p:nvSpPr>
-          <p:cNvPr id="2" name="Tytuł 1">
-            <a:extLst>
-              <a:ext uri="{FF2B5EF4-FFF2-40B4-BE49-F238E27FC236}">
-                <a16:creationId xmlns:a16="http://schemas.microsoft.com/office/drawing/2014/main" id="{6151F1FD-C394-4377-A05E-516DD2B24576}"/>
-              </a:ext>
-            </a:extLst>
-          </p:cNvPr>
-          <p:cNvSpPr>
-            <a:spLocks noGrp="1"/>
-          </p:cNvSpPr>
-          <p:nvPr>
-            <p:ph type="title"/>
-          </p:nvPr>
-        </p:nvSpPr>
-        <p:spPr/>
-        <p:txBody>
-          <a:bodyPr/>
-          <a:lstStyle/>
-          <a:p>
-            <a:r>
-              <a:rPr lang="pl-PL" dirty="0" err="1"/>
-              <a:t>Mocks</a:t>
-            </a:r>
-            <a:r>
-              <a:rPr lang="pl-PL" dirty="0"/>
-              <a:t> - scripts</a:t>
-            </a:r>
-          </a:p>
-        </p:txBody>
-      </p:sp>
-      <p:sp>
-        <p:nvSpPr>
-          <p:cNvPr id="3" name="Symbol zastępczy zawartości 2">
-            <a:extLst>
-              <a:ext uri="{FF2B5EF4-FFF2-40B4-BE49-F238E27FC236}">
-                <a16:creationId xmlns:a16="http://schemas.microsoft.com/office/drawing/2014/main" id="{3B07D327-2067-44F1-81C2-6BD120942B47}"/>
-              </a:ext>
-            </a:extLst>
-          </p:cNvPr>
-          <p:cNvSpPr>
-            <a:spLocks noGrp="1"/>
-          </p:cNvSpPr>
-          <p:nvPr>
-            <p:ph idx="1"/>
-          </p:nvPr>
-        </p:nvSpPr>
-        <p:spPr/>
-        <p:txBody>
-          <a:bodyPr>
-            <a:normAutofit/>
-          </a:bodyPr>
-          <a:lstStyle/>
-          <a:p>
-            <a:pPr marL="109728" indent="0">
-              <a:buNone/>
-            </a:pPr>
-            <a:r>
-              <a:rPr lang="pl-PL" dirty="0"/>
-              <a:t>def </a:t>
-            </a:r>
-            <a:r>
-              <a:rPr lang="pl-PL" dirty="0" err="1"/>
-              <a:t>req</a:t>
-            </a:r>
-            <a:r>
-              <a:rPr lang="pl-PL" dirty="0"/>
-              <a:t> = </a:t>
-            </a:r>
-            <a:r>
-              <a:rPr lang="pl-PL" dirty="0" err="1"/>
-              <a:t>new</a:t>
-            </a:r>
-            <a:r>
-              <a:rPr lang="pl-PL" dirty="0"/>
-              <a:t> </a:t>
-            </a:r>
-            <a:r>
-              <a:rPr lang="pl-PL" dirty="0" err="1"/>
-              <a:t>XmlSlurper</a:t>
-            </a:r>
-            <a:r>
-              <a:rPr lang="pl-PL" dirty="0"/>
-              <a:t>().</a:t>
-            </a:r>
-            <a:r>
-              <a:rPr lang="pl-PL" dirty="0" err="1"/>
-              <a:t>parseText</a:t>
-            </a:r>
-            <a:r>
-              <a:rPr lang="pl-PL" dirty="0"/>
-              <a:t>(</a:t>
-            </a:r>
-            <a:r>
-              <a:rPr lang="pl-PL" dirty="0" err="1"/>
-              <a:t>mockRequest.requestContent</a:t>
-            </a:r>
-            <a:r>
-              <a:rPr lang="pl-PL" dirty="0"/>
-              <a:t>)</a:t>
-            </a:r>
-          </a:p>
-          <a:p>
-            <a:pPr marL="109728" indent="0">
-              <a:buNone/>
-            </a:pPr>
-            <a:r>
-              <a:rPr lang="pl-PL" dirty="0"/>
-              <a:t>def </a:t>
-            </a:r>
-            <a:r>
-              <a:rPr lang="pl-PL" dirty="0" err="1"/>
-              <a:t>intA</a:t>
-            </a:r>
-            <a:r>
-              <a:rPr lang="pl-PL" dirty="0"/>
-              <a:t> = </a:t>
-            </a:r>
-            <a:r>
-              <a:rPr lang="pl-PL" dirty="0" err="1"/>
-              <a:t>req.Body.Divide.intA.toInteger</a:t>
-            </a:r>
-            <a:r>
-              <a:rPr lang="pl-PL" dirty="0"/>
-              <a:t>()</a:t>
-            </a:r>
-          </a:p>
-          <a:p>
-            <a:pPr marL="109728" indent="0">
-              <a:buNone/>
-            </a:pPr>
-            <a:r>
-              <a:rPr lang="pl-PL" dirty="0"/>
-              <a:t>def </a:t>
-            </a:r>
-            <a:r>
-              <a:rPr lang="pl-PL" dirty="0" err="1"/>
-              <a:t>intB</a:t>
-            </a:r>
-            <a:r>
-              <a:rPr lang="pl-PL" dirty="0"/>
-              <a:t> = </a:t>
-            </a:r>
-            <a:r>
-              <a:rPr lang="pl-PL" dirty="0" err="1"/>
-              <a:t>req.Body.Divide.intB.toInteger</a:t>
-            </a:r>
-            <a:r>
-              <a:rPr lang="pl-PL" dirty="0"/>
-              <a:t>()</a:t>
-            </a:r>
-          </a:p>
-          <a:p>
-            <a:pPr marL="109728" indent="0">
-              <a:buNone/>
-            </a:pPr>
-            <a:endParaRPr lang="pl-PL" dirty="0"/>
-          </a:p>
-          <a:p>
-            <a:pPr marL="109728" indent="0">
-              <a:buNone/>
-            </a:pPr>
-            <a:r>
-              <a:rPr lang="pl-PL" dirty="0" err="1"/>
-              <a:t>if</a:t>
-            </a:r>
-            <a:r>
-              <a:rPr lang="pl-PL" dirty="0"/>
-              <a:t>(</a:t>
-            </a:r>
-            <a:r>
-              <a:rPr lang="pl-PL" dirty="0" err="1"/>
-              <a:t>intB</a:t>
-            </a:r>
-            <a:r>
-              <a:rPr lang="pl-PL" dirty="0"/>
-              <a:t> == 0)</a:t>
-            </a:r>
-          </a:p>
-          <a:p>
-            <a:pPr marL="109728" indent="0">
-              <a:buNone/>
-            </a:pPr>
-            <a:r>
-              <a:rPr lang="pl-PL" dirty="0"/>
-              <a:t>{return "</a:t>
-            </a:r>
-            <a:r>
-              <a:rPr lang="pl-PL" dirty="0" err="1"/>
-              <a:t>bad</a:t>
-            </a:r>
-            <a:r>
-              <a:rPr lang="pl-PL" dirty="0"/>
-              <a:t>"}</a:t>
-            </a:r>
-          </a:p>
-          <a:p>
-            <a:pPr marL="109728" indent="0">
-              <a:buNone/>
-            </a:pPr>
-            <a:r>
-              <a:rPr lang="pl-PL" dirty="0" err="1"/>
-              <a:t>else</a:t>
-            </a:r>
-            <a:endParaRPr lang="pl-PL" dirty="0"/>
-          </a:p>
-          <a:p>
-            <a:pPr marL="109728" indent="0">
-              <a:buNone/>
-            </a:pPr>
-            <a:r>
-              <a:rPr lang="pl-PL" dirty="0"/>
-              <a:t>{</a:t>
-            </a:r>
-            <a:r>
-              <a:rPr lang="pl-PL" dirty="0" err="1"/>
-              <a:t>context.result</a:t>
-            </a:r>
-            <a:r>
-              <a:rPr lang="pl-PL" dirty="0"/>
-              <a:t> = </a:t>
-            </a:r>
-            <a:r>
-              <a:rPr lang="pl-PL" dirty="0" err="1"/>
-              <a:t>intA</a:t>
-            </a:r>
-            <a:r>
-              <a:rPr lang="pl-PL" dirty="0"/>
-              <a:t> / </a:t>
-            </a:r>
-            <a:r>
-              <a:rPr lang="pl-PL" dirty="0" err="1"/>
-              <a:t>intB</a:t>
-            </a:r>
-            <a:r>
-              <a:rPr lang="pl-PL" dirty="0"/>
-              <a:t>}</a:t>
-            </a:r>
-          </a:p>
-          <a:p>
-            <a:pPr marL="109728" indent="0">
-              <a:buNone/>
-            </a:pPr>
-            <a:r>
-              <a:rPr lang="pl-PL" dirty="0"/>
-              <a:t>//{$</a:t>
-            </a:r>
-            <a:r>
-              <a:rPr lang="pl-PL" dirty="0" err="1"/>
-              <a:t>result</a:t>
-            </a:r>
-            <a:r>
-              <a:rPr lang="pl-PL" dirty="0"/>
-              <a:t>} </a:t>
-            </a:r>
-            <a:r>
-              <a:rPr lang="pl-PL" dirty="0">
-                <a:sym typeface="Wingdings" panose="05000000000000000000" pitchFamily="2" charset="2"/>
-              </a:rPr>
-              <a:t> in </a:t>
-            </a:r>
-            <a:r>
-              <a:rPr lang="pl-PL" dirty="0" err="1">
-                <a:sym typeface="Wingdings" panose="05000000000000000000" pitchFamily="2" charset="2"/>
-              </a:rPr>
-              <a:t>resp</a:t>
-            </a:r>
-            <a:endParaRPr lang="pl-PL" dirty="0"/>
-          </a:p>
-          <a:p>
-            <a:pPr marL="109728" indent="0">
-              <a:buNone/>
-            </a:pPr>
-            <a:endParaRPr lang="pl-PL" dirty="0"/>
-          </a:p>
-        </p:txBody>
-      </p:sp>
-    </p:spTree>
-    <p:extLst>
-      <p:ext uri="{BB962C8B-B14F-4D97-AF65-F5344CB8AC3E}">
-        <p14:creationId xmlns:p14="http://schemas.microsoft.com/office/powerpoint/2010/main" val="3836866013"/>
-      </p:ext>
-    </p:extLst>
-  </p:cSld>
-  <p:clrMapOvr>
-    <a:masterClrMapping/>
-  </p:clrMapOvr>
-  <p:transition spd="med">
-    <p:fade/>
-  </p:transition>
-</p:sld>
-</file>
-
-<file path=ppt/slides/slide58.xml><?xml version="1.0" encoding="utf-8"?>
-<p:sld xmlns:a="http://schemas.openxmlformats.org/drawingml/2006/main" xmlns:r="http://schemas.openxmlformats.org/officeDocument/2006/relationships" xmlns:p="http://schemas.openxmlformats.org/presentationml/2006/main">
-  <p:cSld>
-    <p:spTree>
-      <p:nvGrpSpPr>
-        <p:cNvPr id="1" name=""/>
-        <p:cNvGrpSpPr/>
-        <p:nvPr/>
-      </p:nvGrpSpPr>
-      <p:grpSpPr>
-        <a:xfrm>
-          <a:off x="0" y="0"/>
-          <a:ext cx="0" cy="0"/>
-          <a:chOff x="0" y="0"/>
-          <a:chExt cx="0" cy="0"/>
-        </a:xfrm>
-      </p:grpSpPr>
-      <p:sp>
-        <p:nvSpPr>
-          <p:cNvPr id="2" name="Tytuł 1">
-            <a:extLst>
-              <a:ext uri="{FF2B5EF4-FFF2-40B4-BE49-F238E27FC236}">
-                <a16:creationId xmlns:a16="http://schemas.microsoft.com/office/drawing/2014/main" id="{76B8E1FA-BB9C-4061-8986-3A39B69CCB63}"/>
-              </a:ext>
-            </a:extLst>
-          </p:cNvPr>
-          <p:cNvSpPr>
-            <a:spLocks noGrp="1"/>
-          </p:cNvSpPr>
-          <p:nvPr>
-            <p:ph type="title"/>
-          </p:nvPr>
-        </p:nvSpPr>
-        <p:spPr/>
-        <p:txBody>
-          <a:bodyPr/>
-          <a:lstStyle/>
-          <a:p>
-            <a:r>
-              <a:rPr lang="pl-PL" dirty="0" err="1"/>
-              <a:t>Mocks</a:t>
-            </a:r>
-            <a:r>
-              <a:rPr lang="pl-PL" dirty="0"/>
-              <a:t> – scripts sprawdź!?</a:t>
-            </a:r>
-          </a:p>
-        </p:txBody>
-      </p:sp>
-      <p:sp>
-        <p:nvSpPr>
-          <p:cNvPr id="3" name="Symbol zastępczy zawartości 2">
-            <a:extLst>
-              <a:ext uri="{FF2B5EF4-FFF2-40B4-BE49-F238E27FC236}">
-                <a16:creationId xmlns:a16="http://schemas.microsoft.com/office/drawing/2014/main" id="{2AC6CDCA-DD2E-4430-A1F0-7DA56B4487F8}"/>
-              </a:ext>
-            </a:extLst>
-          </p:cNvPr>
-          <p:cNvSpPr>
-            <a:spLocks noGrp="1"/>
-          </p:cNvSpPr>
-          <p:nvPr>
-            <p:ph idx="1"/>
-          </p:nvPr>
-        </p:nvSpPr>
-        <p:spPr/>
-        <p:txBody>
-          <a:bodyPr>
-            <a:normAutofit fontScale="62500" lnSpcReduction="20000"/>
-          </a:bodyPr>
-          <a:lstStyle/>
-          <a:p>
-            <a:endParaRPr lang="pl-PL" dirty="0"/>
-          </a:p>
-          <a:p>
-            <a:pPr marL="109728" indent="0">
-              <a:buNone/>
-            </a:pPr>
-            <a:r>
-              <a:rPr lang="pl-PL" dirty="0"/>
-              <a:t>import javax.xml.xpath.*</a:t>
-            </a:r>
-          </a:p>
-          <a:p>
-            <a:pPr marL="109728" indent="0">
-              <a:buNone/>
-            </a:pPr>
-            <a:r>
-              <a:rPr lang="pl-PL" dirty="0"/>
-              <a:t>import </a:t>
-            </a:r>
-            <a:r>
-              <a:rPr lang="pl-PL" dirty="0" err="1"/>
-              <a:t>groovy.xml.StreamingMarkupBuilder</a:t>
-            </a:r>
-            <a:endParaRPr lang="pl-PL" dirty="0"/>
-          </a:p>
-          <a:p>
-            <a:pPr marL="109728" indent="0">
-              <a:buNone/>
-            </a:pPr>
-            <a:r>
-              <a:rPr lang="pl-PL" dirty="0"/>
-              <a:t>import </a:t>
-            </a:r>
-            <a:r>
-              <a:rPr lang="pl-PL" dirty="0" err="1"/>
-              <a:t>groovy.lang.Binding</a:t>
-            </a:r>
-            <a:r>
-              <a:rPr lang="pl-PL" dirty="0"/>
-              <a:t>;</a:t>
-            </a:r>
-          </a:p>
-          <a:p>
-            <a:pPr marL="109728" indent="0">
-              <a:buNone/>
-            </a:pPr>
-            <a:r>
-              <a:rPr lang="pl-PL" dirty="0"/>
-              <a:t>import </a:t>
-            </a:r>
-            <a:r>
-              <a:rPr lang="pl-PL" dirty="0" err="1"/>
-              <a:t>groovy.lang.Script</a:t>
-            </a:r>
-            <a:r>
-              <a:rPr lang="pl-PL" dirty="0"/>
-              <a:t>;</a:t>
-            </a:r>
-          </a:p>
-          <a:p>
-            <a:pPr marL="109728" indent="0">
-              <a:buNone/>
-            </a:pPr>
-            <a:r>
-              <a:rPr lang="pl-PL" dirty="0"/>
-              <a:t>def </a:t>
-            </a:r>
-            <a:r>
-              <a:rPr lang="pl-PL" dirty="0" err="1"/>
-              <a:t>util</a:t>
-            </a:r>
-            <a:r>
-              <a:rPr lang="pl-PL" dirty="0"/>
-              <a:t> = </a:t>
-            </a:r>
-            <a:r>
-              <a:rPr lang="pl-PL" dirty="0" err="1"/>
-              <a:t>new</a:t>
-            </a:r>
-            <a:r>
-              <a:rPr lang="pl-PL" dirty="0"/>
-              <a:t> </a:t>
-            </a:r>
-            <a:r>
-              <a:rPr lang="pl-PL" dirty="0" err="1"/>
-              <a:t>com.eviware.soapui.support.GroovyUtils</a:t>
-            </a:r>
-            <a:r>
-              <a:rPr lang="pl-PL" dirty="0"/>
-              <a:t>( </a:t>
-            </a:r>
-            <a:r>
-              <a:rPr lang="pl-PL" dirty="0" err="1"/>
-              <a:t>context</a:t>
-            </a:r>
-            <a:r>
-              <a:rPr lang="pl-PL" dirty="0"/>
-              <a:t> )</a:t>
-            </a:r>
-          </a:p>
-          <a:p>
-            <a:pPr marL="109728" indent="0">
-              <a:buNone/>
-            </a:pPr>
-            <a:r>
-              <a:rPr lang="pl-PL" dirty="0"/>
-              <a:t>def </a:t>
-            </a:r>
-            <a:r>
-              <a:rPr lang="pl-PL" dirty="0" err="1"/>
-              <a:t>xml</a:t>
-            </a:r>
-            <a:r>
-              <a:rPr lang="pl-PL" dirty="0"/>
-              <a:t> = </a:t>
-            </a:r>
-            <a:r>
-              <a:rPr lang="pl-PL" dirty="0" err="1"/>
-              <a:t>new</a:t>
-            </a:r>
-            <a:r>
-              <a:rPr lang="pl-PL" dirty="0"/>
-              <a:t> </a:t>
-            </a:r>
-            <a:r>
-              <a:rPr lang="pl-PL" dirty="0" err="1"/>
-              <a:t>XmlSlurper</a:t>
-            </a:r>
-            <a:r>
-              <a:rPr lang="pl-PL" dirty="0"/>
-              <a:t>().</a:t>
-            </a:r>
-            <a:r>
-              <a:rPr lang="pl-PL" dirty="0" err="1"/>
-              <a:t>parseText</a:t>
-            </a:r>
-            <a:r>
-              <a:rPr lang="pl-PL" dirty="0"/>
-              <a:t>(</a:t>
-            </a:r>
-            <a:r>
-              <a:rPr lang="pl-PL" dirty="0" err="1"/>
-              <a:t>mockRequest.requestContent</a:t>
-            </a:r>
-            <a:r>
-              <a:rPr lang="pl-PL" dirty="0"/>
-              <a:t>)</a:t>
-            </a:r>
-          </a:p>
-          <a:p>
-            <a:pPr marL="109728" indent="0">
-              <a:buNone/>
-            </a:pPr>
-            <a:r>
-              <a:rPr lang="pl-PL" dirty="0"/>
-              <a:t>def </a:t>
-            </a:r>
-            <a:r>
-              <a:rPr lang="pl-PL" dirty="0" err="1"/>
-              <a:t>name</a:t>
-            </a:r>
-            <a:r>
-              <a:rPr lang="pl-PL" dirty="0"/>
-              <a:t> = xml.Body.name</a:t>
-            </a:r>
-          </a:p>
-          <a:p>
-            <a:pPr marL="109728" indent="0">
-              <a:buNone/>
-            </a:pPr>
-            <a:r>
-              <a:rPr lang="pl-PL" dirty="0"/>
-              <a:t>def </a:t>
-            </a:r>
-            <a:r>
-              <a:rPr lang="pl-PL" dirty="0" err="1"/>
-              <a:t>str</a:t>
-            </a:r>
-            <a:r>
-              <a:rPr lang="pl-PL" dirty="0"/>
-              <a:t> = </a:t>
-            </a:r>
-            <a:r>
-              <a:rPr lang="pl-PL" dirty="0" err="1"/>
-              <a:t>name.toString</a:t>
-            </a:r>
-            <a:r>
-              <a:rPr lang="pl-PL" dirty="0"/>
-              <a:t>() </a:t>
-            </a:r>
-          </a:p>
-          <a:p>
-            <a:pPr marL="109728" indent="0">
-              <a:buNone/>
-            </a:pPr>
-            <a:r>
-              <a:rPr lang="pl-PL" dirty="0"/>
-              <a:t>log.info </a:t>
-            </a:r>
-            <a:r>
-              <a:rPr lang="pl-PL" dirty="0" err="1"/>
-              <a:t>str</a:t>
-            </a:r>
-            <a:endParaRPr lang="pl-PL" dirty="0"/>
-          </a:p>
-          <a:p>
-            <a:pPr marL="109728" indent="0">
-              <a:buNone/>
-            </a:pPr>
-            <a:r>
-              <a:rPr lang="pl-PL" dirty="0" err="1"/>
-              <a:t>if</a:t>
-            </a:r>
-            <a:r>
-              <a:rPr lang="pl-PL" dirty="0"/>
-              <a:t>(</a:t>
-            </a:r>
-            <a:r>
-              <a:rPr lang="pl-PL" dirty="0" err="1"/>
-              <a:t>str</a:t>
-            </a:r>
-            <a:r>
-              <a:rPr lang="pl-PL" dirty="0"/>
-              <a:t> == "Porsche")</a:t>
-            </a:r>
-          </a:p>
-          <a:p>
-            <a:pPr marL="109728" indent="0">
-              <a:buNone/>
-            </a:pPr>
-            <a:r>
-              <a:rPr lang="pl-PL" dirty="0"/>
-              <a:t>{</a:t>
-            </a:r>
-          </a:p>
-          <a:p>
-            <a:pPr marL="109728" indent="0">
-              <a:buNone/>
-            </a:pPr>
-            <a:r>
-              <a:rPr lang="pl-PL" dirty="0"/>
-              <a:t>return "</a:t>
-            </a:r>
-            <a:r>
-              <a:rPr lang="pl-PL" dirty="0" err="1"/>
-              <a:t>another</a:t>
-            </a:r>
-            <a:r>
-              <a:rPr lang="pl-PL" dirty="0"/>
-              <a:t> one </a:t>
-            </a:r>
-            <a:r>
-              <a:rPr lang="pl-PL" dirty="0" err="1"/>
-              <a:t>really</a:t>
-            </a:r>
-            <a:r>
-              <a:rPr lang="pl-PL" dirty="0"/>
-              <a:t>"</a:t>
-            </a:r>
-          </a:p>
-          <a:p>
-            <a:pPr marL="109728" indent="0">
-              <a:buNone/>
-            </a:pPr>
-            <a:r>
-              <a:rPr lang="pl-PL" dirty="0"/>
-              <a:t>}</a:t>
-            </a:r>
-          </a:p>
-          <a:p>
-            <a:pPr marL="109728" indent="0">
-              <a:buNone/>
-            </a:pPr>
-            <a:r>
-              <a:rPr lang="pl-PL" dirty="0" err="1"/>
-              <a:t>else</a:t>
-            </a:r>
-            <a:r>
-              <a:rPr lang="pl-PL" dirty="0"/>
-              <a:t> </a:t>
-            </a:r>
-          </a:p>
-          <a:p>
-            <a:pPr marL="109728" indent="0">
-              <a:buNone/>
-            </a:pPr>
-            <a:r>
-              <a:rPr lang="pl-PL" dirty="0"/>
-              <a:t>{ return "</a:t>
-            </a:r>
-            <a:r>
-              <a:rPr lang="pl-PL" dirty="0" err="1"/>
-              <a:t>added</a:t>
-            </a:r>
-            <a:r>
-              <a:rPr lang="pl-PL" dirty="0"/>
-              <a:t> </a:t>
-            </a:r>
-            <a:r>
-              <a:rPr lang="pl-PL" dirty="0" err="1"/>
-              <a:t>Success</a:t>
-            </a:r>
-            <a:r>
-              <a:rPr lang="pl-PL" dirty="0"/>
-              <a:t>"}</a:t>
-            </a:r>
-          </a:p>
-          <a:p>
-            <a:endParaRPr lang="pl-PL" dirty="0"/>
-          </a:p>
-        </p:txBody>
-      </p:sp>
-    </p:spTree>
-    <p:extLst>
-      <p:ext uri="{BB962C8B-B14F-4D97-AF65-F5344CB8AC3E}">
-        <p14:creationId xmlns:p14="http://schemas.microsoft.com/office/powerpoint/2010/main" val="983381544"/>
-      </p:ext>
-    </p:extLst>
-  </p:cSld>
-  <p:clrMapOvr>
-    <a:masterClrMapping/>
-  </p:clrMapOvr>
-  <p:transition spd="med">
-    <p:fade/>
-  </p:transition>
-</p:sld>
-</file>
-
 <file path=ppt/slides/slide59.xml><?xml version="1.0" encoding="utf-8"?>
 <p:sld xmlns:a="http://schemas.openxmlformats.org/drawingml/2006/main" xmlns:r="http://schemas.openxmlformats.org/officeDocument/2006/relationships" xmlns:p="http://schemas.openxmlformats.org/presentationml/2006/main">
   <p:cSld>
@@ -19302,7 +19084,7 @@
           <p:cNvPr id="2" name="Tytuł 1">
             <a:extLst>
               <a:ext uri="{FF2B5EF4-FFF2-40B4-BE49-F238E27FC236}">
-                <a16:creationId xmlns:a16="http://schemas.microsoft.com/office/drawing/2014/main" id="{73B83322-380B-44E2-9F90-1C11E83A6E79}"/>
+                <a16:creationId xmlns:a16="http://schemas.microsoft.com/office/drawing/2014/main" id="{6151F1FD-C394-4377-A05E-516DD2B24576}"/>
               </a:ext>
             </a:extLst>
           </p:cNvPr>
@@ -19313,21 +19095,19 @@
             <p:ph type="title"/>
           </p:nvPr>
         </p:nvSpPr>
-        <p:spPr>
-          <a:xfrm>
-            <a:off x="609603" y="1143000"/>
-            <a:ext cx="10972800" cy="1066803"/>
-          </a:xfrm>
-        </p:spPr>
+        <p:spPr/>
         <p:txBody>
           <a:bodyPr/>
           <a:lstStyle/>
           <a:p>
             <a:r>
               <a:rPr lang="pl-PL" dirty="0" err="1"/>
-              <a:t>Enviroments</a:t>
-            </a:r>
-            <a:endParaRPr lang="pl-PL" dirty="0"/>
+              <a:t>Mocks</a:t>
+            </a:r>
+            <a:r>
+              <a:rPr lang="pl-PL" dirty="0"/>
+              <a:t> - scripts</a:t>
+            </a:r>
           </a:p>
         </p:txBody>
       </p:sp>
@@ -19336,7 +19116,7 @@
           <p:cNvPr id="3" name="Symbol zastępczy zawartości 2">
             <a:extLst>
               <a:ext uri="{FF2B5EF4-FFF2-40B4-BE49-F238E27FC236}">
-                <a16:creationId xmlns:a16="http://schemas.microsoft.com/office/drawing/2014/main" id="{06AAF719-760A-4E26-9010-69ED2E11F98C}"/>
+                <a16:creationId xmlns:a16="http://schemas.microsoft.com/office/drawing/2014/main" id="{3B07D327-2067-44F1-81C2-6BD120942B47}"/>
               </a:ext>
             </a:extLst>
           </p:cNvPr>
@@ -19347,41 +19127,23 @@
             <p:ph idx="1"/>
           </p:nvPr>
         </p:nvSpPr>
-        <p:spPr>
-          <a:xfrm>
-            <a:off x="609603" y="2249424"/>
-            <a:ext cx="10972800" cy="4325112"/>
-          </a:xfrm>
-        </p:spPr>
-        <p:txBody>
-          <a:bodyPr/>
+        <p:spPr/>
+        <p:txBody>
+          <a:bodyPr>
+            <a:normAutofit/>
+          </a:bodyPr>
           <a:lstStyle/>
           <a:p>
-            <a:r>
-              <a:rPr lang="pl-PL" dirty="0" err="1"/>
-              <a:t>Add</a:t>
-            </a:r>
-            <a:r>
-              <a:rPr lang="pl-PL" dirty="0"/>
-              <a:t> folder and file </a:t>
-            </a:r>
-          </a:p>
-          <a:p>
-            <a:pPr lvl="1"/>
-            <a:r>
-              <a:rPr lang="pl-PL" dirty="0" err="1"/>
-              <a:t>config</a:t>
-            </a:r>
-            <a:r>
-              <a:rPr lang="pl-PL" dirty="0"/>
-              <a:t>/config.ini</a:t>
-            </a:r>
-          </a:p>
-          <a:p>
-            <a:pPr lvl="1"/>
-            <a:r>
-              <a:rPr lang="pl-PL" dirty="0" err="1"/>
-              <a:t>endpoint</a:t>
+            <a:pPr marL="109728" indent="0">
+              <a:buNone/>
+            </a:pPr>
+            <a:r>
+              <a:rPr lang="pl-PL" dirty="0"/>
+              <a:t>def </a:t>
+            </a:r>
+            <a:r>
+              <a:rPr lang="pl-PL" dirty="0" err="1"/>
+              <a:t>req</a:t>
             </a:r>
             <a:r>
               <a:rPr lang="pl-PL" dirty="0"/>
@@ -19389,27 +19151,208 @@
             </a:r>
             <a:r>
               <a:rPr lang="pl-PL" dirty="0" err="1"/>
-              <a:t>endpoint:port</a:t>
-            </a:r>
+              <a:t>new</a:t>
+            </a:r>
+            <a:r>
+              <a:rPr lang="pl-PL" dirty="0"/>
+              <a:t> </a:t>
+            </a:r>
+            <a:r>
+              <a:rPr lang="pl-PL" dirty="0" err="1"/>
+              <a:t>XmlSlurper</a:t>
+            </a:r>
+            <a:r>
+              <a:rPr lang="pl-PL" dirty="0"/>
+              <a:t>().</a:t>
+            </a:r>
+            <a:r>
+              <a:rPr lang="pl-PL" dirty="0" err="1"/>
+              <a:t>parseText</a:t>
+            </a:r>
+            <a:r>
+              <a:rPr lang="pl-PL" dirty="0"/>
+              <a:t>(</a:t>
+            </a:r>
+            <a:r>
+              <a:rPr lang="pl-PL" dirty="0" err="1"/>
+              <a:t>mockRequest.requestContent</a:t>
+            </a:r>
+            <a:r>
+              <a:rPr lang="pl-PL" dirty="0"/>
+              <a:t>)</a:t>
+            </a:r>
+          </a:p>
+          <a:p>
+            <a:pPr marL="109728" indent="0">
+              <a:buNone/>
+            </a:pPr>
+            <a:r>
+              <a:rPr lang="pl-PL" dirty="0"/>
+              <a:t>def </a:t>
+            </a:r>
+            <a:r>
+              <a:rPr lang="pl-PL" dirty="0" err="1"/>
+              <a:t>intA</a:t>
+            </a:r>
+            <a:r>
+              <a:rPr lang="pl-PL" dirty="0"/>
+              <a:t> = </a:t>
+            </a:r>
+            <a:r>
+              <a:rPr lang="pl-PL" dirty="0" err="1"/>
+              <a:t>req.Body.Divide.intA.toInteger</a:t>
+            </a:r>
+            <a:r>
+              <a:rPr lang="pl-PL" dirty="0"/>
+              <a:t>()</a:t>
+            </a:r>
+          </a:p>
+          <a:p>
+            <a:pPr marL="109728" indent="0">
+              <a:buNone/>
+            </a:pPr>
+            <a:r>
+              <a:rPr lang="pl-PL" dirty="0"/>
+              <a:t>def </a:t>
+            </a:r>
+            <a:r>
+              <a:rPr lang="pl-PL" dirty="0" err="1"/>
+              <a:t>intB</a:t>
+            </a:r>
+            <a:r>
+              <a:rPr lang="pl-PL" dirty="0"/>
+              <a:t> = </a:t>
+            </a:r>
+            <a:r>
+              <a:rPr lang="pl-PL" dirty="0" err="1"/>
+              <a:t>req.Body.Divide.intB.toInteger</a:t>
+            </a:r>
+            <a:r>
+              <a:rPr lang="pl-PL" dirty="0"/>
+              <a:t>()</a:t>
+            </a:r>
+          </a:p>
+          <a:p>
+            <a:pPr marL="109728" indent="0">
+              <a:buNone/>
+            </a:pPr>
             <a:endParaRPr lang="pl-PL" dirty="0"/>
           </a:p>
           <a:p>
-            <a:r>
-              <a:rPr lang="pl-PL" dirty="0"/>
-              <a:t>Project -&gt; </a:t>
-            </a:r>
-            <a:r>
-              <a:rPr lang="pl-PL" dirty="0" err="1"/>
-              <a:t>Load</a:t>
-            </a:r>
-            <a:r>
-              <a:rPr lang="pl-PL" dirty="0"/>
-              <a:t> </a:t>
-            </a:r>
-            <a:r>
-              <a:rPr lang="pl-PL" dirty="0" err="1"/>
-              <a:t>Script</a:t>
-            </a:r>
+            <a:pPr marL="109728" indent="0">
+              <a:buNone/>
+            </a:pPr>
+            <a:r>
+              <a:rPr lang="pl-PL" dirty="0" err="1"/>
+              <a:t>if</a:t>
+            </a:r>
+            <a:r>
+              <a:rPr lang="pl-PL" dirty="0"/>
+              <a:t>(</a:t>
+            </a:r>
+            <a:r>
+              <a:rPr lang="pl-PL" dirty="0" err="1"/>
+              <a:t>intB</a:t>
+            </a:r>
+            <a:r>
+              <a:rPr lang="pl-PL" dirty="0"/>
+              <a:t> == 0)</a:t>
+            </a:r>
+          </a:p>
+          <a:p>
+            <a:pPr marL="109728" indent="0">
+              <a:buNone/>
+            </a:pPr>
+            <a:r>
+              <a:rPr lang="pl-PL" dirty="0"/>
+              <a:t>{return "</a:t>
+            </a:r>
+            <a:r>
+              <a:rPr lang="pl-PL" dirty="0" err="1"/>
+              <a:t>bad</a:t>
+            </a:r>
+            <a:r>
+              <a:rPr lang="pl-PL" dirty="0"/>
+              <a:t>"}</a:t>
+            </a:r>
+          </a:p>
+          <a:p>
+            <a:pPr marL="109728" indent="0">
+              <a:buNone/>
+            </a:pPr>
+            <a:r>
+              <a:rPr lang="pl-PL" dirty="0" err="1"/>
+              <a:t>else</a:t>
+            </a:r>
+            <a:endParaRPr lang="pl-PL" dirty="0"/>
+          </a:p>
+          <a:p>
+            <a:pPr marL="109728" indent="0">
+              <a:buNone/>
+            </a:pPr>
+            <a:r>
+              <a:rPr lang="pl-PL" dirty="0"/>
+              <a:t>{</a:t>
+            </a:r>
+            <a:r>
+              <a:rPr lang="pl-PL" dirty="0" err="1"/>
+              <a:t>context.result</a:t>
+            </a:r>
+            <a:r>
+              <a:rPr lang="pl-PL" dirty="0"/>
+              <a:t> = </a:t>
+            </a:r>
+            <a:r>
+              <a:rPr lang="pl-PL" dirty="0" err="1"/>
+              <a:t>intA</a:t>
+            </a:r>
+            <a:r>
+              <a:rPr lang="pl-PL" dirty="0"/>
+              <a:t> / </a:t>
+            </a:r>
+            <a:r>
+              <a:rPr lang="pl-PL" dirty="0" err="1"/>
+              <a:t>intB</a:t>
+            </a:r>
+            <a:r>
+              <a:rPr lang="pl-PL" dirty="0"/>
+              <a:t>}</a:t>
+            </a:r>
+          </a:p>
+          <a:p>
+            <a:pPr marL="109728" indent="0">
+              <a:buNone/>
+            </a:pPr>
+            <a:r>
+              <a:rPr lang="pl-PL" dirty="0"/>
+              <a:t>//{$</a:t>
+            </a:r>
+            <a:r>
+              <a:rPr lang="pl-PL" dirty="0" err="1"/>
+              <a:t>result</a:t>
+            </a:r>
+            <a:r>
+              <a:rPr lang="pl-PL" dirty="0"/>
+              <a:t>} </a:t>
+            </a:r>
+            <a:r>
+              <a:rPr lang="pl-PL" dirty="0">
+                <a:sym typeface="Wingdings" panose="05000000000000000000" pitchFamily="2" charset="2"/>
+              </a:rPr>
+              <a:t> in </a:t>
+            </a:r>
+            <a:r>
+              <a:rPr lang="pl-PL" dirty="0" err="1">
+                <a:sym typeface="Wingdings" panose="05000000000000000000" pitchFamily="2" charset="2"/>
+              </a:rPr>
+              <a:t>resp</a:t>
+            </a:r>
+            <a:endParaRPr lang="pl-PL" dirty="0"/>
+          </a:p>
+          <a:p>
+            <a:pPr marL="109728" indent="0">
+              <a:buNone/>
+            </a:pPr>
             <a:endParaRPr lang="pl-PL" dirty="0"/>
           </a:p>
         </p:txBody>
@@ -19417,7 +19360,7 @@
     </p:spTree>
     <p:extLst>
       <p:ext uri="{BB962C8B-B14F-4D97-AF65-F5344CB8AC3E}">
-        <p14:creationId xmlns:p14="http://schemas.microsoft.com/office/powerpoint/2010/main" val="1564254710"/>
+        <p14:creationId xmlns:p14="http://schemas.microsoft.com/office/powerpoint/2010/main" val="3836866013"/>
       </p:ext>
     </p:extLst>
   </p:cSld>
@@ -19546,6 +19489,556 @@
 </file>
 
 <file path=ppt/slides/slide60.xml><?xml version="1.0" encoding="utf-8"?>
+<p:sld xmlns:a="http://schemas.openxmlformats.org/drawingml/2006/main" xmlns:r="http://schemas.openxmlformats.org/officeDocument/2006/relationships" xmlns:p="http://schemas.openxmlformats.org/presentationml/2006/main">
+  <p:cSld>
+    <p:spTree>
+      <p:nvGrpSpPr>
+        <p:cNvPr id="1" name=""/>
+        <p:cNvGrpSpPr/>
+        <p:nvPr/>
+      </p:nvGrpSpPr>
+      <p:grpSpPr>
+        <a:xfrm>
+          <a:off x="0" y="0"/>
+          <a:ext cx="0" cy="0"/>
+          <a:chOff x="0" y="0"/>
+          <a:chExt cx="0" cy="0"/>
+        </a:xfrm>
+      </p:grpSpPr>
+      <p:sp>
+        <p:nvSpPr>
+          <p:cNvPr id="2" name="Tytuł 1">
+            <a:extLst>
+              <a:ext uri="{FF2B5EF4-FFF2-40B4-BE49-F238E27FC236}">
+                <a16:creationId xmlns:a16="http://schemas.microsoft.com/office/drawing/2014/main" id="{76B8E1FA-BB9C-4061-8986-3A39B69CCB63}"/>
+              </a:ext>
+            </a:extLst>
+          </p:cNvPr>
+          <p:cNvSpPr>
+            <a:spLocks noGrp="1"/>
+          </p:cNvSpPr>
+          <p:nvPr>
+            <p:ph type="title"/>
+          </p:nvPr>
+        </p:nvSpPr>
+        <p:spPr/>
+        <p:txBody>
+          <a:bodyPr/>
+          <a:lstStyle/>
+          <a:p>
+            <a:r>
+              <a:rPr lang="pl-PL" dirty="0" err="1"/>
+              <a:t>Mocks</a:t>
+            </a:r>
+            <a:r>
+              <a:rPr lang="pl-PL" dirty="0"/>
+              <a:t> – scripts sprawdź!?</a:t>
+            </a:r>
+          </a:p>
+        </p:txBody>
+      </p:sp>
+      <p:sp>
+        <p:nvSpPr>
+          <p:cNvPr id="3" name="Symbol zastępczy zawartości 2">
+            <a:extLst>
+              <a:ext uri="{FF2B5EF4-FFF2-40B4-BE49-F238E27FC236}">
+                <a16:creationId xmlns:a16="http://schemas.microsoft.com/office/drawing/2014/main" id="{2AC6CDCA-DD2E-4430-A1F0-7DA56B4487F8}"/>
+              </a:ext>
+            </a:extLst>
+          </p:cNvPr>
+          <p:cNvSpPr>
+            <a:spLocks noGrp="1"/>
+          </p:cNvSpPr>
+          <p:nvPr>
+            <p:ph idx="1"/>
+          </p:nvPr>
+        </p:nvSpPr>
+        <p:spPr/>
+        <p:txBody>
+          <a:bodyPr>
+            <a:normAutofit fontScale="62500" lnSpcReduction="20000"/>
+          </a:bodyPr>
+          <a:lstStyle/>
+          <a:p>
+            <a:endParaRPr lang="pl-PL" dirty="0"/>
+          </a:p>
+          <a:p>
+            <a:pPr marL="109728" indent="0">
+              <a:buNone/>
+            </a:pPr>
+            <a:r>
+              <a:rPr lang="pl-PL" dirty="0"/>
+              <a:t>import javax.xml.xpath.*</a:t>
+            </a:r>
+          </a:p>
+          <a:p>
+            <a:pPr marL="109728" indent="0">
+              <a:buNone/>
+            </a:pPr>
+            <a:r>
+              <a:rPr lang="pl-PL" dirty="0"/>
+              <a:t>import </a:t>
+            </a:r>
+            <a:r>
+              <a:rPr lang="pl-PL" dirty="0" err="1"/>
+              <a:t>groovy.xml.StreamingMarkupBuilder</a:t>
+            </a:r>
+            <a:endParaRPr lang="pl-PL" dirty="0"/>
+          </a:p>
+          <a:p>
+            <a:pPr marL="109728" indent="0">
+              <a:buNone/>
+            </a:pPr>
+            <a:r>
+              <a:rPr lang="pl-PL" dirty="0"/>
+              <a:t>import </a:t>
+            </a:r>
+            <a:r>
+              <a:rPr lang="pl-PL" dirty="0" err="1"/>
+              <a:t>groovy.lang.Binding</a:t>
+            </a:r>
+            <a:r>
+              <a:rPr lang="pl-PL" dirty="0"/>
+              <a:t>;</a:t>
+            </a:r>
+          </a:p>
+          <a:p>
+            <a:pPr marL="109728" indent="0">
+              <a:buNone/>
+            </a:pPr>
+            <a:r>
+              <a:rPr lang="pl-PL" dirty="0"/>
+              <a:t>import </a:t>
+            </a:r>
+            <a:r>
+              <a:rPr lang="pl-PL" dirty="0" err="1"/>
+              <a:t>groovy.lang.Script</a:t>
+            </a:r>
+            <a:r>
+              <a:rPr lang="pl-PL" dirty="0"/>
+              <a:t>;</a:t>
+            </a:r>
+          </a:p>
+          <a:p>
+            <a:pPr marL="109728" indent="0">
+              <a:buNone/>
+            </a:pPr>
+            <a:r>
+              <a:rPr lang="pl-PL" dirty="0"/>
+              <a:t>def </a:t>
+            </a:r>
+            <a:r>
+              <a:rPr lang="pl-PL" dirty="0" err="1"/>
+              <a:t>util</a:t>
+            </a:r>
+            <a:r>
+              <a:rPr lang="pl-PL" dirty="0"/>
+              <a:t> = </a:t>
+            </a:r>
+            <a:r>
+              <a:rPr lang="pl-PL" dirty="0" err="1"/>
+              <a:t>new</a:t>
+            </a:r>
+            <a:r>
+              <a:rPr lang="pl-PL" dirty="0"/>
+              <a:t> </a:t>
+            </a:r>
+            <a:r>
+              <a:rPr lang="pl-PL" dirty="0" err="1"/>
+              <a:t>com.eviware.soapui.support.GroovyUtils</a:t>
+            </a:r>
+            <a:r>
+              <a:rPr lang="pl-PL" dirty="0"/>
+              <a:t>( </a:t>
+            </a:r>
+            <a:r>
+              <a:rPr lang="pl-PL" dirty="0" err="1"/>
+              <a:t>context</a:t>
+            </a:r>
+            <a:r>
+              <a:rPr lang="pl-PL" dirty="0"/>
+              <a:t> )</a:t>
+            </a:r>
+          </a:p>
+          <a:p>
+            <a:pPr marL="109728" indent="0">
+              <a:buNone/>
+            </a:pPr>
+            <a:r>
+              <a:rPr lang="pl-PL" dirty="0"/>
+              <a:t>def </a:t>
+            </a:r>
+            <a:r>
+              <a:rPr lang="pl-PL" dirty="0" err="1"/>
+              <a:t>xml</a:t>
+            </a:r>
+            <a:r>
+              <a:rPr lang="pl-PL" dirty="0"/>
+              <a:t> = </a:t>
+            </a:r>
+            <a:r>
+              <a:rPr lang="pl-PL" dirty="0" err="1"/>
+              <a:t>new</a:t>
+            </a:r>
+            <a:r>
+              <a:rPr lang="pl-PL" dirty="0"/>
+              <a:t> </a:t>
+            </a:r>
+            <a:r>
+              <a:rPr lang="pl-PL" dirty="0" err="1"/>
+              <a:t>XmlSlurper</a:t>
+            </a:r>
+            <a:r>
+              <a:rPr lang="pl-PL" dirty="0"/>
+              <a:t>().</a:t>
+            </a:r>
+            <a:r>
+              <a:rPr lang="pl-PL" dirty="0" err="1"/>
+              <a:t>parseText</a:t>
+            </a:r>
+            <a:r>
+              <a:rPr lang="pl-PL" dirty="0"/>
+              <a:t>(</a:t>
+            </a:r>
+            <a:r>
+              <a:rPr lang="pl-PL" dirty="0" err="1"/>
+              <a:t>mockRequest.requestContent</a:t>
+            </a:r>
+            <a:r>
+              <a:rPr lang="pl-PL" dirty="0"/>
+              <a:t>)</a:t>
+            </a:r>
+          </a:p>
+          <a:p>
+            <a:pPr marL="109728" indent="0">
+              <a:buNone/>
+            </a:pPr>
+            <a:r>
+              <a:rPr lang="pl-PL" dirty="0"/>
+              <a:t>def </a:t>
+            </a:r>
+            <a:r>
+              <a:rPr lang="pl-PL" dirty="0" err="1"/>
+              <a:t>name</a:t>
+            </a:r>
+            <a:r>
+              <a:rPr lang="pl-PL" dirty="0"/>
+              <a:t> = xml.Body.name</a:t>
+            </a:r>
+          </a:p>
+          <a:p>
+            <a:pPr marL="109728" indent="0">
+              <a:buNone/>
+            </a:pPr>
+            <a:r>
+              <a:rPr lang="pl-PL" dirty="0"/>
+              <a:t>def </a:t>
+            </a:r>
+            <a:r>
+              <a:rPr lang="pl-PL" dirty="0" err="1"/>
+              <a:t>str</a:t>
+            </a:r>
+            <a:r>
+              <a:rPr lang="pl-PL" dirty="0"/>
+              <a:t> = </a:t>
+            </a:r>
+            <a:r>
+              <a:rPr lang="pl-PL" dirty="0" err="1"/>
+              <a:t>name.toString</a:t>
+            </a:r>
+            <a:r>
+              <a:rPr lang="pl-PL" dirty="0"/>
+              <a:t>() </a:t>
+            </a:r>
+          </a:p>
+          <a:p>
+            <a:pPr marL="109728" indent="0">
+              <a:buNone/>
+            </a:pPr>
+            <a:r>
+              <a:rPr lang="pl-PL" dirty="0"/>
+              <a:t>log.info </a:t>
+            </a:r>
+            <a:r>
+              <a:rPr lang="pl-PL" dirty="0" err="1"/>
+              <a:t>str</a:t>
+            </a:r>
+            <a:endParaRPr lang="pl-PL" dirty="0"/>
+          </a:p>
+          <a:p>
+            <a:pPr marL="109728" indent="0">
+              <a:buNone/>
+            </a:pPr>
+            <a:r>
+              <a:rPr lang="pl-PL" dirty="0" err="1"/>
+              <a:t>if</a:t>
+            </a:r>
+            <a:r>
+              <a:rPr lang="pl-PL" dirty="0"/>
+              <a:t>(</a:t>
+            </a:r>
+            <a:r>
+              <a:rPr lang="pl-PL" dirty="0" err="1"/>
+              <a:t>str</a:t>
+            </a:r>
+            <a:r>
+              <a:rPr lang="pl-PL" dirty="0"/>
+              <a:t> == "Porsche")</a:t>
+            </a:r>
+          </a:p>
+          <a:p>
+            <a:pPr marL="109728" indent="0">
+              <a:buNone/>
+            </a:pPr>
+            <a:r>
+              <a:rPr lang="pl-PL" dirty="0"/>
+              <a:t>{</a:t>
+            </a:r>
+          </a:p>
+          <a:p>
+            <a:pPr marL="109728" indent="0">
+              <a:buNone/>
+            </a:pPr>
+            <a:r>
+              <a:rPr lang="pl-PL" dirty="0"/>
+              <a:t>return "</a:t>
+            </a:r>
+            <a:r>
+              <a:rPr lang="pl-PL" dirty="0" err="1"/>
+              <a:t>another</a:t>
+            </a:r>
+            <a:r>
+              <a:rPr lang="pl-PL" dirty="0"/>
+              <a:t> one </a:t>
+            </a:r>
+            <a:r>
+              <a:rPr lang="pl-PL" dirty="0" err="1"/>
+              <a:t>really</a:t>
+            </a:r>
+            <a:r>
+              <a:rPr lang="pl-PL" dirty="0"/>
+              <a:t>"</a:t>
+            </a:r>
+          </a:p>
+          <a:p>
+            <a:pPr marL="109728" indent="0">
+              <a:buNone/>
+            </a:pPr>
+            <a:r>
+              <a:rPr lang="pl-PL" dirty="0"/>
+              <a:t>}</a:t>
+            </a:r>
+          </a:p>
+          <a:p>
+            <a:pPr marL="109728" indent="0">
+              <a:buNone/>
+            </a:pPr>
+            <a:r>
+              <a:rPr lang="pl-PL" dirty="0" err="1"/>
+              <a:t>else</a:t>
+            </a:r>
+            <a:r>
+              <a:rPr lang="pl-PL" dirty="0"/>
+              <a:t> </a:t>
+            </a:r>
+          </a:p>
+          <a:p>
+            <a:pPr marL="109728" indent="0">
+              <a:buNone/>
+            </a:pPr>
+            <a:r>
+              <a:rPr lang="pl-PL" dirty="0"/>
+              <a:t>{ return "</a:t>
+            </a:r>
+            <a:r>
+              <a:rPr lang="pl-PL" dirty="0" err="1"/>
+              <a:t>added</a:t>
+            </a:r>
+            <a:r>
+              <a:rPr lang="pl-PL" dirty="0"/>
+              <a:t> </a:t>
+            </a:r>
+            <a:r>
+              <a:rPr lang="pl-PL" dirty="0" err="1"/>
+              <a:t>Success</a:t>
+            </a:r>
+            <a:r>
+              <a:rPr lang="pl-PL" dirty="0"/>
+              <a:t>"}</a:t>
+            </a:r>
+          </a:p>
+          <a:p>
+            <a:endParaRPr lang="pl-PL" dirty="0"/>
+          </a:p>
+        </p:txBody>
+      </p:sp>
+    </p:spTree>
+    <p:extLst>
+      <p:ext uri="{BB962C8B-B14F-4D97-AF65-F5344CB8AC3E}">
+        <p14:creationId xmlns:p14="http://schemas.microsoft.com/office/powerpoint/2010/main" val="983381544"/>
+      </p:ext>
+    </p:extLst>
+  </p:cSld>
+  <p:clrMapOvr>
+    <a:masterClrMapping/>
+  </p:clrMapOvr>
+  <p:transition spd="med">
+    <p:fade/>
+  </p:transition>
+</p:sld>
+</file>
+
+<file path=ppt/slides/slide61.xml><?xml version="1.0" encoding="utf-8"?>
+<p:sld xmlns:a="http://schemas.openxmlformats.org/drawingml/2006/main" xmlns:r="http://schemas.openxmlformats.org/officeDocument/2006/relationships" xmlns:p="http://schemas.openxmlformats.org/presentationml/2006/main">
+  <p:cSld>
+    <p:spTree>
+      <p:nvGrpSpPr>
+        <p:cNvPr id="1" name=""/>
+        <p:cNvGrpSpPr/>
+        <p:nvPr/>
+      </p:nvGrpSpPr>
+      <p:grpSpPr>
+        <a:xfrm>
+          <a:off x="0" y="0"/>
+          <a:ext cx="0" cy="0"/>
+          <a:chOff x="0" y="0"/>
+          <a:chExt cx="0" cy="0"/>
+        </a:xfrm>
+      </p:grpSpPr>
+      <p:sp>
+        <p:nvSpPr>
+          <p:cNvPr id="2" name="Tytuł 1">
+            <a:extLst>
+              <a:ext uri="{FF2B5EF4-FFF2-40B4-BE49-F238E27FC236}">
+                <a16:creationId xmlns:a16="http://schemas.microsoft.com/office/drawing/2014/main" id="{73B83322-380B-44E2-9F90-1C11E83A6E79}"/>
+              </a:ext>
+            </a:extLst>
+          </p:cNvPr>
+          <p:cNvSpPr>
+            <a:spLocks noGrp="1"/>
+          </p:cNvSpPr>
+          <p:nvPr>
+            <p:ph type="title"/>
+          </p:nvPr>
+        </p:nvSpPr>
+        <p:spPr>
+          <a:xfrm>
+            <a:off x="609603" y="1143000"/>
+            <a:ext cx="10972800" cy="1066803"/>
+          </a:xfrm>
+        </p:spPr>
+        <p:txBody>
+          <a:bodyPr/>
+          <a:lstStyle/>
+          <a:p>
+            <a:r>
+              <a:rPr lang="pl-PL" dirty="0" err="1"/>
+              <a:t>Enviroments</a:t>
+            </a:r>
+            <a:endParaRPr lang="pl-PL" dirty="0"/>
+          </a:p>
+        </p:txBody>
+      </p:sp>
+      <p:sp>
+        <p:nvSpPr>
+          <p:cNvPr id="3" name="Symbol zastępczy zawartości 2">
+            <a:extLst>
+              <a:ext uri="{FF2B5EF4-FFF2-40B4-BE49-F238E27FC236}">
+                <a16:creationId xmlns:a16="http://schemas.microsoft.com/office/drawing/2014/main" id="{06AAF719-760A-4E26-9010-69ED2E11F98C}"/>
+              </a:ext>
+            </a:extLst>
+          </p:cNvPr>
+          <p:cNvSpPr>
+            <a:spLocks noGrp="1"/>
+          </p:cNvSpPr>
+          <p:nvPr>
+            <p:ph idx="1"/>
+          </p:nvPr>
+        </p:nvSpPr>
+        <p:spPr>
+          <a:xfrm>
+            <a:off x="609603" y="2249424"/>
+            <a:ext cx="10972800" cy="4325112"/>
+          </a:xfrm>
+        </p:spPr>
+        <p:txBody>
+          <a:bodyPr/>
+          <a:lstStyle/>
+          <a:p>
+            <a:r>
+              <a:rPr lang="pl-PL" dirty="0" err="1"/>
+              <a:t>Add</a:t>
+            </a:r>
+            <a:r>
+              <a:rPr lang="pl-PL" dirty="0"/>
+              <a:t> folder and file </a:t>
+            </a:r>
+          </a:p>
+          <a:p>
+            <a:pPr lvl="1"/>
+            <a:r>
+              <a:rPr lang="pl-PL" dirty="0" err="1"/>
+              <a:t>config</a:t>
+            </a:r>
+            <a:r>
+              <a:rPr lang="pl-PL" dirty="0"/>
+              <a:t>/config.ini</a:t>
+            </a:r>
+          </a:p>
+          <a:p>
+            <a:pPr lvl="1"/>
+            <a:r>
+              <a:rPr lang="pl-PL" dirty="0" err="1"/>
+              <a:t>endpoint</a:t>
+            </a:r>
+            <a:r>
+              <a:rPr lang="pl-PL" dirty="0"/>
+              <a:t> = </a:t>
+            </a:r>
+            <a:r>
+              <a:rPr lang="pl-PL" dirty="0" err="1"/>
+              <a:t>endpoint:port</a:t>
+            </a:r>
+            <a:endParaRPr lang="pl-PL" dirty="0"/>
+          </a:p>
+          <a:p>
+            <a:r>
+              <a:rPr lang="pl-PL" dirty="0"/>
+              <a:t>Project -&gt; </a:t>
+            </a:r>
+            <a:r>
+              <a:rPr lang="pl-PL" dirty="0" err="1"/>
+              <a:t>Load</a:t>
+            </a:r>
+            <a:r>
+              <a:rPr lang="pl-PL" dirty="0"/>
+              <a:t> </a:t>
+            </a:r>
+            <a:r>
+              <a:rPr lang="pl-PL" dirty="0" err="1"/>
+              <a:t>Script</a:t>
+            </a:r>
+            <a:endParaRPr lang="pl-PL" dirty="0"/>
+          </a:p>
+        </p:txBody>
+      </p:sp>
+    </p:spTree>
+    <p:extLst>
+      <p:ext uri="{BB962C8B-B14F-4D97-AF65-F5344CB8AC3E}">
+        <p14:creationId xmlns:p14="http://schemas.microsoft.com/office/powerpoint/2010/main" val="1564254710"/>
+      </p:ext>
+    </p:extLst>
+  </p:cSld>
+  <p:clrMapOvr>
+    <a:masterClrMapping/>
+  </p:clrMapOvr>
+  <p:transition spd="med">
+    <p:fade/>
+  </p:transition>
+</p:sld>
+</file>
+
+<file path=ppt/slides/slide62.xml><?xml version="1.0" encoding="utf-8"?>
 <p:sld xmlns:a="http://schemas.openxmlformats.org/drawingml/2006/main" xmlns:r="http://schemas.openxmlformats.org/officeDocument/2006/relationships" xmlns:p="http://schemas.openxmlformats.org/presentationml/2006/main">
   <p:cSld>
     <p:bg>
@@ -19824,7 +20317,7 @@
 </p:sld>
 </file>
 
-<file path=ppt/slides/slide61.xml><?xml version="1.0" encoding="utf-8"?>
+<file path=ppt/slides/slide63.xml><?xml version="1.0" encoding="utf-8"?>
 <p:sld xmlns:a="http://schemas.openxmlformats.org/drawingml/2006/main" xmlns:r="http://schemas.openxmlformats.org/officeDocument/2006/relationships" xmlns:p="http://schemas.openxmlformats.org/presentationml/2006/main">
   <p:cSld>
     <p:spTree>
@@ -20276,7 +20769,7 @@
 </p:sld>
 </file>
 
-<file path=ppt/slides/slide62.xml><?xml version="1.0" encoding="utf-8"?>
+<file path=ppt/slides/slide64.xml><?xml version="1.0" encoding="utf-8"?>
 <p:sld xmlns:a="http://schemas.openxmlformats.org/drawingml/2006/main" xmlns:r="http://schemas.openxmlformats.org/officeDocument/2006/relationships" xmlns:p="http://schemas.openxmlformats.org/presentationml/2006/main">
   <p:cSld>
     <p:spTree>
@@ -20408,7 +20901,7 @@
 </p:sld>
 </file>
 
-<file path=ppt/slides/slide63.xml><?xml version="1.0" encoding="utf-8"?>
+<file path=ppt/slides/slide65.xml><?xml version="1.0" encoding="utf-8"?>
 <p:sld xmlns:a="http://schemas.openxmlformats.org/drawingml/2006/main" xmlns:r="http://schemas.openxmlformats.org/officeDocument/2006/relationships" xmlns:p="http://schemas.openxmlformats.org/presentationml/2006/main">
   <p:cSld>
     <p:spTree>
@@ -20589,7 +21082,7 @@
 </p:sld>
 </file>
 
-<file path=ppt/slides/slide64.xml><?xml version="1.0" encoding="utf-8"?>
+<file path=ppt/slides/slide66.xml><?xml version="1.0" encoding="utf-8"?>
 <p:sld xmlns:a="http://schemas.openxmlformats.org/drawingml/2006/main" xmlns:r="http://schemas.openxmlformats.org/officeDocument/2006/relationships" xmlns:p="http://schemas.openxmlformats.org/presentationml/2006/main">
   <p:cSld>
     <p:spTree>
@@ -20786,7 +21279,7 @@
 </p:sld>
 </file>
 
-<file path=ppt/slides/slide65.xml><?xml version="1.0" encoding="utf-8"?>
+<file path=ppt/slides/slide67.xml><?xml version="1.0" encoding="utf-8"?>
 <p:sld xmlns:a="http://schemas.openxmlformats.org/drawingml/2006/main" xmlns:r="http://schemas.openxmlformats.org/officeDocument/2006/relationships" xmlns:p="http://schemas.openxmlformats.org/presentationml/2006/main">
   <p:cSld>
     <p:spTree>
@@ -20919,7 +21412,7 @@
 </p:sld>
 </file>
 
-<file path=ppt/slides/slide66.xml><?xml version="1.0" encoding="utf-8"?>
+<file path=ppt/slides/slide68.xml><?xml version="1.0" encoding="utf-8"?>
 <p:sld xmlns:a="http://schemas.openxmlformats.org/drawingml/2006/main" xmlns:r="http://schemas.openxmlformats.org/officeDocument/2006/relationships" xmlns:p="http://schemas.openxmlformats.org/presentationml/2006/main">
   <p:cSld>
     <p:spTree>
@@ -21049,7 +21542,7 @@
 </p:sld>
 </file>
 
-<file path=ppt/slides/slide67.xml><?xml version="1.0" encoding="utf-8"?>
+<file path=ppt/slides/slide69.xml><?xml version="1.0" encoding="utf-8"?>
 <p:sld xmlns:a="http://schemas.openxmlformats.org/drawingml/2006/main" xmlns:r="http://schemas.openxmlformats.org/officeDocument/2006/relationships" xmlns:p="http://schemas.openxmlformats.org/presentationml/2006/main">
   <p:cSld>
     <p:spTree>
@@ -21151,7 +21644,128 @@
 </p:sld>
 </file>
 
-<file path=ppt/slides/slide68.xml><?xml version="1.0" encoding="utf-8"?>
+<file path=ppt/slides/slide7.xml><?xml version="1.0" encoding="utf-8"?>
+<p:sld xmlns:a="http://schemas.openxmlformats.org/drawingml/2006/main" xmlns:r="http://schemas.openxmlformats.org/officeDocument/2006/relationships" xmlns:p="http://schemas.openxmlformats.org/presentationml/2006/main">
+  <p:cSld name="Slide19">
+    <p:spTree>
+      <p:nvGrpSpPr>
+        <p:cNvPr id="1" name=""/>
+        <p:cNvGrpSpPr/>
+        <p:nvPr/>
+      </p:nvGrpSpPr>
+      <p:grpSpPr>
+        <a:xfrm>
+          <a:off x="0" y="0"/>
+          <a:ext cx="0" cy="0"/>
+          <a:chOff x="0" y="0"/>
+          <a:chExt cx="0" cy="0"/>
+        </a:xfrm>
+      </p:grpSpPr>
+      <p:sp>
+        <p:nvSpPr>
+          <p:cNvPr id="2" name="Tytuł 1">
+            <a:extLst>
+              <a:ext uri="{FF2B5EF4-FFF2-40B4-BE49-F238E27FC236}">
+                <a16:creationId xmlns:a16="http://schemas.microsoft.com/office/drawing/2014/main" id="{D29EDF65-2A8C-471B-B56A-332AFAE8591A}"/>
+              </a:ext>
+            </a:extLst>
+          </p:cNvPr>
+          <p:cNvSpPr txBox="1">
+            <a:spLocks noGrp="1"/>
+          </p:cNvSpPr>
+          <p:nvPr>
+            <p:ph type="title"/>
+          </p:nvPr>
+        </p:nvSpPr>
+        <p:spPr/>
+        <p:txBody>
+          <a:bodyPr/>
+          <a:lstStyle/>
+          <a:p>
+            <a:pPr lvl="0"/>
+            <a:r>
+              <a:rPr lang="pl-PL"/>
+              <a:t>SOA - Service Oriented Architecture </a:t>
+            </a:r>
+          </a:p>
+        </p:txBody>
+      </p:sp>
+      <p:sp>
+        <p:nvSpPr>
+          <p:cNvPr id="3" name="Symbol zastępczy zawartości 2">
+            <a:extLst>
+              <a:ext uri="{FF2B5EF4-FFF2-40B4-BE49-F238E27FC236}">
+                <a16:creationId xmlns:a16="http://schemas.microsoft.com/office/drawing/2014/main" id="{1F59F111-DDEB-4042-B191-4C3D30ADA307}"/>
+              </a:ext>
+            </a:extLst>
+          </p:cNvPr>
+          <p:cNvSpPr txBox="1">
+            <a:spLocks noGrp="1"/>
+          </p:cNvSpPr>
+          <p:nvPr>
+            <p:ph idx="1"/>
+          </p:nvPr>
+        </p:nvSpPr>
+        <p:spPr/>
+        <p:txBody>
+          <a:bodyPr/>
+          <a:lstStyle/>
+          <a:p>
+            <a:pPr lvl="0"/>
+            <a:r>
+              <a:rPr lang="pl-PL"/>
+              <a:t>architektura zorientowana na serwisy</a:t>
+            </a:r>
+          </a:p>
+          <a:p>
+            <a:pPr lvl="0"/>
+            <a:r>
+              <a:rPr lang="pl-PL"/>
+              <a:t>może być używana niezależnie od innych</a:t>
+            </a:r>
+          </a:p>
+          <a:p>
+            <a:pPr lvl="0"/>
+            <a:r>
+              <a:rPr lang="pl-PL"/>
+              <a:t>usługi są dostępne w sieci</a:t>
+            </a:r>
+          </a:p>
+          <a:p>
+            <a:pPr lvl="0"/>
+            <a:r>
+              <a:rPr lang="pl-PL"/>
+              <a:t>wiedza o interface, a nie o implementacji usługi</a:t>
+            </a:r>
+          </a:p>
+          <a:p>
+            <a:pPr lvl="0"/>
+            <a:r>
+              <a:rPr lang="pl-PL"/>
+              <a:t>niezależne od języka i systemu operacyjnego</a:t>
+            </a:r>
+          </a:p>
+          <a:p>
+            <a:pPr lvl="0"/>
+            <a:r>
+              <a:rPr lang="pl-PL"/>
+              <a:t>możliwe połącznia wiele do wiele (brak spójności możliwy)</a:t>
+            </a:r>
+          </a:p>
+        </p:txBody>
+      </p:sp>
+    </p:spTree>
+  </p:cSld>
+  <p:clrMapOvr>
+    <a:masterClrMapping/>
+  </p:clrMapOvr>
+  <p:transition spd="med">
+    <p:fade/>
+  </p:transition>
+</p:sld>
+</file>
+
+<file path=ppt/slides/slide70.xml><?xml version="1.0" encoding="utf-8"?>
 <p:sld xmlns:a="http://schemas.openxmlformats.org/drawingml/2006/main" xmlns:r="http://schemas.openxmlformats.org/officeDocument/2006/relationships" xmlns:p="http://schemas.openxmlformats.org/presentationml/2006/main">
   <p:cSld>
     <p:spTree>
@@ -21249,7 +21863,7 @@
 </p:sld>
 </file>
 
-<file path=ppt/slides/slide69.xml><?xml version="1.0" encoding="utf-8"?>
+<file path=ppt/slides/slide71.xml><?xml version="1.0" encoding="utf-8"?>
 <p:sld xmlns:a="http://schemas.openxmlformats.org/drawingml/2006/main" xmlns:r="http://schemas.openxmlformats.org/officeDocument/2006/relationships" xmlns:p="http://schemas.openxmlformats.org/presentationml/2006/main">
   <p:cSld>
     <p:spTree>
@@ -21407,128 +22021,7 @@
 </p:sld>
 </file>
 
-<file path=ppt/slides/slide7.xml><?xml version="1.0" encoding="utf-8"?>
-<p:sld xmlns:a="http://schemas.openxmlformats.org/drawingml/2006/main" xmlns:r="http://schemas.openxmlformats.org/officeDocument/2006/relationships" xmlns:p="http://schemas.openxmlformats.org/presentationml/2006/main">
-  <p:cSld name="Slide19">
-    <p:spTree>
-      <p:nvGrpSpPr>
-        <p:cNvPr id="1" name=""/>
-        <p:cNvGrpSpPr/>
-        <p:nvPr/>
-      </p:nvGrpSpPr>
-      <p:grpSpPr>
-        <a:xfrm>
-          <a:off x="0" y="0"/>
-          <a:ext cx="0" cy="0"/>
-          <a:chOff x="0" y="0"/>
-          <a:chExt cx="0" cy="0"/>
-        </a:xfrm>
-      </p:grpSpPr>
-      <p:sp>
-        <p:nvSpPr>
-          <p:cNvPr id="2" name="Tytuł 1">
-            <a:extLst>
-              <a:ext uri="{FF2B5EF4-FFF2-40B4-BE49-F238E27FC236}">
-                <a16:creationId xmlns:a16="http://schemas.microsoft.com/office/drawing/2014/main" id="{D29EDF65-2A8C-471B-B56A-332AFAE8591A}"/>
-              </a:ext>
-            </a:extLst>
-          </p:cNvPr>
-          <p:cNvSpPr txBox="1">
-            <a:spLocks noGrp="1"/>
-          </p:cNvSpPr>
-          <p:nvPr>
-            <p:ph type="title"/>
-          </p:nvPr>
-        </p:nvSpPr>
-        <p:spPr/>
-        <p:txBody>
-          <a:bodyPr/>
-          <a:lstStyle/>
-          <a:p>
-            <a:pPr lvl="0"/>
-            <a:r>
-              <a:rPr lang="pl-PL"/>
-              <a:t>SOA - Service Oriented Architecture </a:t>
-            </a:r>
-          </a:p>
-        </p:txBody>
-      </p:sp>
-      <p:sp>
-        <p:nvSpPr>
-          <p:cNvPr id="3" name="Symbol zastępczy zawartości 2">
-            <a:extLst>
-              <a:ext uri="{FF2B5EF4-FFF2-40B4-BE49-F238E27FC236}">
-                <a16:creationId xmlns:a16="http://schemas.microsoft.com/office/drawing/2014/main" id="{1F59F111-DDEB-4042-B191-4C3D30ADA307}"/>
-              </a:ext>
-            </a:extLst>
-          </p:cNvPr>
-          <p:cNvSpPr txBox="1">
-            <a:spLocks noGrp="1"/>
-          </p:cNvSpPr>
-          <p:nvPr>
-            <p:ph idx="1"/>
-          </p:nvPr>
-        </p:nvSpPr>
-        <p:spPr/>
-        <p:txBody>
-          <a:bodyPr/>
-          <a:lstStyle/>
-          <a:p>
-            <a:pPr lvl="0"/>
-            <a:r>
-              <a:rPr lang="pl-PL"/>
-              <a:t>architektura zorientowana na serwisy</a:t>
-            </a:r>
-          </a:p>
-          <a:p>
-            <a:pPr lvl="0"/>
-            <a:r>
-              <a:rPr lang="pl-PL"/>
-              <a:t>może być używana niezależnie od innych</a:t>
-            </a:r>
-          </a:p>
-          <a:p>
-            <a:pPr lvl="0"/>
-            <a:r>
-              <a:rPr lang="pl-PL"/>
-              <a:t>usługi są dostępne w sieci</a:t>
-            </a:r>
-          </a:p>
-          <a:p>
-            <a:pPr lvl="0"/>
-            <a:r>
-              <a:rPr lang="pl-PL"/>
-              <a:t>wiedza o interface, a nie o implementacji usługi</a:t>
-            </a:r>
-          </a:p>
-          <a:p>
-            <a:pPr lvl="0"/>
-            <a:r>
-              <a:rPr lang="pl-PL"/>
-              <a:t>niezależne od języka i systemu operacyjnego</a:t>
-            </a:r>
-          </a:p>
-          <a:p>
-            <a:pPr lvl="0"/>
-            <a:r>
-              <a:rPr lang="pl-PL"/>
-              <a:t>możliwe połącznia wiele do wiele (brak spójności możliwy)</a:t>
-            </a:r>
-          </a:p>
-        </p:txBody>
-      </p:sp>
-    </p:spTree>
-  </p:cSld>
-  <p:clrMapOvr>
-    <a:masterClrMapping/>
-  </p:clrMapOvr>
-  <p:transition spd="med">
-    <p:fade/>
-  </p:transition>
-</p:sld>
-</file>
-
-<file path=ppt/slides/slide70.xml><?xml version="1.0" encoding="utf-8"?>
+<file path=ppt/slides/slide72.xml><?xml version="1.0" encoding="utf-8"?>
 <p:sld xmlns:a="http://schemas.openxmlformats.org/drawingml/2006/main" xmlns:r="http://schemas.openxmlformats.org/officeDocument/2006/relationships" xmlns:p="http://schemas.openxmlformats.org/presentationml/2006/main">
   <p:cSld>
     <p:spTree>
@@ -21921,7 +22414,7 @@
 </p:sld>
 </file>
 
-<file path=ppt/slides/slide71.xml><?xml version="1.0" encoding="utf-8"?>
+<file path=ppt/slides/slide73.xml><?xml version="1.0" encoding="utf-8"?>
 <p:sld xmlns:a="http://schemas.openxmlformats.org/drawingml/2006/main" xmlns:r="http://schemas.openxmlformats.org/officeDocument/2006/relationships" xmlns:p="http://schemas.openxmlformats.org/presentationml/2006/main">
   <p:cSld>
     <p:spTree>
@@ -23169,6 +23662,12 @@
 </file>
 
 <file path=customXml/item1.xml><?xml version="1.0" encoding="utf-8"?>
+<p:properties xmlns:p="http://schemas.microsoft.com/office/2006/metadata/properties" xmlns:xsi="http://www.w3.org/2001/XMLSchema-instance" xmlns:pc="http://schemas.microsoft.com/office/infopath/2007/PartnerControls">
+  <documentManagement/>
+</p:properties>
+</file>
+
+<file path=customXml/item2.xml><?xml version="1.0" encoding="utf-8"?>
 <?mso-contentType ?>
 <FormTemplates xmlns="http://schemas.microsoft.com/sharepoint/v3/contenttype/forms">
   <Display>DocumentLibraryForm</Display>
@@ -23177,7 +23676,7 @@
 </FormTemplates>
 </file>
 
-<file path=customXml/item2.xml><?xml version="1.0" encoding="utf-8"?>
+<file path=customXml/item3.xml><?xml version="1.0" encoding="utf-8"?>
 <ct:contentTypeSchema xmlns:ct="http://schemas.microsoft.com/office/2006/metadata/contentType" xmlns:ma="http://schemas.microsoft.com/office/2006/metadata/properties/metaAttributes" ct:_="" ma:_="" ma:contentTypeName="Document" ma:contentTypeID="0x0101006F023BDACA3DDC49A522A4D1A545F8F3" ma:contentTypeVersion="9" ma:contentTypeDescription="Create a new document." ma:contentTypeScope="" ma:versionID="78649b871bb0333c0b53de11a7860af3">
   <xsd:schema xmlns:xsd="http://www.w3.org/2001/XMLSchema" xmlns:xs="http://www.w3.org/2001/XMLSchema" xmlns:p="http://schemas.microsoft.com/office/2006/metadata/properties" xmlns:ns3="30fc37dd-432d-48ed-b040-77204e7c7237" xmlns:ns4="4020c2d6-03b9-462c-8456-613ba2d4f50c" targetNamespace="http://schemas.microsoft.com/office/2006/metadata/properties" ma:root="true" ma:fieldsID="fe33dca6f93582f25e42088297bf5243" ns3:_="" ns4:_="">
     <xsd:import namespace="30fc37dd-432d-48ed-b040-77204e7c7237"/>
@@ -23374,13 +23873,24 @@
 </ct:contentTypeSchema>
 </file>
 
-<file path=customXml/item3.xml><?xml version="1.0" encoding="utf-8"?>
-<p:properties xmlns:p="http://schemas.microsoft.com/office/2006/metadata/properties" xmlns:xsi="http://www.w3.org/2001/XMLSchema-instance" xmlns:pc="http://schemas.microsoft.com/office/infopath/2007/PartnerControls">
-  <documentManagement/>
-</p:properties>
+<file path=customXml/itemProps1.xml><?xml version="1.0" encoding="utf-8"?>
+<ds:datastoreItem xmlns:ds="http://schemas.openxmlformats.org/officeDocument/2006/customXml" ds:itemID="{7EDFB94C-63F9-44A7-86D5-3647CEC1F192}">
+  <ds:schemaRefs>
+    <ds:schemaRef ds:uri="http://schemas.openxmlformats.org/package/2006/metadata/core-properties"/>
+    <ds:schemaRef ds:uri="30fc37dd-432d-48ed-b040-77204e7c7237"/>
+    <ds:schemaRef ds:uri="http://www.w3.org/XML/1998/namespace"/>
+    <ds:schemaRef ds:uri="http://schemas.microsoft.com/office/2006/documentManagement/types"/>
+    <ds:schemaRef ds:uri="4020c2d6-03b9-462c-8456-613ba2d4f50c"/>
+    <ds:schemaRef ds:uri="http://purl.org/dc/dcmitype/"/>
+    <ds:schemaRef ds:uri="http://purl.org/dc/elements/1.1/"/>
+    <ds:schemaRef ds:uri="http://purl.org/dc/terms/"/>
+    <ds:schemaRef ds:uri="http://schemas.microsoft.com/office/infopath/2007/PartnerControls"/>
+    <ds:schemaRef ds:uri="http://schemas.microsoft.com/office/2006/metadata/properties"/>
+  </ds:schemaRefs>
+</ds:datastoreItem>
 </file>
 
-<file path=customXml/itemProps1.xml><?xml version="1.0" encoding="utf-8"?>
+<file path=customXml/itemProps2.xml><?xml version="1.0" encoding="utf-8"?>
 <ds:datastoreItem xmlns:ds="http://schemas.openxmlformats.org/officeDocument/2006/customXml" ds:itemID="{8FC8895E-3DB7-45E7-90F7-94C4C0637153}">
   <ds:schemaRefs>
     <ds:schemaRef ds:uri="http://schemas.microsoft.com/sharepoint/v3/contenttype/forms"/>
@@ -23388,7 +23898,7 @@
 </ds:datastoreItem>
 </file>
 
-<file path=customXml/itemProps2.xml><?xml version="1.0" encoding="utf-8"?>
+<file path=customXml/itemProps3.xml><?xml version="1.0" encoding="utf-8"?>
 <ds:datastoreItem xmlns:ds="http://schemas.openxmlformats.org/officeDocument/2006/customXml" ds:itemID="{79333063-F726-4573-A0DD-E92231F3B848}">
   <ds:schemaRefs>
     <ds:schemaRef ds:uri="http://schemas.microsoft.com/office/2006/metadata/contentType"/>
@@ -23405,21 +23915,4 @@
     <ds:schemaRef ds:uri="http://schemas.microsoft.com/internal/obd"/>
   </ds:schemaRefs>
 </ds:datastoreItem>
-</file>
-
-<file path=customXml/itemProps3.xml><?xml version="1.0" encoding="utf-8"?>
-<ds:datastoreItem xmlns:ds="http://schemas.openxmlformats.org/officeDocument/2006/customXml" ds:itemID="{7EDFB94C-63F9-44A7-86D5-3647CEC1F192}">
-  <ds:schemaRefs>
-    <ds:schemaRef ds:uri="http://schemas.openxmlformats.org/package/2006/metadata/core-properties"/>
-    <ds:schemaRef ds:uri="30fc37dd-432d-48ed-b040-77204e7c7237"/>
-    <ds:schemaRef ds:uri="http://www.w3.org/XML/1998/namespace"/>
-    <ds:schemaRef ds:uri="http://schemas.microsoft.com/office/2006/documentManagement/types"/>
-    <ds:schemaRef ds:uri="4020c2d6-03b9-462c-8456-613ba2d4f50c"/>
-    <ds:schemaRef ds:uri="http://purl.org/dc/dcmitype/"/>
-    <ds:schemaRef ds:uri="http://purl.org/dc/elements/1.1/"/>
-    <ds:schemaRef ds:uri="http://purl.org/dc/terms/"/>
-    <ds:schemaRef ds:uri="http://schemas.microsoft.com/office/infopath/2007/PartnerControls"/>
-    <ds:schemaRef ds:uri="http://schemas.microsoft.com/office/2006/metadata/properties"/>
-  </ds:schemaRefs>
-</ds:datastoreItem>
 </file>
--- a/Warsztat_soapUI.pptx
+++ b/Warsztat_soapUI.pptx
@@ -5,10 +5,10 @@
     <p:sldMasterId id="2147483648" r:id="rId4"/>
   </p:sldMasterIdLst>
   <p:notesMasterIdLst>
-    <p:notesMasterId r:id="rId78"/>
+    <p:notesMasterId r:id="rId77"/>
   </p:notesMasterIdLst>
   <p:handoutMasterIdLst>
-    <p:handoutMasterId r:id="rId79"/>
+    <p:handoutMasterId r:id="rId78"/>
   </p:handoutMasterIdLst>
   <p:sldIdLst>
     <p:sldId id="257" r:id="rId5"/>
@@ -69,21 +69,20 @@
     <p:sldId id="309" r:id="rId60"/>
     <p:sldId id="348" r:id="rId61"/>
     <p:sldId id="326" r:id="rId62"/>
-    <p:sldId id="324" r:id="rId63"/>
-    <p:sldId id="341" r:id="rId64"/>
-    <p:sldId id="325" r:id="rId65"/>
-    <p:sldId id="336" r:id="rId66"/>
-    <p:sldId id="297" r:id="rId67"/>
-    <p:sldId id="318" r:id="rId68"/>
-    <p:sldId id="313" r:id="rId69"/>
-    <p:sldId id="317" r:id="rId70"/>
-    <p:sldId id="327" r:id="rId71"/>
-    <p:sldId id="319" r:id="rId72"/>
-    <p:sldId id="304" r:id="rId73"/>
-    <p:sldId id="303" r:id="rId74"/>
-    <p:sldId id="331" r:id="rId75"/>
-    <p:sldId id="344" r:id="rId76"/>
-    <p:sldId id="345" r:id="rId77"/>
+    <p:sldId id="341" r:id="rId63"/>
+    <p:sldId id="325" r:id="rId64"/>
+    <p:sldId id="336" r:id="rId65"/>
+    <p:sldId id="297" r:id="rId66"/>
+    <p:sldId id="318" r:id="rId67"/>
+    <p:sldId id="313" r:id="rId68"/>
+    <p:sldId id="317" r:id="rId69"/>
+    <p:sldId id="327" r:id="rId70"/>
+    <p:sldId id="319" r:id="rId71"/>
+    <p:sldId id="304" r:id="rId72"/>
+    <p:sldId id="303" r:id="rId73"/>
+    <p:sldId id="331" r:id="rId74"/>
+    <p:sldId id="344" r:id="rId75"/>
+    <p:sldId id="345" r:id="rId76"/>
   </p:sldIdLst>
   <p:sldSz cx="12192000" cy="6858000"/>
   <p:notesSz cx="6858000" cy="9144000"/>
@@ -11339,13 +11338,21 @@
             </a:endParaRPr>
           </a:p>
           <a:p>
+            <a:pPr marL="109728" indent="0">
+              <a:buNone/>
+            </a:pPr>
             <a:r>
               <a:rPr lang="pl-PL" dirty="0">
                 <a:hlinkClick r:id="rId2"/>
               </a:rPr>
-              <a:t>https://github.com/czyzyk29/SoapUI_Workshop.git</a:t>
+              <a:t>git clone https://github.com/czyzyk29/SoapUI_Workshop.git</a:t>
             </a:r>
             <a:endParaRPr lang="pl-PL" dirty="0"/>
+          </a:p>
+          <a:p>
+            <a:endParaRPr lang="pl-PL" dirty="0">
+              <a:hlinkClick r:id="rId4"/>
+            </a:endParaRPr>
           </a:p>
           <a:p>
             <a:r>
@@ -19084,7 +19091,7 @@
           <p:cNvPr id="2" name="Tytuł 1">
             <a:extLst>
               <a:ext uri="{FF2B5EF4-FFF2-40B4-BE49-F238E27FC236}">
-                <a16:creationId xmlns:a16="http://schemas.microsoft.com/office/drawing/2014/main" id="{6151F1FD-C394-4377-A05E-516DD2B24576}"/>
+                <a16:creationId xmlns:a16="http://schemas.microsoft.com/office/drawing/2014/main" id="{76B8E1FA-BB9C-4061-8986-3A39B69CCB63}"/>
               </a:ext>
             </a:extLst>
           </p:cNvPr>
@@ -19106,7 +19113,7 @@
             </a:r>
             <a:r>
               <a:rPr lang="pl-PL" dirty="0"/>
-              <a:t> - scripts</a:t>
+              <a:t> – scripts</a:t>
             </a:r>
           </a:p>
         </p:txBody>
@@ -19116,7 +19123,7 @@
           <p:cNvPr id="3" name="Symbol zastępczy zawartości 2">
             <a:extLst>
               <a:ext uri="{FF2B5EF4-FFF2-40B4-BE49-F238E27FC236}">
-                <a16:creationId xmlns:a16="http://schemas.microsoft.com/office/drawing/2014/main" id="{3B07D327-2067-44F1-81C2-6BD120942B47}"/>
+                <a16:creationId xmlns:a16="http://schemas.microsoft.com/office/drawing/2014/main" id="{2AC6CDCA-DD2E-4430-A1F0-7DA56B4487F8}"/>
               </a:ext>
             </a:extLst>
           </p:cNvPr>
@@ -19130,56 +19137,47 @@
         <p:spPr/>
         <p:txBody>
           <a:bodyPr>
-            <a:normAutofit/>
+            <a:normAutofit fontScale="85000" lnSpcReduction="20000"/>
           </a:bodyPr>
           <a:lstStyle/>
           <a:p>
             <a:pPr marL="109728" indent="0">
               <a:buNone/>
             </a:pPr>
-            <a:r>
-              <a:rPr lang="pl-PL" dirty="0"/>
+            <a:endParaRPr lang="en-US" dirty="0"/>
+          </a:p>
+          <a:p>
+            <a:pPr marL="109728" indent="0">
+              <a:buNone/>
+            </a:pPr>
+            <a:r>
+              <a:rPr lang="en-US" dirty="0"/>
+              <a:t>// Match based on body</a:t>
+            </a:r>
+          </a:p>
+          <a:p>
+            <a:pPr marL="109728" indent="0">
+              <a:buNone/>
+            </a:pPr>
+            <a:r>
+              <a:rPr lang="en-US" dirty="0"/>
               <a:t>def </a:t>
             </a:r>
             <a:r>
-              <a:rPr lang="pl-PL" dirty="0" err="1"/>
-              <a:t>req</a:t>
-            </a:r>
-            <a:r>
-              <a:rPr lang="pl-PL" dirty="0"/>
+              <a:rPr lang="en-US" dirty="0" err="1"/>
+              <a:t>requestBody</a:t>
+            </a:r>
+            <a:r>
+              <a:rPr lang="en-US" dirty="0"/>
               <a:t> = </a:t>
             </a:r>
             <a:r>
-              <a:rPr lang="pl-PL" dirty="0" err="1"/>
-              <a:t>new</a:t>
-            </a:r>
-            <a:r>
-              <a:rPr lang="pl-PL" dirty="0"/>
-              <a:t> </a:t>
-            </a:r>
-            <a:r>
-              <a:rPr lang="pl-PL" dirty="0" err="1"/>
-              <a:t>XmlSlurper</a:t>
-            </a:r>
-            <a:r>
-              <a:rPr lang="pl-PL" dirty="0"/>
-              <a:t>().</a:t>
-            </a:r>
-            <a:r>
-              <a:rPr lang="pl-PL" dirty="0" err="1"/>
-              <a:t>parseText</a:t>
-            </a:r>
-            <a:r>
-              <a:rPr lang="pl-PL" dirty="0"/>
-              <a:t>(</a:t>
-            </a:r>
-            <a:r>
-              <a:rPr lang="pl-PL" dirty="0" err="1"/>
-              <a:t>mockRequest.requestContent</a:t>
-            </a:r>
-            <a:r>
-              <a:rPr lang="pl-PL" dirty="0"/>
-              <a:t>)</a:t>
+              <a:rPr lang="en-US" dirty="0" err="1"/>
+              <a:t>mockRequest.getRequestContent</a:t>
+            </a:r>
+            <a:r>
+              <a:rPr lang="en-US" dirty="0"/>
+              <a:t>()</a:t>
             </a:r>
           </a:p>
           <a:p>
@@ -19187,76 +19185,53 @@
               <a:buNone/>
             </a:pPr>
             <a:r>
-              <a:rPr lang="pl-PL" dirty="0"/>
-              <a:t>def </a:t>
-            </a:r>
-            <a:r>
-              <a:rPr lang="pl-PL" dirty="0" err="1"/>
-              <a:t>intA</a:t>
-            </a:r>
-            <a:r>
-              <a:rPr lang="pl-PL" dirty="0"/>
-              <a:t> = </a:t>
-            </a:r>
-            <a:r>
-              <a:rPr lang="pl-PL" dirty="0" err="1"/>
-              <a:t>req.Body.Divide.intA.toInteger</a:t>
-            </a:r>
-            <a:r>
-              <a:rPr lang="pl-PL" dirty="0"/>
-              <a:t>()</a:t>
-            </a:r>
+              <a:rPr lang="en-US" dirty="0"/>
+              <a:t>log.info "Request body: " + </a:t>
+            </a:r>
+            <a:r>
+              <a:rPr lang="en-US" dirty="0" err="1"/>
+              <a:t>requestBody</a:t>
+            </a:r>
+            <a:endParaRPr lang="en-US" dirty="0"/>
           </a:p>
           <a:p>
             <a:pPr marL="109728" indent="0">
               <a:buNone/>
             </a:pPr>
-            <a:r>
-              <a:rPr lang="pl-PL" dirty="0"/>
-              <a:t>def </a:t>
-            </a:r>
-            <a:r>
-              <a:rPr lang="pl-PL" dirty="0" err="1"/>
-              <a:t>intB</a:t>
-            </a:r>
-            <a:r>
-              <a:rPr lang="pl-PL" dirty="0"/>
-              <a:t> = </a:t>
-            </a:r>
-            <a:r>
-              <a:rPr lang="pl-PL" dirty="0" err="1"/>
-              <a:t>req.Body.Divide.intB.toInteger</a:t>
-            </a:r>
-            <a:r>
-              <a:rPr lang="pl-PL" dirty="0"/>
-              <a:t>()</a:t>
-            </a:r>
+            <a:endParaRPr lang="en-US" dirty="0"/>
           </a:p>
           <a:p>
             <a:pPr marL="109728" indent="0">
               <a:buNone/>
             </a:pPr>
-            <a:endParaRPr lang="pl-PL" dirty="0"/>
+            <a:r>
+              <a:rPr lang="en-US" dirty="0"/>
+              <a:t>if( </a:t>
+            </a:r>
+            <a:r>
+              <a:rPr lang="en-US" dirty="0" err="1"/>
+              <a:t>requestBody.contains</a:t>
+            </a:r>
+            <a:r>
+              <a:rPr lang="en-US" dirty="0"/>
+              <a:t>("</a:t>
+            </a:r>
+            <a:r>
+              <a:rPr lang="en-US" dirty="0" err="1"/>
+              <a:t>Porshe</a:t>
+            </a:r>
+            <a:r>
+              <a:rPr lang="en-US" dirty="0"/>
+              <a:t>") )</a:t>
+            </a:r>
           </a:p>
           <a:p>
             <a:pPr marL="109728" indent="0">
               <a:buNone/>
             </a:pPr>
             <a:r>
-              <a:rPr lang="pl-PL" dirty="0" err="1"/>
-              <a:t>if</a:t>
-            </a:r>
-            <a:r>
-              <a:rPr lang="pl-PL" dirty="0"/>
-              <a:t>(</a:t>
-            </a:r>
-            <a:r>
-              <a:rPr lang="pl-PL" dirty="0" err="1"/>
-              <a:t>intB</a:t>
-            </a:r>
-            <a:r>
-              <a:rPr lang="pl-PL" dirty="0"/>
-              <a:t> == 0)</a:t>
+              <a:rPr lang="en-US" dirty="0"/>
+              <a:t>{</a:t>
             </a:r>
           </a:p>
           <a:p>
@@ -19264,16 +19239,16 @@
               <a:buNone/>
             </a:pPr>
             <a:r>
-              <a:rPr lang="pl-PL" dirty="0"/>
-              <a:t>{return "</a:t>
-            </a:r>
-            <a:r>
-              <a:rPr lang="pl-PL" dirty="0" err="1"/>
-              <a:t>bad</a:t>
-            </a:r>
-            <a:r>
-              <a:rPr lang="pl-PL" dirty="0"/>
-              <a:t>"}</a:t>
+              <a:rPr lang="en-US" dirty="0"/>
+              <a:t>    </a:t>
+            </a:r>
+            <a:r>
+              <a:rPr lang="pl-PL" dirty="0"/>
+              <a:t>	</a:t>
+            </a:r>
+            <a:r>
+              <a:rPr lang="en-US" dirty="0"/>
+              <a:t>// return the name of the response you want to dispatch</a:t>
             </a:r>
           </a:p>
           <a:p>
@@ -19281,10 +19256,35 @@
               <a:buNone/>
             </a:pPr>
             <a:r>
-              <a:rPr lang="pl-PL" dirty="0" err="1"/>
+              <a:rPr lang="en-US" dirty="0"/>
+              <a:t>    </a:t>
+            </a:r>
+            <a:r>
+              <a:rPr lang="pl-PL" dirty="0"/>
+              <a:t>	</a:t>
+            </a:r>
+            <a:r>
+              <a:rPr lang="en-US" dirty="0"/>
+              <a:t>return "Response 1"</a:t>
+            </a:r>
+          </a:p>
+          <a:p>
+            <a:pPr marL="109728" indent="0">
+              <a:buNone/>
+            </a:pPr>
+            <a:r>
+              <a:rPr lang="en-US" dirty="0"/>
+              <a:t>}</a:t>
+            </a:r>
+          </a:p>
+          <a:p>
+            <a:pPr marL="109728" indent="0">
+              <a:buNone/>
+            </a:pPr>
+            <a:r>
+              <a:rPr lang="en-US" dirty="0"/>
               <a:t>else</a:t>
             </a:r>
-            <a:endParaRPr lang="pl-PL" dirty="0"/>
           </a:p>
           <a:p>
             <a:pPr marL="109728" indent="0">
@@ -19292,67 +19292,20 @@
             </a:pPr>
             <a:r>
               <a:rPr lang="pl-PL" dirty="0"/>
-              <a:t>{</a:t>
-            </a:r>
-            <a:r>
-              <a:rPr lang="pl-PL" dirty="0" err="1"/>
-              <a:t>context.result</a:t>
-            </a:r>
-            <a:r>
-              <a:rPr lang="pl-PL" dirty="0"/>
-              <a:t> = </a:t>
-            </a:r>
-            <a:r>
-              <a:rPr lang="pl-PL" dirty="0" err="1"/>
-              <a:t>intA</a:t>
-            </a:r>
-            <a:r>
-              <a:rPr lang="pl-PL" dirty="0"/>
-              <a:t> / </a:t>
-            </a:r>
-            <a:r>
-              <a:rPr lang="pl-PL" dirty="0" err="1"/>
-              <a:t>intB</a:t>
-            </a:r>
-            <a:r>
-              <a:rPr lang="pl-PL" dirty="0"/>
-              <a:t>}</a:t>
+              <a:t>	</a:t>
+            </a:r>
+            <a:r>
+              <a:rPr lang="en-US" dirty="0"/>
+              <a:t>return "Response 2"</a:t>
             </a:r>
           </a:p>
           <a:p>
             <a:pPr marL="109728" indent="0">
               <a:buNone/>
             </a:pPr>
-            <a:r>
-              <a:rPr lang="pl-PL" dirty="0"/>
-              <a:t>//{$</a:t>
-            </a:r>
-            <a:r>
-              <a:rPr lang="pl-PL" dirty="0" err="1"/>
-              <a:t>result</a:t>
-            </a:r>
-            <a:r>
-              <a:rPr lang="pl-PL" dirty="0"/>
-              <a:t>} </a:t>
-            </a:r>
-            <a:r>
-              <a:rPr lang="pl-PL" dirty="0">
-                <a:sym typeface="Wingdings" panose="05000000000000000000" pitchFamily="2" charset="2"/>
-              </a:rPr>
-              <a:t> in </a:t>
-            </a:r>
-            <a:r>
-              <a:rPr lang="pl-PL" dirty="0" err="1">
-                <a:sym typeface="Wingdings" panose="05000000000000000000" pitchFamily="2" charset="2"/>
-              </a:rPr>
-              <a:t>resp</a:t>
-            </a:r>
-            <a:endParaRPr lang="pl-PL" dirty="0"/>
-          </a:p>
-          <a:p>
-            <a:pPr marL="109728" indent="0">
-              <a:buNone/>
-            </a:pPr>
+            <a:endParaRPr lang="en-US" dirty="0"/>
+          </a:p>
+          <a:p>
             <a:endParaRPr lang="pl-PL" dirty="0"/>
           </a:p>
         </p:txBody>
@@ -19360,7 +19313,7 @@
     </p:spTree>
     <p:extLst>
       <p:ext uri="{BB962C8B-B14F-4D97-AF65-F5344CB8AC3E}">
-        <p14:creationId xmlns:p14="http://schemas.microsoft.com/office/powerpoint/2010/main" val="3836866013"/>
+        <p14:creationId xmlns:p14="http://schemas.microsoft.com/office/powerpoint/2010/main" val="983381544"/>
       </p:ext>
     </p:extLst>
   </p:cSld>
@@ -19510,406 +19463,6 @@
           <p:cNvPr id="2" name="Tytuł 1">
             <a:extLst>
               <a:ext uri="{FF2B5EF4-FFF2-40B4-BE49-F238E27FC236}">
-                <a16:creationId xmlns:a16="http://schemas.microsoft.com/office/drawing/2014/main" id="{76B8E1FA-BB9C-4061-8986-3A39B69CCB63}"/>
-              </a:ext>
-            </a:extLst>
-          </p:cNvPr>
-          <p:cNvSpPr>
-            <a:spLocks noGrp="1"/>
-          </p:cNvSpPr>
-          <p:nvPr>
-            <p:ph type="title"/>
-          </p:nvPr>
-        </p:nvSpPr>
-        <p:spPr/>
-        <p:txBody>
-          <a:bodyPr/>
-          <a:lstStyle/>
-          <a:p>
-            <a:r>
-              <a:rPr lang="pl-PL" dirty="0" err="1"/>
-              <a:t>Mocks</a:t>
-            </a:r>
-            <a:r>
-              <a:rPr lang="pl-PL" dirty="0"/>
-              <a:t> – scripts sprawdź!?</a:t>
-            </a:r>
-          </a:p>
-        </p:txBody>
-      </p:sp>
-      <p:sp>
-        <p:nvSpPr>
-          <p:cNvPr id="3" name="Symbol zastępczy zawartości 2">
-            <a:extLst>
-              <a:ext uri="{FF2B5EF4-FFF2-40B4-BE49-F238E27FC236}">
-                <a16:creationId xmlns:a16="http://schemas.microsoft.com/office/drawing/2014/main" id="{2AC6CDCA-DD2E-4430-A1F0-7DA56B4487F8}"/>
-              </a:ext>
-            </a:extLst>
-          </p:cNvPr>
-          <p:cNvSpPr>
-            <a:spLocks noGrp="1"/>
-          </p:cNvSpPr>
-          <p:nvPr>
-            <p:ph idx="1"/>
-          </p:nvPr>
-        </p:nvSpPr>
-        <p:spPr/>
-        <p:txBody>
-          <a:bodyPr>
-            <a:normAutofit fontScale="62500" lnSpcReduction="20000"/>
-          </a:bodyPr>
-          <a:lstStyle/>
-          <a:p>
-            <a:endParaRPr lang="pl-PL" dirty="0"/>
-          </a:p>
-          <a:p>
-            <a:pPr marL="109728" indent="0">
-              <a:buNone/>
-            </a:pPr>
-            <a:r>
-              <a:rPr lang="pl-PL" dirty="0"/>
-              <a:t>import javax.xml.xpath.*</a:t>
-            </a:r>
-          </a:p>
-          <a:p>
-            <a:pPr marL="109728" indent="0">
-              <a:buNone/>
-            </a:pPr>
-            <a:r>
-              <a:rPr lang="pl-PL" dirty="0"/>
-              <a:t>import </a:t>
-            </a:r>
-            <a:r>
-              <a:rPr lang="pl-PL" dirty="0" err="1"/>
-              <a:t>groovy.xml.StreamingMarkupBuilder</a:t>
-            </a:r>
-            <a:endParaRPr lang="pl-PL" dirty="0"/>
-          </a:p>
-          <a:p>
-            <a:pPr marL="109728" indent="0">
-              <a:buNone/>
-            </a:pPr>
-            <a:r>
-              <a:rPr lang="pl-PL" dirty="0"/>
-              <a:t>import </a:t>
-            </a:r>
-            <a:r>
-              <a:rPr lang="pl-PL" dirty="0" err="1"/>
-              <a:t>groovy.lang.Binding</a:t>
-            </a:r>
-            <a:r>
-              <a:rPr lang="pl-PL" dirty="0"/>
-              <a:t>;</a:t>
-            </a:r>
-          </a:p>
-          <a:p>
-            <a:pPr marL="109728" indent="0">
-              <a:buNone/>
-            </a:pPr>
-            <a:r>
-              <a:rPr lang="pl-PL" dirty="0"/>
-              <a:t>import </a:t>
-            </a:r>
-            <a:r>
-              <a:rPr lang="pl-PL" dirty="0" err="1"/>
-              <a:t>groovy.lang.Script</a:t>
-            </a:r>
-            <a:r>
-              <a:rPr lang="pl-PL" dirty="0"/>
-              <a:t>;</a:t>
-            </a:r>
-          </a:p>
-          <a:p>
-            <a:pPr marL="109728" indent="0">
-              <a:buNone/>
-            </a:pPr>
-            <a:r>
-              <a:rPr lang="pl-PL" dirty="0"/>
-              <a:t>def </a:t>
-            </a:r>
-            <a:r>
-              <a:rPr lang="pl-PL" dirty="0" err="1"/>
-              <a:t>util</a:t>
-            </a:r>
-            <a:r>
-              <a:rPr lang="pl-PL" dirty="0"/>
-              <a:t> = </a:t>
-            </a:r>
-            <a:r>
-              <a:rPr lang="pl-PL" dirty="0" err="1"/>
-              <a:t>new</a:t>
-            </a:r>
-            <a:r>
-              <a:rPr lang="pl-PL" dirty="0"/>
-              <a:t> </a:t>
-            </a:r>
-            <a:r>
-              <a:rPr lang="pl-PL" dirty="0" err="1"/>
-              <a:t>com.eviware.soapui.support.GroovyUtils</a:t>
-            </a:r>
-            <a:r>
-              <a:rPr lang="pl-PL" dirty="0"/>
-              <a:t>( </a:t>
-            </a:r>
-            <a:r>
-              <a:rPr lang="pl-PL" dirty="0" err="1"/>
-              <a:t>context</a:t>
-            </a:r>
-            <a:r>
-              <a:rPr lang="pl-PL" dirty="0"/>
-              <a:t> )</a:t>
-            </a:r>
-          </a:p>
-          <a:p>
-            <a:pPr marL="109728" indent="0">
-              <a:buNone/>
-            </a:pPr>
-            <a:r>
-              <a:rPr lang="pl-PL" dirty="0"/>
-              <a:t>def </a:t>
-            </a:r>
-            <a:r>
-              <a:rPr lang="pl-PL" dirty="0" err="1"/>
-              <a:t>xml</a:t>
-            </a:r>
-            <a:r>
-              <a:rPr lang="pl-PL" dirty="0"/>
-              <a:t> = </a:t>
-            </a:r>
-            <a:r>
-              <a:rPr lang="pl-PL" dirty="0" err="1"/>
-              <a:t>new</a:t>
-            </a:r>
-            <a:r>
-              <a:rPr lang="pl-PL" dirty="0"/>
-              <a:t> </a:t>
-            </a:r>
-            <a:r>
-              <a:rPr lang="pl-PL" dirty="0" err="1"/>
-              <a:t>XmlSlurper</a:t>
-            </a:r>
-            <a:r>
-              <a:rPr lang="pl-PL" dirty="0"/>
-              <a:t>().</a:t>
-            </a:r>
-            <a:r>
-              <a:rPr lang="pl-PL" dirty="0" err="1"/>
-              <a:t>parseText</a:t>
-            </a:r>
-            <a:r>
-              <a:rPr lang="pl-PL" dirty="0"/>
-              <a:t>(</a:t>
-            </a:r>
-            <a:r>
-              <a:rPr lang="pl-PL" dirty="0" err="1"/>
-              <a:t>mockRequest.requestContent</a:t>
-            </a:r>
-            <a:r>
-              <a:rPr lang="pl-PL" dirty="0"/>
-              <a:t>)</a:t>
-            </a:r>
-          </a:p>
-          <a:p>
-            <a:pPr marL="109728" indent="0">
-              <a:buNone/>
-            </a:pPr>
-            <a:r>
-              <a:rPr lang="pl-PL" dirty="0"/>
-              <a:t>def </a:t>
-            </a:r>
-            <a:r>
-              <a:rPr lang="pl-PL" dirty="0" err="1"/>
-              <a:t>name</a:t>
-            </a:r>
-            <a:r>
-              <a:rPr lang="pl-PL" dirty="0"/>
-              <a:t> = xml.Body.name</a:t>
-            </a:r>
-          </a:p>
-          <a:p>
-            <a:pPr marL="109728" indent="0">
-              <a:buNone/>
-            </a:pPr>
-            <a:r>
-              <a:rPr lang="pl-PL" dirty="0"/>
-              <a:t>def </a:t>
-            </a:r>
-            <a:r>
-              <a:rPr lang="pl-PL" dirty="0" err="1"/>
-              <a:t>str</a:t>
-            </a:r>
-            <a:r>
-              <a:rPr lang="pl-PL" dirty="0"/>
-              <a:t> = </a:t>
-            </a:r>
-            <a:r>
-              <a:rPr lang="pl-PL" dirty="0" err="1"/>
-              <a:t>name.toString</a:t>
-            </a:r>
-            <a:r>
-              <a:rPr lang="pl-PL" dirty="0"/>
-              <a:t>() </a:t>
-            </a:r>
-          </a:p>
-          <a:p>
-            <a:pPr marL="109728" indent="0">
-              <a:buNone/>
-            </a:pPr>
-            <a:r>
-              <a:rPr lang="pl-PL" dirty="0"/>
-              <a:t>log.info </a:t>
-            </a:r>
-            <a:r>
-              <a:rPr lang="pl-PL" dirty="0" err="1"/>
-              <a:t>str</a:t>
-            </a:r>
-            <a:endParaRPr lang="pl-PL" dirty="0"/>
-          </a:p>
-          <a:p>
-            <a:pPr marL="109728" indent="0">
-              <a:buNone/>
-            </a:pPr>
-            <a:r>
-              <a:rPr lang="pl-PL" dirty="0" err="1"/>
-              <a:t>if</a:t>
-            </a:r>
-            <a:r>
-              <a:rPr lang="pl-PL" dirty="0"/>
-              <a:t>(</a:t>
-            </a:r>
-            <a:r>
-              <a:rPr lang="pl-PL" dirty="0" err="1"/>
-              <a:t>str</a:t>
-            </a:r>
-            <a:r>
-              <a:rPr lang="pl-PL" dirty="0"/>
-              <a:t> == "Porsche")</a:t>
-            </a:r>
-          </a:p>
-          <a:p>
-            <a:pPr marL="109728" indent="0">
-              <a:buNone/>
-            </a:pPr>
-            <a:r>
-              <a:rPr lang="pl-PL" dirty="0"/>
-              <a:t>{</a:t>
-            </a:r>
-          </a:p>
-          <a:p>
-            <a:pPr marL="109728" indent="0">
-              <a:buNone/>
-            </a:pPr>
-            <a:r>
-              <a:rPr lang="pl-PL" dirty="0"/>
-              <a:t>return "</a:t>
-            </a:r>
-            <a:r>
-              <a:rPr lang="pl-PL" dirty="0" err="1"/>
-              <a:t>another</a:t>
-            </a:r>
-            <a:r>
-              <a:rPr lang="pl-PL" dirty="0"/>
-              <a:t> one </a:t>
-            </a:r>
-            <a:r>
-              <a:rPr lang="pl-PL" dirty="0" err="1"/>
-              <a:t>really</a:t>
-            </a:r>
-            <a:r>
-              <a:rPr lang="pl-PL" dirty="0"/>
-              <a:t>"</a:t>
-            </a:r>
-          </a:p>
-          <a:p>
-            <a:pPr marL="109728" indent="0">
-              <a:buNone/>
-            </a:pPr>
-            <a:r>
-              <a:rPr lang="pl-PL" dirty="0"/>
-              <a:t>}</a:t>
-            </a:r>
-          </a:p>
-          <a:p>
-            <a:pPr marL="109728" indent="0">
-              <a:buNone/>
-            </a:pPr>
-            <a:r>
-              <a:rPr lang="pl-PL" dirty="0" err="1"/>
-              <a:t>else</a:t>
-            </a:r>
-            <a:r>
-              <a:rPr lang="pl-PL" dirty="0"/>
-              <a:t> </a:t>
-            </a:r>
-          </a:p>
-          <a:p>
-            <a:pPr marL="109728" indent="0">
-              <a:buNone/>
-            </a:pPr>
-            <a:r>
-              <a:rPr lang="pl-PL" dirty="0"/>
-              <a:t>{ return "</a:t>
-            </a:r>
-            <a:r>
-              <a:rPr lang="pl-PL" dirty="0" err="1"/>
-              <a:t>added</a:t>
-            </a:r>
-            <a:r>
-              <a:rPr lang="pl-PL" dirty="0"/>
-              <a:t> </a:t>
-            </a:r>
-            <a:r>
-              <a:rPr lang="pl-PL" dirty="0" err="1"/>
-              <a:t>Success</a:t>
-            </a:r>
-            <a:r>
-              <a:rPr lang="pl-PL" dirty="0"/>
-              <a:t>"}</a:t>
-            </a:r>
-          </a:p>
-          <a:p>
-            <a:endParaRPr lang="pl-PL" dirty="0"/>
-          </a:p>
-        </p:txBody>
-      </p:sp>
-    </p:spTree>
-    <p:extLst>
-      <p:ext uri="{BB962C8B-B14F-4D97-AF65-F5344CB8AC3E}">
-        <p14:creationId xmlns:p14="http://schemas.microsoft.com/office/powerpoint/2010/main" val="983381544"/>
-      </p:ext>
-    </p:extLst>
-  </p:cSld>
-  <p:clrMapOvr>
-    <a:masterClrMapping/>
-  </p:clrMapOvr>
-  <p:transition spd="med">
-    <p:fade/>
-  </p:transition>
-</p:sld>
-</file>
-
-<file path=ppt/slides/slide61.xml><?xml version="1.0" encoding="utf-8"?>
-<p:sld xmlns:a="http://schemas.openxmlformats.org/drawingml/2006/main" xmlns:r="http://schemas.openxmlformats.org/officeDocument/2006/relationships" xmlns:p="http://schemas.openxmlformats.org/presentationml/2006/main">
-  <p:cSld>
-    <p:spTree>
-      <p:nvGrpSpPr>
-        <p:cNvPr id="1" name=""/>
-        <p:cNvGrpSpPr/>
-        <p:nvPr/>
-      </p:nvGrpSpPr>
-      <p:grpSpPr>
-        <a:xfrm>
-          <a:off x="0" y="0"/>
-          <a:ext cx="0" cy="0"/>
-          <a:chOff x="0" y="0"/>
-          <a:chExt cx="0" cy="0"/>
-        </a:xfrm>
-      </p:grpSpPr>
-      <p:sp>
-        <p:nvSpPr>
-          <p:cNvPr id="2" name="Tytuł 1">
-            <a:extLst>
-              <a:ext uri="{FF2B5EF4-FFF2-40B4-BE49-F238E27FC236}">
                 <a16:creationId xmlns:a16="http://schemas.microsoft.com/office/drawing/2014/main" id="{73B83322-380B-44E2-9F90-1C11E83A6E79}"/>
               </a:ext>
             </a:extLst>
@@ -20038,7 +19591,7 @@
 </p:sld>
 </file>
 
-<file path=ppt/slides/slide62.xml><?xml version="1.0" encoding="utf-8"?>
+<file path=ppt/slides/slide61.xml><?xml version="1.0" encoding="utf-8"?>
 <p:sld xmlns:a="http://schemas.openxmlformats.org/drawingml/2006/main" xmlns:r="http://schemas.openxmlformats.org/officeDocument/2006/relationships" xmlns:p="http://schemas.openxmlformats.org/presentationml/2006/main">
   <p:cSld>
     <p:bg>
@@ -20317,7 +19870,7 @@
 </p:sld>
 </file>
 
-<file path=ppt/slides/slide63.xml><?xml version="1.0" encoding="utf-8"?>
+<file path=ppt/slides/slide62.xml><?xml version="1.0" encoding="utf-8"?>
 <p:sld xmlns:a="http://schemas.openxmlformats.org/drawingml/2006/main" xmlns:r="http://schemas.openxmlformats.org/officeDocument/2006/relationships" xmlns:p="http://schemas.openxmlformats.org/presentationml/2006/main">
   <p:cSld>
     <p:spTree>
@@ -20769,7 +20322,7 @@
 </p:sld>
 </file>
 
-<file path=ppt/slides/slide64.xml><?xml version="1.0" encoding="utf-8"?>
+<file path=ppt/slides/slide63.xml><?xml version="1.0" encoding="utf-8"?>
 <p:sld xmlns:a="http://schemas.openxmlformats.org/drawingml/2006/main" xmlns:r="http://schemas.openxmlformats.org/officeDocument/2006/relationships" xmlns:p="http://schemas.openxmlformats.org/presentationml/2006/main">
   <p:cSld>
     <p:spTree>
@@ -20901,6 +20454,187 @@
 </p:sld>
 </file>
 
+<file path=ppt/slides/slide64.xml><?xml version="1.0" encoding="utf-8"?>
+<p:sld xmlns:a="http://schemas.openxmlformats.org/drawingml/2006/main" xmlns:r="http://schemas.openxmlformats.org/officeDocument/2006/relationships" xmlns:p="http://schemas.openxmlformats.org/presentationml/2006/main">
+  <p:cSld>
+    <p:spTree>
+      <p:nvGrpSpPr>
+        <p:cNvPr id="1" name=""/>
+        <p:cNvGrpSpPr/>
+        <p:nvPr/>
+      </p:nvGrpSpPr>
+      <p:grpSpPr>
+        <a:xfrm>
+          <a:off x="0" y="0"/>
+          <a:ext cx="0" cy="0"/>
+          <a:chOff x="0" y="0"/>
+          <a:chExt cx="0" cy="0"/>
+        </a:xfrm>
+      </p:grpSpPr>
+      <p:sp>
+        <p:nvSpPr>
+          <p:cNvPr id="2" name="Tytuł 1">
+            <a:extLst>
+              <a:ext uri="{FF2B5EF4-FFF2-40B4-BE49-F238E27FC236}">
+                <a16:creationId xmlns:a16="http://schemas.microsoft.com/office/drawing/2014/main" id="{7CA1DC18-B667-4606-8A8D-8B63964A5AE3}"/>
+              </a:ext>
+            </a:extLst>
+          </p:cNvPr>
+          <p:cNvSpPr>
+            <a:spLocks noGrp="1"/>
+          </p:cNvSpPr>
+          <p:nvPr>
+            <p:ph type="title"/>
+          </p:nvPr>
+        </p:nvSpPr>
+        <p:spPr/>
+        <p:txBody>
+          <a:bodyPr/>
+          <a:lstStyle/>
+          <a:p>
+            <a:r>
+              <a:rPr lang="pl-PL" dirty="0" err="1"/>
+              <a:t>Testrunner</a:t>
+            </a:r>
+            <a:r>
+              <a:rPr lang="pl-PL" dirty="0"/>
+              <a:t> – </a:t>
+            </a:r>
+            <a:r>
+              <a:rPr lang="pl-PL" dirty="0" err="1"/>
+              <a:t>Jenkins.war</a:t>
+            </a:r>
+            <a:endParaRPr lang="pl-PL" dirty="0"/>
+          </a:p>
+        </p:txBody>
+      </p:sp>
+      <p:sp>
+        <p:nvSpPr>
+          <p:cNvPr id="3" name="Symbol zastępczy zawartości 2">
+            <a:extLst>
+              <a:ext uri="{FF2B5EF4-FFF2-40B4-BE49-F238E27FC236}">
+                <a16:creationId xmlns:a16="http://schemas.microsoft.com/office/drawing/2014/main" id="{4D1BCCD2-E3DB-4C01-A2AE-77EAE3A91619}"/>
+              </a:ext>
+            </a:extLst>
+          </p:cNvPr>
+          <p:cNvSpPr>
+            <a:spLocks noGrp="1"/>
+          </p:cNvSpPr>
+          <p:nvPr>
+            <p:ph idx="1"/>
+          </p:nvPr>
+        </p:nvSpPr>
+        <p:spPr/>
+        <p:txBody>
+          <a:bodyPr>
+            <a:normAutofit/>
+          </a:bodyPr>
+          <a:lstStyle/>
+          <a:p>
+            <a:r>
+              <a:rPr lang="pl-PL" dirty="0">
+                <a:hlinkClick r:id="rId2"/>
+              </a:rPr>
+              <a:t>https://jenkins.io/download/</a:t>
+            </a:r>
+            <a:endParaRPr lang="pl-PL" dirty="0"/>
+          </a:p>
+          <a:p>
+            <a:pPr lvl="1"/>
+            <a:r>
+              <a:rPr lang="pl-PL" dirty="0" err="1"/>
+              <a:t>Generic</a:t>
+            </a:r>
+            <a:r>
+              <a:rPr lang="pl-PL" dirty="0"/>
+              <a:t> Java </a:t>
+            </a:r>
+            <a:r>
+              <a:rPr lang="pl-PL" dirty="0" err="1"/>
+              <a:t>package</a:t>
+            </a:r>
+            <a:r>
+              <a:rPr lang="pl-PL" dirty="0"/>
+              <a:t> (.war)</a:t>
+            </a:r>
+          </a:p>
+          <a:p>
+            <a:pPr lvl="1"/>
+            <a:r>
+              <a:rPr lang="fi-FI" dirty="0"/>
+              <a:t>java -jar jenkins.war --httpPort=9292</a:t>
+            </a:r>
+            <a:endParaRPr lang="pl-PL" dirty="0"/>
+          </a:p>
+          <a:p>
+            <a:pPr marL="411480" lvl="1" indent="0">
+              <a:buNone/>
+            </a:pPr>
+            <a:r>
+              <a:rPr lang="pl-PL" dirty="0"/>
+              <a:t>cd C:\Program </a:t>
+            </a:r>
+            <a:r>
+              <a:rPr lang="pl-PL" dirty="0" err="1"/>
+              <a:t>Files</a:t>
+            </a:r>
+            <a:r>
+              <a:rPr lang="pl-PL" dirty="0"/>
+              <a:t>\SmartBear\SoapUI-5.5.0\bin\</a:t>
+            </a:r>
+          </a:p>
+          <a:p>
+            <a:pPr marL="411480" lvl="1" indent="0">
+              <a:buNone/>
+            </a:pPr>
+            <a:r>
+              <a:rPr lang="pl-PL" dirty="0"/>
+              <a:t>cmd.exe /C testrunner.bat -</a:t>
+            </a:r>
+            <a:r>
+              <a:rPr lang="pl-PL" dirty="0" err="1"/>
+              <a:t>s"TestSuite</a:t>
+            </a:r>
+            <a:r>
+              <a:rPr lang="pl-PL" dirty="0"/>
+              <a:t> 1" -</a:t>
+            </a:r>
+            <a:r>
+              <a:rPr lang="pl-PL" dirty="0" err="1"/>
+              <a:t>c"TestCase</a:t>
+            </a:r>
+            <a:r>
+              <a:rPr lang="pl-PL" dirty="0"/>
+              <a:t> 1" C:\Users\michalcz\Documents\SoapUIProjects\REST-Project-1-soapui-project.xml</a:t>
+            </a:r>
+          </a:p>
+          <a:p>
+            <a:pPr marL="411480" lvl="1" indent="0">
+              <a:buNone/>
+            </a:pPr>
+            <a:endParaRPr lang="pl-PL" dirty="0"/>
+          </a:p>
+          <a:p>
+            <a:endParaRPr lang="pl-PL" dirty="0"/>
+          </a:p>
+        </p:txBody>
+      </p:sp>
+    </p:spTree>
+    <p:extLst>
+      <p:ext uri="{BB962C8B-B14F-4D97-AF65-F5344CB8AC3E}">
+        <p14:creationId xmlns:p14="http://schemas.microsoft.com/office/powerpoint/2010/main" val="1527554184"/>
+      </p:ext>
+    </p:extLst>
+  </p:cSld>
+  <p:clrMapOvr>
+    <a:masterClrMapping/>
+  </p:clrMapOvr>
+  <p:transition spd="med">
+    <p:fade/>
+  </p:transition>
+</p:sld>
+</file>
+
 <file path=ppt/slides/slide65.xml><?xml version="1.0" encoding="utf-8"?>
 <p:sld xmlns:a="http://schemas.openxmlformats.org/drawingml/2006/main" xmlns:r="http://schemas.openxmlformats.org/officeDocument/2006/relationships" xmlns:p="http://schemas.openxmlformats.org/presentationml/2006/main">
   <p:cSld>
@@ -20923,187 +20657,6 @@
           <p:cNvPr id="2" name="Tytuł 1">
             <a:extLst>
               <a:ext uri="{FF2B5EF4-FFF2-40B4-BE49-F238E27FC236}">
-                <a16:creationId xmlns:a16="http://schemas.microsoft.com/office/drawing/2014/main" id="{7CA1DC18-B667-4606-8A8D-8B63964A5AE3}"/>
-              </a:ext>
-            </a:extLst>
-          </p:cNvPr>
-          <p:cNvSpPr>
-            <a:spLocks noGrp="1"/>
-          </p:cNvSpPr>
-          <p:nvPr>
-            <p:ph type="title"/>
-          </p:nvPr>
-        </p:nvSpPr>
-        <p:spPr/>
-        <p:txBody>
-          <a:bodyPr/>
-          <a:lstStyle/>
-          <a:p>
-            <a:r>
-              <a:rPr lang="pl-PL" dirty="0" err="1"/>
-              <a:t>Testrunner</a:t>
-            </a:r>
-            <a:r>
-              <a:rPr lang="pl-PL" dirty="0"/>
-              <a:t> – </a:t>
-            </a:r>
-            <a:r>
-              <a:rPr lang="pl-PL" dirty="0" err="1"/>
-              <a:t>Jenkins.war</a:t>
-            </a:r>
-            <a:endParaRPr lang="pl-PL" dirty="0"/>
-          </a:p>
-        </p:txBody>
-      </p:sp>
-      <p:sp>
-        <p:nvSpPr>
-          <p:cNvPr id="3" name="Symbol zastępczy zawartości 2">
-            <a:extLst>
-              <a:ext uri="{FF2B5EF4-FFF2-40B4-BE49-F238E27FC236}">
-                <a16:creationId xmlns:a16="http://schemas.microsoft.com/office/drawing/2014/main" id="{4D1BCCD2-E3DB-4C01-A2AE-77EAE3A91619}"/>
-              </a:ext>
-            </a:extLst>
-          </p:cNvPr>
-          <p:cNvSpPr>
-            <a:spLocks noGrp="1"/>
-          </p:cNvSpPr>
-          <p:nvPr>
-            <p:ph idx="1"/>
-          </p:nvPr>
-        </p:nvSpPr>
-        <p:spPr/>
-        <p:txBody>
-          <a:bodyPr>
-            <a:normAutofit/>
-          </a:bodyPr>
-          <a:lstStyle/>
-          <a:p>
-            <a:r>
-              <a:rPr lang="pl-PL" dirty="0">
-                <a:hlinkClick r:id="rId2"/>
-              </a:rPr>
-              <a:t>https://jenkins.io/download/</a:t>
-            </a:r>
-            <a:endParaRPr lang="pl-PL" dirty="0"/>
-          </a:p>
-          <a:p>
-            <a:pPr lvl="1"/>
-            <a:r>
-              <a:rPr lang="pl-PL" dirty="0" err="1"/>
-              <a:t>Generic</a:t>
-            </a:r>
-            <a:r>
-              <a:rPr lang="pl-PL" dirty="0"/>
-              <a:t> Java </a:t>
-            </a:r>
-            <a:r>
-              <a:rPr lang="pl-PL" dirty="0" err="1"/>
-              <a:t>package</a:t>
-            </a:r>
-            <a:r>
-              <a:rPr lang="pl-PL" dirty="0"/>
-              <a:t> (.war)</a:t>
-            </a:r>
-          </a:p>
-          <a:p>
-            <a:pPr lvl="1"/>
-            <a:r>
-              <a:rPr lang="fi-FI" dirty="0"/>
-              <a:t>java -jar jenkins.war --httpPort=9292</a:t>
-            </a:r>
-            <a:endParaRPr lang="pl-PL" dirty="0"/>
-          </a:p>
-          <a:p>
-            <a:pPr marL="411480" lvl="1" indent="0">
-              <a:buNone/>
-            </a:pPr>
-            <a:r>
-              <a:rPr lang="pl-PL" dirty="0"/>
-              <a:t>cd C:\Program </a:t>
-            </a:r>
-            <a:r>
-              <a:rPr lang="pl-PL" dirty="0" err="1"/>
-              <a:t>Files</a:t>
-            </a:r>
-            <a:r>
-              <a:rPr lang="pl-PL" dirty="0"/>
-              <a:t>\SmartBear\SoapUI-5.5.0\bin\</a:t>
-            </a:r>
-          </a:p>
-          <a:p>
-            <a:pPr marL="411480" lvl="1" indent="0">
-              <a:buNone/>
-            </a:pPr>
-            <a:r>
-              <a:rPr lang="pl-PL" dirty="0"/>
-              <a:t>cmd.exe /C testrunner.bat -</a:t>
-            </a:r>
-            <a:r>
-              <a:rPr lang="pl-PL" dirty="0" err="1"/>
-              <a:t>s"TestSuite</a:t>
-            </a:r>
-            <a:r>
-              <a:rPr lang="pl-PL" dirty="0"/>
-              <a:t> 1" -</a:t>
-            </a:r>
-            <a:r>
-              <a:rPr lang="pl-PL" dirty="0" err="1"/>
-              <a:t>c"TestCase</a:t>
-            </a:r>
-            <a:r>
-              <a:rPr lang="pl-PL" dirty="0"/>
-              <a:t> 1" C:\Users\michalcz\Documents\SoapUIProjects\REST-Project-1-soapui-project.xml</a:t>
-            </a:r>
-          </a:p>
-          <a:p>
-            <a:pPr marL="411480" lvl="1" indent="0">
-              <a:buNone/>
-            </a:pPr>
-            <a:endParaRPr lang="pl-PL" dirty="0"/>
-          </a:p>
-          <a:p>
-            <a:endParaRPr lang="pl-PL" dirty="0"/>
-          </a:p>
-        </p:txBody>
-      </p:sp>
-    </p:spTree>
-    <p:extLst>
-      <p:ext uri="{BB962C8B-B14F-4D97-AF65-F5344CB8AC3E}">
-        <p14:creationId xmlns:p14="http://schemas.microsoft.com/office/powerpoint/2010/main" val="1527554184"/>
-      </p:ext>
-    </p:extLst>
-  </p:cSld>
-  <p:clrMapOvr>
-    <a:masterClrMapping/>
-  </p:clrMapOvr>
-  <p:transition spd="med">
-    <p:fade/>
-  </p:transition>
-</p:sld>
-</file>
-
-<file path=ppt/slides/slide66.xml><?xml version="1.0" encoding="utf-8"?>
-<p:sld xmlns:a="http://schemas.openxmlformats.org/drawingml/2006/main" xmlns:r="http://schemas.openxmlformats.org/officeDocument/2006/relationships" xmlns:p="http://schemas.openxmlformats.org/presentationml/2006/main">
-  <p:cSld>
-    <p:spTree>
-      <p:nvGrpSpPr>
-        <p:cNvPr id="1" name=""/>
-        <p:cNvGrpSpPr/>
-        <p:nvPr/>
-      </p:nvGrpSpPr>
-      <p:grpSpPr>
-        <a:xfrm>
-          <a:off x="0" y="0"/>
-          <a:ext cx="0" cy="0"/>
-          <a:chOff x="0" y="0"/>
-          <a:chExt cx="0" cy="0"/>
-        </a:xfrm>
-      </p:grpSpPr>
-      <p:sp>
-        <p:nvSpPr>
-          <p:cNvPr id="2" name="Tytuł 1">
-            <a:extLst>
-              <a:ext uri="{FF2B5EF4-FFF2-40B4-BE49-F238E27FC236}">
                 <a16:creationId xmlns:a16="http://schemas.microsoft.com/office/drawing/2014/main" id="{E1AFF636-5B33-4F07-9B1D-A2A23D23A916}"/>
               </a:ext>
             </a:extLst>
@@ -21279,7 +20832,7 @@
 </p:sld>
 </file>
 
-<file path=ppt/slides/slide67.xml><?xml version="1.0" encoding="utf-8"?>
+<file path=ppt/slides/slide66.xml><?xml version="1.0" encoding="utf-8"?>
 <p:sld xmlns:a="http://schemas.openxmlformats.org/drawingml/2006/main" xmlns:r="http://schemas.openxmlformats.org/officeDocument/2006/relationships" xmlns:p="http://schemas.openxmlformats.org/presentationml/2006/main">
   <p:cSld>
     <p:spTree>
@@ -21412,7 +20965,7 @@
 </p:sld>
 </file>
 
-<file path=ppt/slides/slide68.xml><?xml version="1.0" encoding="utf-8"?>
+<file path=ppt/slides/slide67.xml><?xml version="1.0" encoding="utf-8"?>
 <p:sld xmlns:a="http://schemas.openxmlformats.org/drawingml/2006/main" xmlns:r="http://schemas.openxmlformats.org/officeDocument/2006/relationships" xmlns:p="http://schemas.openxmlformats.org/presentationml/2006/main">
   <p:cSld>
     <p:spTree>
@@ -21542,7 +21095,7 @@
 </p:sld>
 </file>
 
-<file path=ppt/slides/slide69.xml><?xml version="1.0" encoding="utf-8"?>
+<file path=ppt/slides/slide68.xml><?xml version="1.0" encoding="utf-8"?>
 <p:sld xmlns:a="http://schemas.openxmlformats.org/drawingml/2006/main" xmlns:r="http://schemas.openxmlformats.org/officeDocument/2006/relationships" xmlns:p="http://schemas.openxmlformats.org/presentationml/2006/main">
   <p:cSld>
     <p:spTree>
@@ -21644,128 +21197,7 @@
 </p:sld>
 </file>
 
-<file path=ppt/slides/slide7.xml><?xml version="1.0" encoding="utf-8"?>
-<p:sld xmlns:a="http://schemas.openxmlformats.org/drawingml/2006/main" xmlns:r="http://schemas.openxmlformats.org/officeDocument/2006/relationships" xmlns:p="http://schemas.openxmlformats.org/presentationml/2006/main">
-  <p:cSld name="Slide19">
-    <p:spTree>
-      <p:nvGrpSpPr>
-        <p:cNvPr id="1" name=""/>
-        <p:cNvGrpSpPr/>
-        <p:nvPr/>
-      </p:nvGrpSpPr>
-      <p:grpSpPr>
-        <a:xfrm>
-          <a:off x="0" y="0"/>
-          <a:ext cx="0" cy="0"/>
-          <a:chOff x="0" y="0"/>
-          <a:chExt cx="0" cy="0"/>
-        </a:xfrm>
-      </p:grpSpPr>
-      <p:sp>
-        <p:nvSpPr>
-          <p:cNvPr id="2" name="Tytuł 1">
-            <a:extLst>
-              <a:ext uri="{FF2B5EF4-FFF2-40B4-BE49-F238E27FC236}">
-                <a16:creationId xmlns:a16="http://schemas.microsoft.com/office/drawing/2014/main" id="{D29EDF65-2A8C-471B-B56A-332AFAE8591A}"/>
-              </a:ext>
-            </a:extLst>
-          </p:cNvPr>
-          <p:cNvSpPr txBox="1">
-            <a:spLocks noGrp="1"/>
-          </p:cNvSpPr>
-          <p:nvPr>
-            <p:ph type="title"/>
-          </p:nvPr>
-        </p:nvSpPr>
-        <p:spPr/>
-        <p:txBody>
-          <a:bodyPr/>
-          <a:lstStyle/>
-          <a:p>
-            <a:pPr lvl="0"/>
-            <a:r>
-              <a:rPr lang="pl-PL"/>
-              <a:t>SOA - Service Oriented Architecture </a:t>
-            </a:r>
-          </a:p>
-        </p:txBody>
-      </p:sp>
-      <p:sp>
-        <p:nvSpPr>
-          <p:cNvPr id="3" name="Symbol zastępczy zawartości 2">
-            <a:extLst>
-              <a:ext uri="{FF2B5EF4-FFF2-40B4-BE49-F238E27FC236}">
-                <a16:creationId xmlns:a16="http://schemas.microsoft.com/office/drawing/2014/main" id="{1F59F111-DDEB-4042-B191-4C3D30ADA307}"/>
-              </a:ext>
-            </a:extLst>
-          </p:cNvPr>
-          <p:cNvSpPr txBox="1">
-            <a:spLocks noGrp="1"/>
-          </p:cNvSpPr>
-          <p:nvPr>
-            <p:ph idx="1"/>
-          </p:nvPr>
-        </p:nvSpPr>
-        <p:spPr/>
-        <p:txBody>
-          <a:bodyPr/>
-          <a:lstStyle/>
-          <a:p>
-            <a:pPr lvl="0"/>
-            <a:r>
-              <a:rPr lang="pl-PL"/>
-              <a:t>architektura zorientowana na serwisy</a:t>
-            </a:r>
-          </a:p>
-          <a:p>
-            <a:pPr lvl="0"/>
-            <a:r>
-              <a:rPr lang="pl-PL"/>
-              <a:t>może być używana niezależnie od innych</a:t>
-            </a:r>
-          </a:p>
-          <a:p>
-            <a:pPr lvl="0"/>
-            <a:r>
-              <a:rPr lang="pl-PL"/>
-              <a:t>usługi są dostępne w sieci</a:t>
-            </a:r>
-          </a:p>
-          <a:p>
-            <a:pPr lvl="0"/>
-            <a:r>
-              <a:rPr lang="pl-PL"/>
-              <a:t>wiedza o interface, a nie o implementacji usługi</a:t>
-            </a:r>
-          </a:p>
-          <a:p>
-            <a:pPr lvl="0"/>
-            <a:r>
-              <a:rPr lang="pl-PL"/>
-              <a:t>niezależne od języka i systemu operacyjnego</a:t>
-            </a:r>
-          </a:p>
-          <a:p>
-            <a:pPr lvl="0"/>
-            <a:r>
-              <a:rPr lang="pl-PL"/>
-              <a:t>możliwe połącznia wiele do wiele (brak spójności możliwy)</a:t>
-            </a:r>
-          </a:p>
-        </p:txBody>
-      </p:sp>
-    </p:spTree>
-  </p:cSld>
-  <p:clrMapOvr>
-    <a:masterClrMapping/>
-  </p:clrMapOvr>
-  <p:transition spd="med">
-    <p:fade/>
-  </p:transition>
-</p:sld>
-</file>
-
-<file path=ppt/slides/slide70.xml><?xml version="1.0" encoding="utf-8"?>
+<file path=ppt/slides/slide69.xml><?xml version="1.0" encoding="utf-8"?>
 <p:sld xmlns:a="http://schemas.openxmlformats.org/drawingml/2006/main" xmlns:r="http://schemas.openxmlformats.org/officeDocument/2006/relationships" xmlns:p="http://schemas.openxmlformats.org/presentationml/2006/main">
   <p:cSld>
     <p:spTree>
@@ -21863,7 +21295,128 @@
 </p:sld>
 </file>
 
-<file path=ppt/slides/slide71.xml><?xml version="1.0" encoding="utf-8"?>
+<file path=ppt/slides/slide7.xml><?xml version="1.0" encoding="utf-8"?>
+<p:sld xmlns:a="http://schemas.openxmlformats.org/drawingml/2006/main" xmlns:r="http://schemas.openxmlformats.org/officeDocument/2006/relationships" xmlns:p="http://schemas.openxmlformats.org/presentationml/2006/main">
+  <p:cSld name="Slide19">
+    <p:spTree>
+      <p:nvGrpSpPr>
+        <p:cNvPr id="1" name=""/>
+        <p:cNvGrpSpPr/>
+        <p:nvPr/>
+      </p:nvGrpSpPr>
+      <p:grpSpPr>
+        <a:xfrm>
+          <a:off x="0" y="0"/>
+          <a:ext cx="0" cy="0"/>
+          <a:chOff x="0" y="0"/>
+          <a:chExt cx="0" cy="0"/>
+        </a:xfrm>
+      </p:grpSpPr>
+      <p:sp>
+        <p:nvSpPr>
+          <p:cNvPr id="2" name="Tytuł 1">
+            <a:extLst>
+              <a:ext uri="{FF2B5EF4-FFF2-40B4-BE49-F238E27FC236}">
+                <a16:creationId xmlns:a16="http://schemas.microsoft.com/office/drawing/2014/main" id="{D29EDF65-2A8C-471B-B56A-332AFAE8591A}"/>
+              </a:ext>
+            </a:extLst>
+          </p:cNvPr>
+          <p:cNvSpPr txBox="1">
+            <a:spLocks noGrp="1"/>
+          </p:cNvSpPr>
+          <p:nvPr>
+            <p:ph type="title"/>
+          </p:nvPr>
+        </p:nvSpPr>
+        <p:spPr/>
+        <p:txBody>
+          <a:bodyPr/>
+          <a:lstStyle/>
+          <a:p>
+            <a:pPr lvl="0"/>
+            <a:r>
+              <a:rPr lang="pl-PL"/>
+              <a:t>SOA - Service Oriented Architecture </a:t>
+            </a:r>
+          </a:p>
+        </p:txBody>
+      </p:sp>
+      <p:sp>
+        <p:nvSpPr>
+          <p:cNvPr id="3" name="Symbol zastępczy zawartości 2">
+            <a:extLst>
+              <a:ext uri="{FF2B5EF4-FFF2-40B4-BE49-F238E27FC236}">
+                <a16:creationId xmlns:a16="http://schemas.microsoft.com/office/drawing/2014/main" id="{1F59F111-DDEB-4042-B191-4C3D30ADA307}"/>
+              </a:ext>
+            </a:extLst>
+          </p:cNvPr>
+          <p:cNvSpPr txBox="1">
+            <a:spLocks noGrp="1"/>
+          </p:cNvSpPr>
+          <p:nvPr>
+            <p:ph idx="1"/>
+          </p:nvPr>
+        </p:nvSpPr>
+        <p:spPr/>
+        <p:txBody>
+          <a:bodyPr/>
+          <a:lstStyle/>
+          <a:p>
+            <a:pPr lvl="0"/>
+            <a:r>
+              <a:rPr lang="pl-PL"/>
+              <a:t>architektura zorientowana na serwisy</a:t>
+            </a:r>
+          </a:p>
+          <a:p>
+            <a:pPr lvl="0"/>
+            <a:r>
+              <a:rPr lang="pl-PL"/>
+              <a:t>może być używana niezależnie od innych</a:t>
+            </a:r>
+          </a:p>
+          <a:p>
+            <a:pPr lvl="0"/>
+            <a:r>
+              <a:rPr lang="pl-PL"/>
+              <a:t>usługi są dostępne w sieci</a:t>
+            </a:r>
+          </a:p>
+          <a:p>
+            <a:pPr lvl="0"/>
+            <a:r>
+              <a:rPr lang="pl-PL"/>
+              <a:t>wiedza o interface, a nie o implementacji usługi</a:t>
+            </a:r>
+          </a:p>
+          <a:p>
+            <a:pPr lvl="0"/>
+            <a:r>
+              <a:rPr lang="pl-PL"/>
+              <a:t>niezależne od języka i systemu operacyjnego</a:t>
+            </a:r>
+          </a:p>
+          <a:p>
+            <a:pPr lvl="0"/>
+            <a:r>
+              <a:rPr lang="pl-PL"/>
+              <a:t>możliwe połącznia wiele do wiele (brak spójności możliwy)</a:t>
+            </a:r>
+          </a:p>
+        </p:txBody>
+      </p:sp>
+    </p:spTree>
+  </p:cSld>
+  <p:clrMapOvr>
+    <a:masterClrMapping/>
+  </p:clrMapOvr>
+  <p:transition spd="med">
+    <p:fade/>
+  </p:transition>
+</p:sld>
+</file>
+
+<file path=ppt/slides/slide70.xml><?xml version="1.0" encoding="utf-8"?>
 <p:sld xmlns:a="http://schemas.openxmlformats.org/drawingml/2006/main" xmlns:r="http://schemas.openxmlformats.org/officeDocument/2006/relationships" xmlns:p="http://schemas.openxmlformats.org/presentationml/2006/main">
   <p:cSld>
     <p:spTree>
@@ -22021,7 +21574,7 @@
 </p:sld>
 </file>
 
-<file path=ppt/slides/slide72.xml><?xml version="1.0" encoding="utf-8"?>
+<file path=ppt/slides/slide71.xml><?xml version="1.0" encoding="utf-8"?>
 <p:sld xmlns:a="http://schemas.openxmlformats.org/drawingml/2006/main" xmlns:r="http://schemas.openxmlformats.org/officeDocument/2006/relationships" xmlns:p="http://schemas.openxmlformats.org/presentationml/2006/main">
   <p:cSld>
     <p:spTree>
@@ -22414,7 +21967,7 @@
 </p:sld>
 </file>
 
-<file path=ppt/slides/slide73.xml><?xml version="1.0" encoding="utf-8"?>
+<file path=ppt/slides/slide72.xml><?xml version="1.0" encoding="utf-8"?>
 <p:sld xmlns:a="http://schemas.openxmlformats.org/drawingml/2006/main" xmlns:r="http://schemas.openxmlformats.org/officeDocument/2006/relationships" xmlns:p="http://schemas.openxmlformats.org/presentationml/2006/main">
   <p:cSld>
     <p:spTree>

--- a/Warsztat_soapUI.pptx
+++ b/Warsztat_soapUI.pptx
@@ -16737,15 +16737,50 @@
             </a:pPr>
             <a:r>
               <a:rPr lang="pl-PL" dirty="0"/>
-              <a:t>def f =  </a:t>
-            </a:r>
+              <a:t>import </a:t>
+            </a:r>
+            <a:r>
+              <a:rPr lang="pl-PL" dirty="0" err="1"/>
+              <a:t>java.io.File</a:t>
+            </a:r>
+            <a:r>
+              <a:rPr lang="pl-PL" dirty="0"/>
+              <a:t>;</a:t>
+            </a:r>
+          </a:p>
+          <a:p>
+            <a:pPr marL="109728" indent="0">
+              <a:buNone/>
+            </a:pPr>
+            <a:endParaRPr lang="pl-PL" dirty="0"/>
+          </a:p>
+          <a:p>
+            <a:pPr marL="109728" indent="0">
+              <a:buNone/>
+            </a:pPr>
             <a:r>
               <a:rPr lang="pl-PL" dirty="0" err="1"/>
               <a:t>new</a:t>
             </a:r>
             <a:r>
               <a:rPr lang="pl-PL" dirty="0"/>
-              <a:t> File("C:\\Cars.txt") </a:t>
+              <a:t> File("C:\\Cars.txt").</a:t>
+            </a:r>
+            <a:r>
+              <a:rPr lang="pl-PL" dirty="0" err="1"/>
+              <a:t>eachLine</a:t>
+            </a:r>
+            <a:r>
+              <a:rPr lang="pl-PL" dirty="0"/>
+              <a:t> { </a:t>
+            </a:r>
+            <a:r>
+              <a:rPr lang="pl-PL" dirty="0" err="1"/>
+              <a:t>line</a:t>
+            </a:r>
+            <a:r>
+              <a:rPr lang="pl-PL" dirty="0"/>
+              <a:t> -&gt;</a:t>
             </a:r>
           </a:p>
           <a:p>
@@ -16753,77 +16788,14 @@
               <a:buNone/>
             </a:pPr>
             <a:r>
-              <a:rPr lang="pl-PL" dirty="0" err="1"/>
-              <a:t>f.eachLine</a:t>
-            </a:r>
-            <a:r>
-              <a:rPr lang="pl-PL" dirty="0"/>
-              <a:t>() {</a:t>
-            </a:r>
-          </a:p>
-          <a:p>
-            <a:pPr marL="109728" indent="0">
-              <a:buNone/>
-            </a:pPr>
-            <a:r>
-              <a:rPr lang="pl-PL" dirty="0"/>
-              <a:t>    log.info </a:t>
-            </a:r>
-            <a:r>
-              <a:rPr lang="pl-PL" dirty="0" err="1"/>
-              <a:t>it</a:t>
+              <a:rPr lang="pl-PL" dirty="0"/>
+              <a:t>	log.info </a:t>
+            </a:r>
+            <a:r>
+              <a:rPr lang="pl-PL" dirty="0" err="1"/>
+              <a:t>line</a:t>
             </a:r>
             <a:endParaRPr lang="pl-PL" dirty="0"/>
-          </a:p>
-          <a:p>
-            <a:pPr marL="109728" indent="0">
-              <a:buNone/>
-            </a:pPr>
-            <a:r>
-              <a:rPr lang="pl-PL" dirty="0"/>
-              <a:t>    </a:t>
-            </a:r>
-            <a:r>
-              <a:rPr lang="pl-PL" dirty="0" err="1"/>
-              <a:t>testRunner.testCase.setPropertyValue</a:t>
-            </a:r>
-            <a:r>
-              <a:rPr lang="pl-PL" dirty="0"/>
-              <a:t>("</a:t>
-            </a:r>
-            <a:r>
-              <a:rPr lang="pl-PL" dirty="0" err="1"/>
-              <a:t>carname</a:t>
-            </a:r>
-            <a:r>
-              <a:rPr lang="pl-PL" dirty="0"/>
-              <a:t>", </a:t>
-            </a:r>
-            <a:r>
-              <a:rPr lang="pl-PL" dirty="0" err="1"/>
-              <a:t>it</a:t>
-            </a:r>
-            <a:r>
-              <a:rPr lang="pl-PL" dirty="0"/>
-              <a:t>)</a:t>
-            </a:r>
-          </a:p>
-          <a:p>
-            <a:pPr marL="109728" indent="0">
-              <a:buNone/>
-            </a:pPr>
-            <a:r>
-              <a:rPr lang="pl-PL" dirty="0"/>
-              <a:t>    </a:t>
-            </a:r>
-            <a:r>
-              <a:rPr lang="pl-PL" dirty="0" err="1"/>
-              <a:t>testRunner.runTestStepByName</a:t>
-            </a:r>
-            <a:r>
-              <a:rPr lang="pl-PL" dirty="0"/>
-              <a:t>("Car")</a:t>
-            </a:r>
           </a:p>
           <a:p>
             <a:pPr marL="109728" indent="0">
@@ -23215,21 +23187,6 @@
 </file>
 
 <file path=customXml/item1.xml><?xml version="1.0" encoding="utf-8"?>
-<p:properties xmlns:p="http://schemas.microsoft.com/office/2006/metadata/properties" xmlns:xsi="http://www.w3.org/2001/XMLSchema-instance" xmlns:pc="http://schemas.microsoft.com/office/infopath/2007/PartnerControls">
-  <documentManagement/>
-</p:properties>
-</file>
-
-<file path=customXml/item2.xml><?xml version="1.0" encoding="utf-8"?>
-<?mso-contentType ?>
-<FormTemplates xmlns="http://schemas.microsoft.com/sharepoint/v3/contenttype/forms">
-  <Display>DocumentLibraryForm</Display>
-  <Edit>DocumentLibraryForm</Edit>
-  <New>DocumentLibraryForm</New>
-</FormTemplates>
-</file>
-
-<file path=customXml/item3.xml><?xml version="1.0" encoding="utf-8"?>
 <ct:contentTypeSchema xmlns:ct="http://schemas.microsoft.com/office/2006/metadata/contentType" xmlns:ma="http://schemas.microsoft.com/office/2006/metadata/properties/metaAttributes" ct:_="" ma:_="" ma:contentTypeName="Document" ma:contentTypeID="0x0101006F023BDACA3DDC49A522A4D1A545F8F3" ma:contentTypeVersion="9" ma:contentTypeDescription="Create a new document." ma:contentTypeScope="" ma:versionID="78649b871bb0333c0b53de11a7860af3">
   <xsd:schema xmlns:xsd="http://www.w3.org/2001/XMLSchema" xmlns:xs="http://www.w3.org/2001/XMLSchema" xmlns:p="http://schemas.microsoft.com/office/2006/metadata/properties" xmlns:ns3="30fc37dd-432d-48ed-b040-77204e7c7237" xmlns:ns4="4020c2d6-03b9-462c-8456-613ba2d4f50c" targetNamespace="http://schemas.microsoft.com/office/2006/metadata/properties" ma:root="true" ma:fieldsID="fe33dca6f93582f25e42088297bf5243" ns3:_="" ns4:_="">
     <xsd:import namespace="30fc37dd-432d-48ed-b040-77204e7c7237"/>
@@ -23426,7 +23383,41 @@
 </ct:contentTypeSchema>
 </file>
 
+<file path=customXml/item2.xml><?xml version="1.0" encoding="utf-8"?>
+<p:properties xmlns:p="http://schemas.microsoft.com/office/2006/metadata/properties" xmlns:xsi="http://www.w3.org/2001/XMLSchema-instance" xmlns:pc="http://schemas.microsoft.com/office/infopath/2007/PartnerControls">
+  <documentManagement/>
+</p:properties>
+</file>
+
+<file path=customXml/item3.xml><?xml version="1.0" encoding="utf-8"?>
+<?mso-contentType ?>
+<FormTemplates xmlns="http://schemas.microsoft.com/sharepoint/v3/contenttype/forms">
+  <Display>DocumentLibraryForm</Display>
+  <Edit>DocumentLibraryForm</Edit>
+  <New>DocumentLibraryForm</New>
+</FormTemplates>
+</file>
+
 <file path=customXml/itemProps1.xml><?xml version="1.0" encoding="utf-8"?>
+<ds:datastoreItem xmlns:ds="http://schemas.openxmlformats.org/officeDocument/2006/customXml" ds:itemID="{79333063-F726-4573-A0DD-E92231F3B848}">
+  <ds:schemaRefs>
+    <ds:schemaRef ds:uri="http://schemas.microsoft.com/office/2006/metadata/contentType"/>
+    <ds:schemaRef ds:uri="http://schemas.microsoft.com/office/2006/metadata/properties/metaAttributes"/>
+    <ds:schemaRef ds:uri="http://www.w3.org/2001/XMLSchema"/>
+    <ds:schemaRef ds:uri="http://schemas.microsoft.com/office/2006/metadata/properties"/>
+    <ds:schemaRef ds:uri="30fc37dd-432d-48ed-b040-77204e7c7237"/>
+    <ds:schemaRef ds:uri="4020c2d6-03b9-462c-8456-613ba2d4f50c"/>
+    <ds:schemaRef ds:uri="http://schemas.microsoft.com/office/2006/documentManagement/types"/>
+    <ds:schemaRef ds:uri="http://schemas.microsoft.com/office/infopath/2007/PartnerControls"/>
+    <ds:schemaRef ds:uri="http://schemas.openxmlformats.org/package/2006/metadata/core-properties"/>
+    <ds:schemaRef ds:uri="http://purl.org/dc/elements/1.1/"/>
+    <ds:schemaRef ds:uri="http://purl.org/dc/terms/"/>
+    <ds:schemaRef ds:uri="http://schemas.microsoft.com/internal/obd"/>
+  </ds:schemaRefs>
+</ds:datastoreItem>
+</file>
+
+<file path=customXml/itemProps2.xml><?xml version="1.0" encoding="utf-8"?>
 <ds:datastoreItem xmlns:ds="http://schemas.openxmlformats.org/officeDocument/2006/customXml" ds:itemID="{7EDFB94C-63F9-44A7-86D5-3647CEC1F192}">
   <ds:schemaRefs>
     <ds:schemaRef ds:uri="http://schemas.openxmlformats.org/package/2006/metadata/core-properties"/>
@@ -23443,29 +23434,10 @@
 </ds:datastoreItem>
 </file>
 
-<file path=customXml/itemProps2.xml><?xml version="1.0" encoding="utf-8"?>
+<file path=customXml/itemProps3.xml><?xml version="1.0" encoding="utf-8"?>
 <ds:datastoreItem xmlns:ds="http://schemas.openxmlformats.org/officeDocument/2006/customXml" ds:itemID="{8FC8895E-3DB7-45E7-90F7-94C4C0637153}">
   <ds:schemaRefs>
     <ds:schemaRef ds:uri="http://schemas.microsoft.com/sharepoint/v3/contenttype/forms"/>
   </ds:schemaRefs>
 </ds:datastoreItem>
-</file>
-
-<file path=customXml/itemProps3.xml><?xml version="1.0" encoding="utf-8"?>
-<ds:datastoreItem xmlns:ds="http://schemas.openxmlformats.org/officeDocument/2006/customXml" ds:itemID="{79333063-F726-4573-A0DD-E92231F3B848}">
-  <ds:schemaRefs>
-    <ds:schemaRef ds:uri="http://schemas.microsoft.com/office/2006/metadata/contentType"/>
-    <ds:schemaRef ds:uri="http://schemas.microsoft.com/office/2006/metadata/properties/metaAttributes"/>
-    <ds:schemaRef ds:uri="http://www.w3.org/2001/XMLSchema"/>
-    <ds:schemaRef ds:uri="http://schemas.microsoft.com/office/2006/metadata/properties"/>
-    <ds:schemaRef ds:uri="30fc37dd-432d-48ed-b040-77204e7c7237"/>
-    <ds:schemaRef ds:uri="4020c2d6-03b9-462c-8456-613ba2d4f50c"/>
-    <ds:schemaRef ds:uri="http://schemas.microsoft.com/office/2006/documentManagement/types"/>
-    <ds:schemaRef ds:uri="http://schemas.microsoft.com/office/infopath/2007/PartnerControls"/>
-    <ds:schemaRef ds:uri="http://schemas.openxmlformats.org/package/2006/metadata/core-properties"/>
-    <ds:schemaRef ds:uri="http://purl.org/dc/elements/1.1/"/>
-    <ds:schemaRef ds:uri="http://purl.org/dc/terms/"/>
-    <ds:schemaRef ds:uri="http://schemas.microsoft.com/internal/obd"/>
-  </ds:schemaRefs>
-</ds:datastoreItem>
 </file>